--- a/Multi_Agent/ETC/PPTX/MARL 알고리즘 비교 분석.pptx
+++ b/Multi_Agent/ETC/PPTX/MARL 알고리즘 비교 분석.pptx
@@ -10,19 +10,19 @@
   <p:sldIdLst>
     <p:sldId id="449" r:id="rId2"/>
     <p:sldId id="480" r:id="rId3"/>
-    <p:sldId id="573" r:id="rId4"/>
-    <p:sldId id="482" r:id="rId5"/>
-    <p:sldId id="567" r:id="rId6"/>
-    <p:sldId id="568" r:id="rId7"/>
-    <p:sldId id="569" r:id="rId8"/>
-    <p:sldId id="535" r:id="rId9"/>
-    <p:sldId id="497" r:id="rId10"/>
-    <p:sldId id="575" r:id="rId11"/>
-    <p:sldId id="576" r:id="rId12"/>
-    <p:sldId id="574" r:id="rId13"/>
-    <p:sldId id="570" r:id="rId14"/>
-    <p:sldId id="571" r:id="rId15"/>
-    <p:sldId id="572" r:id="rId16"/>
+    <p:sldId id="574" r:id="rId4"/>
+    <p:sldId id="580" r:id="rId5"/>
+    <p:sldId id="570" r:id="rId6"/>
+    <p:sldId id="572" r:id="rId7"/>
+    <p:sldId id="579" r:id="rId8"/>
+    <p:sldId id="573" r:id="rId9"/>
+    <p:sldId id="581" r:id="rId10"/>
+    <p:sldId id="482" r:id="rId11"/>
+    <p:sldId id="569" r:id="rId12"/>
+    <p:sldId id="577" r:id="rId13"/>
+    <p:sldId id="497" r:id="rId14"/>
+    <p:sldId id="575" r:id="rId15"/>
+    <p:sldId id="576" r:id="rId16"/>
   </p:sldIdLst>
   <p:sldSz cx="9144000" cy="6858000" type="screen4x3"/>
   <p:notesSz cx="6797675" cy="9928225"/>
@@ -234,7 +234,7 @@
           <a:p>
             <a:fld id="{AF85BF95-9674-4AD9-9C79-594932E5DA65}" type="datetimeFigureOut">
               <a:rPr lang="ko-KR" altLang="en-US" smtClean="0"/>
-              <a:t>2020-04-06</a:t>
+              <a:t>2020-04-12</a:t>
             </a:fld>
             <a:endParaRPr lang="ko-KR" altLang="en-US"/>
           </a:p>
@@ -672,38 +672,10 @@
           <a:bodyPr/>
           <a:lstStyle/>
           <a:p>
-            <a:pPr marL="0" marR="0" lvl="0" indent="0" algn="l" defTabSz="914400" rtl="0" eaLnBrk="1" fontAlgn="auto" latinLnBrk="1" hangingPunct="1">
-              <a:lnSpc>
-                <a:spcPct val="100000"/>
-              </a:lnSpc>
-              <a:spcBef>
-                <a:spcPts val="0"/>
-              </a:spcBef>
-              <a:spcAft>
-                <a:spcPts val="0"/>
-              </a:spcAft>
-              <a:buClrTx/>
-              <a:buSzTx/>
-              <a:buFontTx/>
-              <a:buNone/>
-              <a:tabLst/>
-              <a:defRPr/>
-            </a:pPr>
-            <a:r>
-              <a:rPr lang="en-US" altLang="ko-KR" sz="1200" dirty="0"/>
-              <a:t>Thus, Q-learning algorithms can be applied to arbitrarily complex problems (with a very large state space) but their </a:t>
-            </a:r>
-            <a:r>
-              <a:rPr lang="en-US" altLang="ko-KR" sz="1200" b="1" u="sng" dirty="0"/>
-              <a:t>action space has to be limited</a:t>
-            </a:r>
-            <a:r>
-              <a:rPr lang="en-US" altLang="ko-KR" sz="1200" dirty="0"/>
-              <a:t>. </a:t>
-            </a:r>
-          </a:p>
-          <a:p>
-            <a:endParaRPr lang="ko-KR" altLang="en-US" dirty="0"/>
+            <a:r>
+              <a:rPr lang="ko-KR" altLang="en-US" dirty="0"/>
+              <a:t>비선형 신경망을 추가하여 계산함</a:t>
+            </a:r>
           </a:p>
         </p:txBody>
       </p:sp>
@@ -724,7 +696,7 @@
           <a:p>
             <a:fld id="{C6F45755-919B-47ED-8D88-DB115CB9423E}" type="slidenum">
               <a:rPr lang="ko-KR" altLang="en-US" smtClean="0"/>
-              <a:t>4</a:t>
+              <a:t>6</a:t>
             </a:fld>
             <a:endParaRPr lang="ko-KR" altLang="en-US"/>
           </a:p>
@@ -733,7 +705,7 @@
     </p:spTree>
     <p:extLst>
       <p:ext uri="{BB962C8B-B14F-4D97-AF65-F5344CB8AC3E}">
-        <p14:creationId xmlns:p14="http://schemas.microsoft.com/office/powerpoint/2010/main" val="3849237054"/>
+        <p14:creationId xmlns:p14="http://schemas.microsoft.com/office/powerpoint/2010/main" val="3119107168"/>
       </p:ext>
     </p:extLst>
   </p:cSld>
@@ -839,7 +811,7 @@
           <a:p>
             <a:fld id="{C6F45755-919B-47ED-8D88-DB115CB9423E}" type="slidenum">
               <a:rPr lang="ko-KR" altLang="en-US" smtClean="0"/>
-              <a:t>5</a:t>
+              <a:t>9</a:t>
             </a:fld>
             <a:endParaRPr lang="ko-KR" altLang="en-US"/>
           </a:p>
@@ -848,7 +820,7 @@
     </p:spTree>
     <p:extLst>
       <p:ext uri="{BB962C8B-B14F-4D97-AF65-F5344CB8AC3E}">
-        <p14:creationId xmlns:p14="http://schemas.microsoft.com/office/powerpoint/2010/main" val="2145072608"/>
+        <p14:creationId xmlns:p14="http://schemas.microsoft.com/office/powerpoint/2010/main" val="1000578880"/>
       </p:ext>
     </p:extLst>
   </p:cSld>
@@ -954,7 +926,7 @@
           <a:p>
             <a:fld id="{C6F45755-919B-47ED-8D88-DB115CB9423E}" type="slidenum">
               <a:rPr lang="ko-KR" altLang="en-US" smtClean="0"/>
-              <a:t>6</a:t>
+              <a:t>10</a:t>
             </a:fld>
             <a:endParaRPr lang="ko-KR" altLang="en-US"/>
           </a:p>
@@ -963,7 +935,7 @@
     </p:spTree>
     <p:extLst>
       <p:ext uri="{BB962C8B-B14F-4D97-AF65-F5344CB8AC3E}">
-        <p14:creationId xmlns:p14="http://schemas.microsoft.com/office/powerpoint/2010/main" val="3487408769"/>
+        <p14:creationId xmlns:p14="http://schemas.microsoft.com/office/powerpoint/2010/main" val="3849237054"/>
       </p:ext>
     </p:extLst>
   </p:cSld>
@@ -1069,7 +1041,7 @@
           <a:p>
             <a:fld id="{C6F45755-919B-47ED-8D88-DB115CB9423E}" type="slidenum">
               <a:rPr lang="ko-KR" altLang="en-US" smtClean="0"/>
-              <a:t>7</a:t>
+              <a:t>11</a:t>
             </a:fld>
             <a:endParaRPr lang="ko-KR" altLang="en-US"/>
           </a:p>
@@ -1184,7 +1156,7 @@
           <a:p>
             <a:fld id="{C6F45755-919B-47ED-8D88-DB115CB9423E}" type="slidenum">
               <a:rPr lang="ko-KR" altLang="en-US" smtClean="0"/>
-              <a:t>9</a:t>
+              <a:t>12</a:t>
             </a:fld>
             <a:endParaRPr lang="ko-KR" altLang="en-US"/>
           </a:p>
@@ -1193,7 +1165,7 @@
     </p:spTree>
     <p:extLst>
       <p:ext uri="{BB962C8B-B14F-4D97-AF65-F5344CB8AC3E}">
-        <p14:creationId xmlns:p14="http://schemas.microsoft.com/office/powerpoint/2010/main" val="3105042151"/>
+        <p14:creationId xmlns:p14="http://schemas.microsoft.com/office/powerpoint/2010/main" val="3645477775"/>
       </p:ext>
     </p:extLst>
   </p:cSld>
@@ -1299,7 +1271,7 @@
           <a:p>
             <a:fld id="{C6F45755-919B-47ED-8D88-DB115CB9423E}" type="slidenum">
               <a:rPr lang="ko-KR" altLang="en-US" smtClean="0"/>
-              <a:t>10</a:t>
+              <a:t>13</a:t>
             </a:fld>
             <a:endParaRPr lang="ko-KR" altLang="en-US"/>
           </a:p>
@@ -1308,7 +1280,7 @@
     </p:spTree>
     <p:extLst>
       <p:ext uri="{BB962C8B-B14F-4D97-AF65-F5344CB8AC3E}">
-        <p14:creationId xmlns:p14="http://schemas.microsoft.com/office/powerpoint/2010/main" val="3793238386"/>
+        <p14:creationId xmlns:p14="http://schemas.microsoft.com/office/powerpoint/2010/main" val="3105042151"/>
       </p:ext>
     </p:extLst>
   </p:cSld>
@@ -1414,7 +1386,7 @@
           <a:p>
             <a:fld id="{C6F45755-919B-47ED-8D88-DB115CB9423E}" type="slidenum">
               <a:rPr lang="ko-KR" altLang="en-US" smtClean="0"/>
-              <a:t>11</a:t>
+              <a:t>14</a:t>
             </a:fld>
             <a:endParaRPr lang="ko-KR" altLang="en-US"/>
           </a:p>
@@ -1423,7 +1395,7 @@
     </p:spTree>
     <p:extLst>
       <p:ext uri="{BB962C8B-B14F-4D97-AF65-F5344CB8AC3E}">
-        <p14:creationId xmlns:p14="http://schemas.microsoft.com/office/powerpoint/2010/main" val="2591604067"/>
+        <p14:creationId xmlns:p14="http://schemas.microsoft.com/office/powerpoint/2010/main" val="3793238386"/>
       </p:ext>
     </p:extLst>
   </p:cSld>
@@ -1477,10 +1449,38 @@
           <a:bodyPr/>
           <a:lstStyle/>
           <a:p>
-            <a:r>
-              <a:rPr lang="ko-KR" altLang="en-US" dirty="0"/>
-              <a:t>비선형 신경망을 추가하여 계산함</a:t>
-            </a:r>
+            <a:pPr marL="0" marR="0" lvl="0" indent="0" algn="l" defTabSz="914400" rtl="0" eaLnBrk="1" fontAlgn="auto" latinLnBrk="1" hangingPunct="1">
+              <a:lnSpc>
+                <a:spcPct val="100000"/>
+              </a:lnSpc>
+              <a:spcBef>
+                <a:spcPts val="0"/>
+              </a:spcBef>
+              <a:spcAft>
+                <a:spcPts val="0"/>
+              </a:spcAft>
+              <a:buClrTx/>
+              <a:buSzTx/>
+              <a:buFontTx/>
+              <a:buNone/>
+              <a:tabLst/>
+              <a:defRPr/>
+            </a:pPr>
+            <a:r>
+              <a:rPr lang="en-US" altLang="ko-KR" sz="1200" dirty="0"/>
+              <a:t>Thus, Q-learning algorithms can be applied to arbitrarily complex problems (with a very large state space) but their </a:t>
+            </a:r>
+            <a:r>
+              <a:rPr lang="en-US" altLang="ko-KR" sz="1200" b="1" u="sng" dirty="0"/>
+              <a:t>action space has to be limited</a:t>
+            </a:r>
+            <a:r>
+              <a:rPr lang="en-US" altLang="ko-KR" sz="1200" dirty="0"/>
+              <a:t>. </a:t>
+            </a:r>
+          </a:p>
+          <a:p>
+            <a:endParaRPr lang="ko-KR" altLang="en-US" dirty="0"/>
           </a:p>
         </p:txBody>
       </p:sp>
@@ -1510,7 +1510,7 @@
     </p:spTree>
     <p:extLst>
       <p:ext uri="{BB962C8B-B14F-4D97-AF65-F5344CB8AC3E}">
-        <p14:creationId xmlns:p14="http://schemas.microsoft.com/office/powerpoint/2010/main" val="3119107168"/>
+        <p14:creationId xmlns:p14="http://schemas.microsoft.com/office/powerpoint/2010/main" val="2591604067"/>
       </p:ext>
     </p:extLst>
   </p:cSld>
@@ -1723,7 +1723,7 @@
             <a:fld id="{D0DB8FD8-EA96-4975-82CC-472F95990E2A}" type="datetimeFigureOut">
               <a:rPr lang="ko-KR" altLang="en-US" smtClean="0"/>
               <a:pPr/>
-              <a:t>2020-04-06</a:t>
+              <a:t>2020-04-12</a:t>
             </a:fld>
             <a:endParaRPr lang="ko-KR" altLang="en-US"/>
           </a:p>
@@ -1966,7 +1966,7 @@
             <a:fld id="{D0DB8FD8-EA96-4975-82CC-472F95990E2A}" type="datetimeFigureOut">
               <a:rPr lang="ko-KR" altLang="en-US" smtClean="0"/>
               <a:pPr/>
-              <a:t>2020-04-06</a:t>
+              <a:t>2020-04-12</a:t>
             </a:fld>
             <a:endParaRPr lang="ko-KR" altLang="en-US"/>
           </a:p>
@@ -2160,7 +2160,7 @@
             <a:fld id="{D0DB8FD8-EA96-4975-82CC-472F95990E2A}" type="datetimeFigureOut">
               <a:rPr lang="ko-KR" altLang="en-US" smtClean="0"/>
               <a:pPr/>
-              <a:t>2020-04-06</a:t>
+              <a:t>2020-04-12</a:t>
             </a:fld>
             <a:endParaRPr lang="ko-KR" altLang="en-US"/>
           </a:p>
@@ -2345,7 +2345,7 @@
             <a:fld id="{D0DB8FD8-EA96-4975-82CC-472F95990E2A}" type="datetimeFigureOut">
               <a:rPr lang="ko-KR" altLang="en-US" smtClean="0"/>
               <a:pPr/>
-              <a:t>2020-04-06</a:t>
+              <a:t>2020-04-12</a:t>
             </a:fld>
             <a:endParaRPr lang="ko-KR" altLang="en-US"/>
           </a:p>
@@ -2531,7 +2531,7 @@
             <a:fld id="{D0DB8FD8-EA96-4975-82CC-472F95990E2A}" type="datetimeFigureOut">
               <a:rPr lang="ko-KR" altLang="en-US" smtClean="0"/>
               <a:pPr/>
-              <a:t>2020-04-06</a:t>
+              <a:t>2020-04-12</a:t>
             </a:fld>
             <a:endParaRPr lang="ko-KR" altLang="en-US"/>
           </a:p>
@@ -2782,7 +2782,7 @@
             <a:fld id="{D0DB8FD8-EA96-4975-82CC-472F95990E2A}" type="datetimeFigureOut">
               <a:rPr lang="ko-KR" altLang="en-US" smtClean="0"/>
               <a:pPr/>
-              <a:t>2020-04-06</a:t>
+              <a:t>2020-04-12</a:t>
             </a:fld>
             <a:endParaRPr lang="ko-KR" altLang="en-US"/>
           </a:p>
@@ -3054,7 +3054,7 @@
             <a:fld id="{D0DB8FD8-EA96-4975-82CC-472F95990E2A}" type="datetimeFigureOut">
               <a:rPr lang="ko-KR" altLang="en-US" smtClean="0"/>
               <a:pPr/>
-              <a:t>2020-04-06</a:t>
+              <a:t>2020-04-12</a:t>
             </a:fld>
             <a:endParaRPr lang="ko-KR" altLang="en-US"/>
           </a:p>
@@ -3324,7 +3324,7 @@
             <a:fld id="{D0DB8FD8-EA96-4975-82CC-472F95990E2A}" type="datetimeFigureOut">
               <a:rPr lang="ko-KR" altLang="en-US" smtClean="0"/>
               <a:pPr/>
-              <a:t>2020-04-06</a:t>
+              <a:t>2020-04-12</a:t>
             </a:fld>
             <a:endParaRPr lang="ko-KR" altLang="en-US"/>
           </a:p>
@@ -3667,7 +3667,7 @@
             <a:fld id="{D0DB8FD8-EA96-4975-82CC-472F95990E2A}" type="datetimeFigureOut">
               <a:rPr lang="ko-KR" altLang="en-US" smtClean="0"/>
               <a:pPr/>
-              <a:t>2020-04-06</a:t>
+              <a:t>2020-04-12</a:t>
             </a:fld>
             <a:endParaRPr lang="ko-KR" altLang="en-US"/>
           </a:p>
@@ -4144,7 +4144,7 @@
             <a:fld id="{D0DB8FD8-EA96-4975-82CC-472F95990E2A}" type="datetimeFigureOut">
               <a:rPr lang="ko-KR" altLang="en-US" smtClean="0"/>
               <a:pPr/>
-              <a:t>2020-04-06</a:t>
+              <a:t>2020-04-12</a:t>
             </a:fld>
             <a:endParaRPr lang="ko-KR" altLang="en-US"/>
           </a:p>
@@ -4317,7 +4317,7 @@
             <a:fld id="{D0DB8FD8-EA96-4975-82CC-472F95990E2A}" type="datetimeFigureOut">
               <a:rPr lang="ko-KR" altLang="en-US" smtClean="0"/>
               <a:pPr/>
-              <a:t>2020-04-06</a:t>
+              <a:t>2020-04-12</a:t>
             </a:fld>
             <a:endParaRPr lang="ko-KR" altLang="en-US"/>
           </a:p>
@@ -4426,7 +4426,7 @@
             <a:fld id="{D0DB8FD8-EA96-4975-82CC-472F95990E2A}" type="datetimeFigureOut">
               <a:rPr lang="ko-KR" altLang="en-US" smtClean="0"/>
               <a:pPr/>
-              <a:t>2020-04-06</a:t>
+              <a:t>2020-04-12</a:t>
             </a:fld>
             <a:endParaRPr lang="ko-KR" altLang="en-US"/>
           </a:p>
@@ -4717,7 +4717,7 @@
             <a:fld id="{D0DB8FD8-EA96-4975-82CC-472F95990E2A}" type="datetimeFigureOut">
               <a:rPr lang="ko-KR" altLang="en-US" smtClean="0"/>
               <a:pPr/>
-              <a:t>2020-04-06</a:t>
+              <a:t>2020-04-12</a:t>
             </a:fld>
             <a:endParaRPr lang="ko-KR" altLang="en-US"/>
           </a:p>
@@ -4991,7 +4991,7 @@
             <a:fld id="{D0DB8FD8-EA96-4975-82CC-472F95990E2A}" type="datetimeFigureOut">
               <a:rPr lang="ko-KR" altLang="en-US" smtClean="0"/>
               <a:pPr/>
-              <a:t>2020-04-06</a:t>
+              <a:t>2020-04-12</a:t>
             </a:fld>
             <a:endParaRPr lang="ko-KR" altLang="en-US"/>
           </a:p>
@@ -5270,7 +5270,7 @@
             <a:fld id="{D0DB8FD8-EA96-4975-82CC-472F95990E2A}" type="datetimeFigureOut">
               <a:rPr lang="ko-KR" altLang="en-US" smtClean="0"/>
               <a:pPr/>
-              <a:t>2020-04-06</a:t>
+              <a:t>2020-04-12</a:t>
             </a:fld>
             <a:endParaRPr lang="ko-KR" altLang="en-US"/>
           </a:p>
@@ -6055,10 +6055,14 @@
           <a:lstStyle/>
           <a:p>
             <a:r>
-              <a:rPr lang="en-US" altLang="ko-KR" sz="3600" b="1" dirty="0"/>
-              <a:t>MARL – LIIR</a:t>
-            </a:r>
-            <a:endParaRPr lang="ko-KR" altLang="en-US" sz="3600" b="1" spc="-150" dirty="0"/>
+              <a:rPr lang="en-US" altLang="ko-KR" sz="3600" b="1" dirty="0">
+                <a:latin typeface="Calibri (제목)"/>
+              </a:rPr>
+              <a:t>Policy Gradient MARL - COMA</a:t>
+            </a:r>
+            <a:endParaRPr lang="ko-KR" altLang="en-US" sz="3600" b="1" dirty="0">
+              <a:latin typeface="Calibri (제목)"/>
+            </a:endParaRPr>
           </a:p>
         </p:txBody>
       </p:sp>
@@ -6084,12 +6088,264 @@
           <a:lstStyle/>
           <a:p>
             <a:r>
-              <a:rPr lang="en-US" altLang="ko-KR" sz="2400" dirty="0"/>
-              <a:t>Reward Shape</a:t>
-            </a:r>
+              <a:rPr lang="ko-KR" altLang="en-US" sz="2400" b="1" dirty="0"/>
+              <a:t>적용된 학습 방법</a:t>
+            </a:r>
+            <a:endParaRPr lang="en-US" altLang="ko-KR" sz="2400" b="1" dirty="0"/>
           </a:p>
           <a:p>
             <a:pPr lvl="1"/>
+            <a:r>
+              <a:rPr lang="en-US" altLang="ko-KR" sz="2000" dirty="0"/>
+              <a:t>Actor(Decentralize)-Critic(Centralize)</a:t>
+            </a:r>
+            <a:r>
+              <a:rPr lang="ko-KR" altLang="en-US" sz="2000" dirty="0"/>
+              <a:t>의</a:t>
+            </a:r>
+            <a:r>
+              <a:rPr lang="en-US" altLang="ko-KR" sz="2000" dirty="0"/>
+              <a:t> Policy Gradient</a:t>
+            </a:r>
+          </a:p>
+          <a:p>
+            <a:pPr lvl="1"/>
+            <a:r>
+              <a:rPr lang="ko-KR" altLang="en-US" sz="2000" dirty="0"/>
+              <a:t>각</a:t>
+            </a:r>
+            <a:r>
+              <a:rPr lang="en-US" altLang="ko-KR" sz="2000" dirty="0"/>
+              <a:t> agent</a:t>
+            </a:r>
+            <a:r>
+              <a:rPr lang="ko-KR" altLang="en-US" sz="2000" dirty="0"/>
+              <a:t>의 </a:t>
+            </a:r>
+            <a:r>
+              <a:rPr lang="en-US" altLang="ko-KR" sz="2000" dirty="0"/>
+              <a:t>policy</a:t>
+            </a:r>
+            <a:r>
+              <a:rPr lang="ko-KR" altLang="en-US" sz="2000" dirty="0"/>
+              <a:t>에 </a:t>
+            </a:r>
+            <a:r>
+              <a:rPr lang="en-US" altLang="ko-KR" sz="2000" dirty="0"/>
+              <a:t>Advantage</a:t>
+            </a:r>
+            <a:r>
+              <a:rPr lang="ko-KR" altLang="en-US" sz="2000" dirty="0"/>
+              <a:t>를 반영하여 최적화 시킴</a:t>
+            </a:r>
+            <a:endParaRPr lang="en-US" altLang="ko-KR" sz="2000" dirty="0"/>
+          </a:p>
+          <a:p>
+            <a:pPr lvl="2"/>
+            <a:r>
+              <a:rPr lang="ko-KR" altLang="en-US" sz="1600" dirty="0"/>
+              <a:t>각 </a:t>
+            </a:r>
+            <a:r>
+              <a:rPr lang="en-US" altLang="ko-KR" sz="1600" dirty="0"/>
+              <a:t>agent</a:t>
+            </a:r>
+            <a:r>
+              <a:rPr lang="ko-KR" altLang="en-US" sz="1600" dirty="0"/>
+              <a:t>의 </a:t>
+            </a:r>
+            <a:r>
+              <a:rPr lang="en-US" altLang="ko-KR" sz="1600" dirty="0"/>
+              <a:t>action</a:t>
+            </a:r>
+            <a:r>
+              <a:rPr lang="ko-KR" altLang="en-US" sz="1600" dirty="0"/>
+              <a:t>을 평가함</a:t>
+            </a:r>
+            <a:endParaRPr lang="en-US" altLang="ko-KR" sz="1600" dirty="0"/>
+          </a:p>
+          <a:p>
+            <a:endParaRPr lang="en-US" altLang="ko-KR" sz="2400" b="1" dirty="0"/>
+          </a:p>
+          <a:p>
+            <a:endParaRPr lang="en-US" altLang="ko-KR" sz="2400" b="1" dirty="0"/>
+          </a:p>
+          <a:p>
+            <a:r>
+              <a:rPr lang="ko-KR" altLang="en-US" sz="2400" b="1" dirty="0"/>
+              <a:t>각 </a:t>
+            </a:r>
+            <a:r>
+              <a:rPr lang="en-US" altLang="ko-KR" sz="2400" b="1" dirty="0"/>
+              <a:t>agent</a:t>
+            </a:r>
+            <a:r>
+              <a:rPr lang="ko-KR" altLang="en-US" sz="2400" b="1" dirty="0"/>
+              <a:t>의 </a:t>
+            </a:r>
+            <a:r>
+              <a:rPr lang="en-US" altLang="ko-KR" sz="2400" b="1" dirty="0"/>
+              <a:t>policy </a:t>
+            </a:r>
+            <a:r>
+              <a:rPr lang="ko-KR" altLang="en-US" sz="2400" b="1" dirty="0"/>
+              <a:t>수행방법</a:t>
+            </a:r>
+            <a:endParaRPr lang="en-US" altLang="ko-KR" sz="2400" b="1" dirty="0"/>
+          </a:p>
+          <a:p>
+            <a:pPr lvl="1"/>
+            <a:r>
+              <a:rPr lang="ko-KR" altLang="en-US" sz="2000" dirty="0"/>
+              <a:t>각 </a:t>
+            </a:r>
+            <a:r>
+              <a:rPr lang="en-US" altLang="ko-KR" sz="2000" dirty="0"/>
+              <a:t>agent</a:t>
+            </a:r>
+            <a:r>
+              <a:rPr lang="ko-KR" altLang="en-US" sz="2000" dirty="0"/>
+              <a:t>의 </a:t>
+            </a:r>
+            <a:r>
+              <a:rPr lang="en-US" altLang="ko-KR" sz="2000" dirty="0"/>
+              <a:t>action</a:t>
+            </a:r>
+            <a:r>
+              <a:rPr lang="ko-KR" altLang="en-US" sz="2000" dirty="0"/>
+              <a:t>의 확률을 얻는다</a:t>
+            </a:r>
+            <a:r>
+              <a:rPr lang="en-US" altLang="ko-KR" sz="2000" dirty="0"/>
+              <a:t>.</a:t>
+            </a:r>
+          </a:p>
+          <a:p>
+            <a:pPr lvl="1"/>
+            <a:r>
+              <a:rPr lang="en-US" altLang="ko-KR" sz="2000" dirty="0"/>
+              <a:t>Q</a:t>
+            </a:r>
+            <a:r>
+              <a:rPr lang="ko-KR" altLang="en-US" sz="2000" dirty="0"/>
+              <a:t>값과 </a:t>
+            </a:r>
+            <a:r>
+              <a:rPr lang="en-US" altLang="ko-KR" sz="2000" dirty="0"/>
+              <a:t>action</a:t>
+            </a:r>
+            <a:r>
+              <a:rPr lang="ko-KR" altLang="en-US" sz="2000" dirty="0"/>
+              <a:t>의 확률의 합을 </a:t>
+            </a:r>
+            <a:r>
+              <a:rPr lang="en-US" altLang="ko-KR" sz="2000" dirty="0"/>
+              <a:t>baseline</a:t>
+            </a:r>
+            <a:r>
+              <a:rPr lang="ko-KR" altLang="en-US" sz="2000" dirty="0"/>
+              <a:t>으로 설정한다</a:t>
+            </a:r>
+            <a:r>
+              <a:rPr lang="en-US" altLang="ko-KR" sz="2000" dirty="0"/>
+              <a:t>.</a:t>
+            </a:r>
+          </a:p>
+          <a:p>
+            <a:pPr lvl="1"/>
+            <a:r>
+              <a:rPr lang="en-US" altLang="ko-KR" sz="2000" dirty="0"/>
+              <a:t>Advantage</a:t>
+            </a:r>
+            <a:r>
+              <a:rPr lang="ko-KR" altLang="en-US" sz="2000" dirty="0"/>
+              <a:t>를 </a:t>
+            </a:r>
+            <a:r>
+              <a:rPr lang="en-US" altLang="ko-KR" sz="2000" dirty="0"/>
+              <a:t>(Q</a:t>
+            </a:r>
+            <a:r>
+              <a:rPr lang="ko-KR" altLang="en-US" sz="2000" dirty="0"/>
+              <a:t>값 </a:t>
+            </a:r>
+            <a:r>
+              <a:rPr lang="en-US" altLang="ko-KR" sz="2000" dirty="0"/>
+              <a:t>– baseline)</a:t>
+            </a:r>
+            <a:r>
+              <a:rPr lang="ko-KR" altLang="en-US" sz="2000" dirty="0"/>
+              <a:t>의 값으로</a:t>
+            </a:r>
+            <a:r>
+              <a:rPr lang="en-US" altLang="ko-KR" sz="2000" dirty="0"/>
+              <a:t> </a:t>
+            </a:r>
+            <a:r>
+              <a:rPr lang="ko-KR" altLang="en-US" sz="2000" dirty="0"/>
+              <a:t>설정한다</a:t>
+            </a:r>
+            <a:r>
+              <a:rPr lang="en-US" altLang="ko-KR" sz="2000" dirty="0"/>
+              <a:t>.</a:t>
+            </a:r>
+          </a:p>
+          <a:p>
+            <a:pPr lvl="1"/>
+            <a:r>
+              <a:rPr lang="en-US" altLang="ko-KR" sz="2000" dirty="0"/>
+              <a:t>Action</a:t>
+            </a:r>
+            <a:r>
+              <a:rPr lang="ko-KR" altLang="en-US" sz="2000" dirty="0"/>
+              <a:t>의 대한 확률과 </a:t>
+            </a:r>
+            <a:r>
+              <a:rPr lang="en-US" altLang="ko-KR" sz="2000" dirty="0"/>
+              <a:t>Advantage</a:t>
+            </a:r>
+            <a:r>
+              <a:rPr lang="ko-KR" altLang="en-US" sz="2000" dirty="0"/>
+              <a:t>를 목적함수로 설정하여 </a:t>
+            </a:r>
+            <a:r>
+              <a:rPr lang="en-US" altLang="ko-KR" sz="2000" dirty="0"/>
+              <a:t>Gradient Ascent </a:t>
+            </a:r>
+            <a:r>
+              <a:rPr lang="ko-KR" altLang="en-US" sz="2000" dirty="0"/>
+              <a:t>방법으로 최적화 시킨다</a:t>
+            </a:r>
+            <a:r>
+              <a:rPr lang="en-US" altLang="ko-KR" sz="2000" dirty="0"/>
+              <a:t>.</a:t>
+            </a:r>
+          </a:p>
+          <a:p>
+            <a:endParaRPr lang="en-US" altLang="ko-KR" sz="2400" b="1" dirty="0"/>
+          </a:p>
+          <a:p>
+            <a:endParaRPr lang="en-US" altLang="ko-KR" sz="2400" b="1" dirty="0"/>
+          </a:p>
+          <a:p>
+            <a:pPr marL="0" indent="0">
+              <a:buNone/>
+            </a:pPr>
+            <a:endParaRPr lang="en-US" altLang="ko-KR" sz="2000" b="1" dirty="0"/>
+          </a:p>
+          <a:p>
+            <a:pPr marL="0" indent="0">
+              <a:buNone/>
+            </a:pPr>
+            <a:endParaRPr lang="en-US" altLang="ko-KR" sz="2000" b="1" dirty="0"/>
+          </a:p>
+          <a:p>
+            <a:pPr marL="457200" lvl="1" indent="0">
+              <a:buNone/>
+            </a:pPr>
+            <a:endParaRPr lang="en-US" altLang="ko-KR" sz="2000" b="1" dirty="0"/>
+          </a:p>
+          <a:p>
             <a:endParaRPr lang="en-US" altLang="ko-KR" dirty="0"/>
           </a:p>
           <a:p>
@@ -6100,130 +6356,10 @@
           </a:p>
         </p:txBody>
       </p:sp>
-      <p:pic>
-        <p:nvPicPr>
-          <p:cNvPr id="5" name="그림 4">
-            <a:extLst>
-              <a:ext uri="{FF2B5EF4-FFF2-40B4-BE49-F238E27FC236}">
-                <a16:creationId xmlns:a16="http://schemas.microsoft.com/office/drawing/2014/main" id="{499A5DC9-38C6-4505-86A3-C7797FE2CA1E}"/>
-              </a:ext>
-            </a:extLst>
-          </p:cNvPr>
-          <p:cNvPicPr>
-            <a:picLocks noChangeAspect="1"/>
-          </p:cNvPicPr>
-          <p:nvPr/>
-        </p:nvPicPr>
-        <p:blipFill>
-          <a:blip r:embed="rId3"/>
-          <a:stretch>
-            <a:fillRect/>
-          </a:stretch>
-        </p:blipFill>
-        <p:spPr>
-          <a:xfrm>
-            <a:off x="457200" y="1988840"/>
-            <a:ext cx="2513165" cy="792088"/>
-          </a:xfrm>
-          <a:prstGeom prst="rect">
-            <a:avLst/>
-          </a:prstGeom>
-        </p:spPr>
-      </p:pic>
-      <p:pic>
-        <p:nvPicPr>
-          <p:cNvPr id="6" name="그림 5">
-            <a:extLst>
-              <a:ext uri="{FF2B5EF4-FFF2-40B4-BE49-F238E27FC236}">
-                <a16:creationId xmlns:a16="http://schemas.microsoft.com/office/drawing/2014/main" id="{C5EB302D-209B-45F6-B032-D9D5CA5E48E5}"/>
-              </a:ext>
-            </a:extLst>
-          </p:cNvPr>
-          <p:cNvPicPr>
-            <a:picLocks noChangeAspect="1"/>
-          </p:cNvPicPr>
-          <p:nvPr/>
-        </p:nvPicPr>
-        <p:blipFill>
-          <a:blip r:embed="rId4"/>
-          <a:stretch>
-            <a:fillRect/>
-          </a:stretch>
-        </p:blipFill>
-        <p:spPr>
-          <a:xfrm>
-            <a:off x="473621" y="2823216"/>
-            <a:ext cx="2921568" cy="605784"/>
-          </a:xfrm>
-          <a:prstGeom prst="rect">
-            <a:avLst/>
-          </a:prstGeom>
-        </p:spPr>
-      </p:pic>
-      <p:pic>
-        <p:nvPicPr>
-          <p:cNvPr id="7" name="그림 6">
-            <a:extLst>
-              <a:ext uri="{FF2B5EF4-FFF2-40B4-BE49-F238E27FC236}">
-                <a16:creationId xmlns:a16="http://schemas.microsoft.com/office/drawing/2014/main" id="{AD884EEA-BA60-42B8-AC42-73E97A6F6416}"/>
-              </a:ext>
-            </a:extLst>
-          </p:cNvPr>
-          <p:cNvPicPr>
-            <a:picLocks noChangeAspect="1"/>
-          </p:cNvPicPr>
-          <p:nvPr/>
-        </p:nvPicPr>
-        <p:blipFill>
-          <a:blip r:embed="rId5"/>
-          <a:stretch>
-            <a:fillRect/>
-          </a:stretch>
-        </p:blipFill>
-        <p:spPr>
-          <a:xfrm>
-            <a:off x="462980" y="3611562"/>
-            <a:ext cx="3865597" cy="514790"/>
-          </a:xfrm>
-          <a:prstGeom prst="rect">
-            <a:avLst/>
-          </a:prstGeom>
-        </p:spPr>
-      </p:pic>
-      <p:pic>
-        <p:nvPicPr>
-          <p:cNvPr id="8" name="그림 7">
-            <a:extLst>
-              <a:ext uri="{FF2B5EF4-FFF2-40B4-BE49-F238E27FC236}">
-                <a16:creationId xmlns:a16="http://schemas.microsoft.com/office/drawing/2014/main" id="{46BB02BC-9C24-4851-8555-9FAC13F4F6BD}"/>
-              </a:ext>
-            </a:extLst>
-          </p:cNvPr>
-          <p:cNvPicPr>
-            <a:picLocks noChangeAspect="1"/>
-          </p:cNvPicPr>
-          <p:nvPr/>
-        </p:nvPicPr>
-        <p:blipFill>
-          <a:blip r:embed="rId6"/>
-          <a:stretch>
-            <a:fillRect/>
-          </a:stretch>
-        </p:blipFill>
-        <p:spPr>
-          <a:xfrm>
-            <a:off x="5156995" y="1622047"/>
-            <a:ext cx="3677805" cy="2402337"/>
-          </a:xfrm>
-          <a:prstGeom prst="rect">
-            <a:avLst/>
-          </a:prstGeom>
-        </p:spPr>
-      </p:pic>
     </p:spTree>
     <p:extLst>
       <p:ext uri="{BB962C8B-B14F-4D97-AF65-F5344CB8AC3E}">
-        <p14:creationId xmlns:p14="http://schemas.microsoft.com/office/powerpoint/2010/main" val="3201169643"/>
+        <p14:creationId xmlns:p14="http://schemas.microsoft.com/office/powerpoint/2010/main" val="2995652094"/>
       </p:ext>
     </p:extLst>
   </p:cSld>
@@ -6272,2232 +6408,14 @@
           <a:lstStyle/>
           <a:p>
             <a:r>
+              <a:rPr lang="en-US" altLang="ko-KR" sz="3600" b="1" dirty="0">
+                <a:latin typeface="Calibri (제목)"/>
+              </a:rPr>
+              <a:t>Policy Gradient MARL</a:t>
+            </a:r>
+            <a:r>
               <a:rPr lang="en-US" altLang="ko-KR" sz="3600" b="1" dirty="0"/>
-              <a:t>MARL – LIIR</a:t>
-            </a:r>
-            <a:endParaRPr lang="ko-KR" altLang="en-US" sz="3600" b="1" spc="-150" dirty="0"/>
-          </a:p>
-        </p:txBody>
-      </p:sp>
-      <p:sp>
-        <p:nvSpPr>
-          <p:cNvPr id="3" name="내용 개체 틀 2">
-            <a:extLst>
-              <a:ext uri="{FF2B5EF4-FFF2-40B4-BE49-F238E27FC236}">
-                <a16:creationId xmlns:a16="http://schemas.microsoft.com/office/drawing/2014/main" id="{A13F8D4D-F555-4C80-BEA5-60904777A55C}"/>
-              </a:ext>
-            </a:extLst>
-          </p:cNvPr>
-          <p:cNvSpPr>
-            <a:spLocks noGrp="1"/>
-          </p:cNvSpPr>
-          <p:nvPr>
-            <p:ph idx="1"/>
-          </p:nvPr>
-        </p:nvSpPr>
-        <p:spPr/>
-        <p:txBody>
-          <a:bodyPr/>
-          <a:lstStyle/>
-          <a:p>
-            <a:r>
-              <a:rPr lang="en-US" altLang="ko-KR" sz="2400" b="1" dirty="0"/>
-              <a:t>Extrinsic Critic</a:t>
-            </a:r>
-            <a:endParaRPr lang="en-US" altLang="ko-KR" b="1" dirty="0"/>
-          </a:p>
-          <a:p>
-            <a:pPr lvl="1"/>
-            <a:endParaRPr lang="en-US" altLang="ko-KR" dirty="0"/>
-          </a:p>
-          <a:p>
-            <a:endParaRPr lang="ko-KR" altLang="en-US" dirty="0"/>
-          </a:p>
-        </p:txBody>
-      </p:sp>
-      <p:pic>
-        <p:nvPicPr>
-          <p:cNvPr id="8" name="그림 7">
-            <a:extLst>
-              <a:ext uri="{FF2B5EF4-FFF2-40B4-BE49-F238E27FC236}">
-                <a16:creationId xmlns:a16="http://schemas.microsoft.com/office/drawing/2014/main" id="{C703D252-BD4A-4A7C-9679-4CA1BF054086}"/>
-              </a:ext>
-            </a:extLst>
-          </p:cNvPr>
-          <p:cNvPicPr>
-            <a:picLocks noChangeAspect="1"/>
-          </p:cNvPicPr>
-          <p:nvPr/>
-        </p:nvPicPr>
-        <p:blipFill>
-          <a:blip r:embed="rId3"/>
-          <a:stretch>
-            <a:fillRect/>
-          </a:stretch>
-        </p:blipFill>
-        <p:spPr>
-          <a:xfrm>
-            <a:off x="4644008" y="3728866"/>
-            <a:ext cx="4392488" cy="3057867"/>
-          </a:xfrm>
-          <a:prstGeom prst="rect">
-            <a:avLst/>
-          </a:prstGeom>
-        </p:spPr>
-      </p:pic>
-      <p:pic>
-        <p:nvPicPr>
-          <p:cNvPr id="10" name="그림 9">
-            <a:extLst>
-              <a:ext uri="{FF2B5EF4-FFF2-40B4-BE49-F238E27FC236}">
-                <a16:creationId xmlns:a16="http://schemas.microsoft.com/office/drawing/2014/main" id="{D5513CB4-A30E-46ED-A941-24A6288F86B4}"/>
-              </a:ext>
-            </a:extLst>
-          </p:cNvPr>
-          <p:cNvPicPr>
-            <a:picLocks noChangeAspect="1"/>
-          </p:cNvPicPr>
-          <p:nvPr/>
-        </p:nvPicPr>
-        <p:blipFill>
-          <a:blip r:embed="rId4"/>
-          <a:stretch>
-            <a:fillRect/>
-          </a:stretch>
-        </p:blipFill>
-        <p:spPr>
-          <a:xfrm>
-            <a:off x="611560" y="2060848"/>
-            <a:ext cx="2628900" cy="457200"/>
-          </a:xfrm>
-          <a:prstGeom prst="rect">
-            <a:avLst/>
-          </a:prstGeom>
-        </p:spPr>
-      </p:pic>
-      <p:pic>
-        <p:nvPicPr>
-          <p:cNvPr id="11" name="그림 10">
-            <a:extLst>
-              <a:ext uri="{FF2B5EF4-FFF2-40B4-BE49-F238E27FC236}">
-                <a16:creationId xmlns:a16="http://schemas.microsoft.com/office/drawing/2014/main" id="{3D80901F-32A5-4FBD-AEEF-E7E45599853B}"/>
-              </a:ext>
-            </a:extLst>
-          </p:cNvPr>
-          <p:cNvPicPr>
-            <a:picLocks noChangeAspect="1"/>
-          </p:cNvPicPr>
-          <p:nvPr/>
-        </p:nvPicPr>
-        <p:blipFill>
-          <a:blip r:embed="rId5"/>
-          <a:stretch>
-            <a:fillRect/>
-          </a:stretch>
-        </p:blipFill>
-        <p:spPr>
-          <a:xfrm>
-            <a:off x="606996" y="2592251"/>
-            <a:ext cx="2952750" cy="561975"/>
-          </a:xfrm>
-          <a:prstGeom prst="rect">
-            <a:avLst/>
-          </a:prstGeom>
-        </p:spPr>
-      </p:pic>
-      <p:pic>
-        <p:nvPicPr>
-          <p:cNvPr id="12" name="그림 11">
-            <a:extLst>
-              <a:ext uri="{FF2B5EF4-FFF2-40B4-BE49-F238E27FC236}">
-                <a16:creationId xmlns:a16="http://schemas.microsoft.com/office/drawing/2014/main" id="{A5E655AD-EA51-4AB4-9272-7AD9697B6A1E}"/>
-              </a:ext>
-            </a:extLst>
-          </p:cNvPr>
-          <p:cNvPicPr>
-            <a:picLocks noChangeAspect="1"/>
-          </p:cNvPicPr>
-          <p:nvPr/>
-        </p:nvPicPr>
-        <p:blipFill>
-          <a:blip r:embed="rId6"/>
-          <a:stretch>
-            <a:fillRect/>
-          </a:stretch>
-        </p:blipFill>
-        <p:spPr>
-          <a:xfrm>
-            <a:off x="577280" y="3451088"/>
-            <a:ext cx="4514850" cy="447675"/>
-          </a:xfrm>
-          <a:prstGeom prst="rect">
-            <a:avLst/>
-          </a:prstGeom>
-        </p:spPr>
-      </p:pic>
-    </p:spTree>
-    <p:extLst>
-      <p:ext uri="{BB962C8B-B14F-4D97-AF65-F5344CB8AC3E}">
-        <p14:creationId xmlns:p14="http://schemas.microsoft.com/office/powerpoint/2010/main" val="1607425274"/>
-      </p:ext>
-    </p:extLst>
-  </p:cSld>
-  <p:clrMapOvr>
-    <a:masterClrMapping/>
-  </p:clrMapOvr>
-</p:sld>
-</file>
-
-<file path=ppt/slides/slide12.xml><?xml version="1.0" encoding="utf-8"?>
-<p:sld xmlns:a="http://schemas.openxmlformats.org/drawingml/2006/main" xmlns:r="http://schemas.openxmlformats.org/officeDocument/2006/relationships" xmlns:p="http://schemas.openxmlformats.org/presentationml/2006/main">
-  <p:cSld>
-    <p:spTree>
-      <p:nvGrpSpPr>
-        <p:cNvPr id="1" name=""/>
-        <p:cNvGrpSpPr/>
-        <p:nvPr/>
-      </p:nvGrpSpPr>
-      <p:grpSpPr>
-        <a:xfrm>
-          <a:off x="0" y="0"/>
-          <a:ext cx="0" cy="0"/>
-          <a:chOff x="0" y="0"/>
-          <a:chExt cx="0" cy="0"/>
-        </a:xfrm>
-      </p:grpSpPr>
-      <p:sp>
-        <p:nvSpPr>
-          <p:cNvPr id="2" name="제목 1">
-            <a:extLst>
-              <a:ext uri="{FF2B5EF4-FFF2-40B4-BE49-F238E27FC236}">
-                <a16:creationId xmlns:a16="http://schemas.microsoft.com/office/drawing/2014/main" id="{AC703D32-08EA-4A17-AD5F-F361330ABABD}"/>
-              </a:ext>
-            </a:extLst>
-          </p:cNvPr>
-          <p:cNvSpPr>
-            <a:spLocks noGrp="1"/>
-          </p:cNvSpPr>
-          <p:nvPr>
-            <p:ph type="title"/>
-          </p:nvPr>
-        </p:nvSpPr>
-        <p:spPr/>
-        <p:txBody>
-          <a:bodyPr/>
-          <a:lstStyle/>
-          <a:p>
-            <a:r>
-              <a:rPr lang="en-US" altLang="ko-KR" dirty="0"/>
-              <a:t>QMIX</a:t>
-            </a:r>
-            <a:endParaRPr lang="ko-KR" altLang="en-US" dirty="0"/>
-          </a:p>
-        </p:txBody>
-      </p:sp>
-      <p:sp>
-        <p:nvSpPr>
-          <p:cNvPr id="3" name="텍스트 개체 틀 2">
-            <a:extLst>
-              <a:ext uri="{FF2B5EF4-FFF2-40B4-BE49-F238E27FC236}">
-                <a16:creationId xmlns:a16="http://schemas.microsoft.com/office/drawing/2014/main" id="{D61BA234-B7AB-4EEE-9EF1-5794FA55B6EB}"/>
-              </a:ext>
-            </a:extLst>
-          </p:cNvPr>
-          <p:cNvSpPr>
-            <a:spLocks noGrp="1"/>
-          </p:cNvSpPr>
-          <p:nvPr>
-            <p:ph type="body" idx="1"/>
-          </p:nvPr>
-        </p:nvSpPr>
-        <p:spPr/>
-        <p:txBody>
-          <a:bodyPr/>
-          <a:lstStyle/>
-          <a:p>
-            <a:endParaRPr lang="ko-KR" altLang="en-US"/>
-          </a:p>
-        </p:txBody>
-      </p:sp>
-    </p:spTree>
-    <p:extLst>
-      <p:ext uri="{BB962C8B-B14F-4D97-AF65-F5344CB8AC3E}">
-        <p14:creationId xmlns:p14="http://schemas.microsoft.com/office/powerpoint/2010/main" val="3030008777"/>
-      </p:ext>
-    </p:extLst>
-  </p:cSld>
-  <p:clrMapOvr>
-    <a:masterClrMapping/>
-  </p:clrMapOvr>
-</p:sld>
-</file>
-
-<file path=ppt/slides/slide13.xml><?xml version="1.0" encoding="utf-8"?>
-<p:sld xmlns:a="http://schemas.openxmlformats.org/drawingml/2006/main" xmlns:r="http://schemas.openxmlformats.org/officeDocument/2006/relationships" xmlns:p="http://schemas.openxmlformats.org/presentationml/2006/main">
-  <p:cSld>
-    <p:spTree>
-      <p:nvGrpSpPr>
-        <p:cNvPr id="1" name=""/>
-        <p:cNvGrpSpPr/>
-        <p:nvPr/>
-      </p:nvGrpSpPr>
-      <p:grpSpPr>
-        <a:xfrm>
-          <a:off x="0" y="0"/>
-          <a:ext cx="0" cy="0"/>
-          <a:chOff x="0" y="0"/>
-          <a:chExt cx="0" cy="0"/>
-        </a:xfrm>
-      </p:grpSpPr>
-      <p:sp>
-        <p:nvSpPr>
-          <p:cNvPr id="2" name="제목 1">
-            <a:extLst>
-              <a:ext uri="{FF2B5EF4-FFF2-40B4-BE49-F238E27FC236}">
-                <a16:creationId xmlns:a16="http://schemas.microsoft.com/office/drawing/2014/main" id="{00667CB0-F848-4689-BDC0-A98F41122061}"/>
-              </a:ext>
-            </a:extLst>
-          </p:cNvPr>
-          <p:cNvSpPr>
-            <a:spLocks noGrp="1"/>
-          </p:cNvSpPr>
-          <p:nvPr>
-            <p:ph type="title"/>
-          </p:nvPr>
-        </p:nvSpPr>
-        <p:spPr/>
-        <p:txBody>
-          <a:bodyPr/>
-          <a:lstStyle/>
-          <a:p>
-            <a:r>
-              <a:rPr lang="en-US" altLang="ko-KR" b="1" dirty="0"/>
-              <a:t>MARL – QMIX</a:t>
-            </a:r>
-            <a:endParaRPr lang="ko-KR" altLang="en-US" dirty="0"/>
-          </a:p>
-        </p:txBody>
-      </p:sp>
-      <p:sp>
-        <p:nvSpPr>
-          <p:cNvPr id="3" name="내용 개체 틀 2">
-            <a:extLst>
-              <a:ext uri="{FF2B5EF4-FFF2-40B4-BE49-F238E27FC236}">
-                <a16:creationId xmlns:a16="http://schemas.microsoft.com/office/drawing/2014/main" id="{DACC6152-E5C5-4956-B5D8-A368D0D9EDAF}"/>
-              </a:ext>
-            </a:extLst>
-          </p:cNvPr>
-          <p:cNvSpPr>
-            <a:spLocks noGrp="1"/>
-          </p:cNvSpPr>
-          <p:nvPr>
-            <p:ph idx="1"/>
-          </p:nvPr>
-        </p:nvSpPr>
-        <p:spPr/>
-        <p:txBody>
-          <a:bodyPr/>
-          <a:lstStyle/>
-          <a:p>
-            <a:r>
-              <a:rPr lang="ko-KR" altLang="en-US" sz="2400" dirty="0"/>
-              <a:t>등장 배경</a:t>
-            </a:r>
-            <a:endParaRPr lang="en-US" altLang="ko-KR" sz="2400" dirty="0"/>
-          </a:p>
-          <a:p>
-            <a:pPr lvl="1"/>
-            <a:r>
-              <a:rPr lang="en-US" altLang="ko-KR" sz="2000" dirty="0"/>
-              <a:t>Q</a:t>
-            </a:r>
-            <a:r>
-              <a:rPr lang="ko-KR" altLang="en-US" sz="2000" dirty="0"/>
-              <a:t>함수를 어떻게 사용할 것인가</a:t>
-            </a:r>
-            <a:endParaRPr lang="en-US" altLang="ko-KR" sz="2000" dirty="0"/>
-          </a:p>
-          <a:p>
-            <a:pPr lvl="1"/>
-            <a:r>
-              <a:rPr lang="en-US" altLang="ko-KR" sz="2000" dirty="0" err="1"/>
-              <a:t>centralised</a:t>
-            </a:r>
-            <a:r>
-              <a:rPr lang="en-US" altLang="ko-KR" sz="2000" dirty="0"/>
-              <a:t> Q</a:t>
-            </a:r>
-            <a:r>
-              <a:rPr lang="ko-KR" altLang="en-US" sz="2000" dirty="0"/>
-              <a:t>함수를 적절히 활용</a:t>
-            </a:r>
-            <a:endParaRPr lang="en-US" altLang="ko-KR" sz="2000" dirty="0"/>
-          </a:p>
-          <a:p>
-            <a:pPr lvl="1"/>
-            <a:r>
-              <a:rPr lang="en-US" altLang="ko-KR" sz="2000" dirty="0" err="1"/>
-              <a:t>centralised</a:t>
-            </a:r>
-            <a:r>
-              <a:rPr lang="en-US" altLang="ko-KR" sz="2000" dirty="0"/>
-              <a:t> Q</a:t>
-            </a:r>
-            <a:r>
-              <a:rPr lang="ko-KR" altLang="en-US" sz="2000" dirty="0"/>
-              <a:t>함수를 이용하여 각 </a:t>
-            </a:r>
-            <a:r>
-              <a:rPr lang="en-US" altLang="ko-KR" sz="2000" dirty="0"/>
-              <a:t>agent</a:t>
-            </a:r>
-            <a:r>
-              <a:rPr lang="ko-KR" altLang="en-US" sz="2000" dirty="0"/>
-              <a:t>에게 적절한 </a:t>
-            </a:r>
-            <a:r>
-              <a:rPr lang="en-US" altLang="ko-KR" sz="2000" dirty="0"/>
-              <a:t>policy </a:t>
-            </a:r>
-            <a:r>
-              <a:rPr lang="ko-KR" altLang="en-US" sz="2000" dirty="0"/>
-              <a:t>제공</a:t>
-            </a:r>
-            <a:endParaRPr lang="en-US" altLang="ko-KR" sz="2000" dirty="0"/>
-          </a:p>
-          <a:p>
-            <a:endParaRPr lang="en-US" altLang="ko-KR" sz="2400" dirty="0"/>
-          </a:p>
-          <a:p>
-            <a:r>
-              <a:rPr lang="ko-KR" altLang="en-US" sz="2400" dirty="0"/>
-              <a:t>해결 방법</a:t>
-            </a:r>
-            <a:endParaRPr lang="en-US" altLang="ko-KR" sz="2400" dirty="0"/>
-          </a:p>
-          <a:p>
-            <a:pPr lvl="1"/>
-            <a:r>
-              <a:rPr lang="ko-KR" altLang="en-US" sz="2000" dirty="0"/>
-              <a:t>각 </a:t>
-            </a:r>
-            <a:r>
-              <a:rPr lang="en-US" altLang="ko-KR" sz="2000" dirty="0"/>
-              <a:t>agent</a:t>
-            </a:r>
-            <a:r>
-              <a:rPr lang="ko-KR" altLang="en-US" sz="2000" dirty="0"/>
-              <a:t>들의 </a:t>
-            </a:r>
-            <a:r>
-              <a:rPr lang="en-US" altLang="ko-KR" sz="2000" dirty="0"/>
-              <a:t>Q</a:t>
-            </a:r>
-            <a:r>
-              <a:rPr lang="ko-KR" altLang="en-US" sz="2000" dirty="0"/>
-              <a:t>함수를 모두 추출하여 상관관계를 따지는 복잡한 방법의 </a:t>
-            </a:r>
-            <a:r>
-              <a:rPr lang="en-US" altLang="ko-KR" sz="2000" dirty="0"/>
-              <a:t>VDN</a:t>
-            </a:r>
-            <a:r>
-              <a:rPr lang="ko-KR" altLang="en-US" sz="2000" dirty="0"/>
-              <a:t>기법에서 좀 더 완화된 방법</a:t>
-            </a:r>
-            <a:r>
-              <a:rPr lang="en-US" altLang="ko-KR" sz="2000" dirty="0"/>
-              <a:t>(monotonicity constraint)</a:t>
-            </a:r>
-            <a:r>
-              <a:rPr lang="ko-KR" altLang="en-US" sz="2000" dirty="0"/>
-              <a:t>으로 </a:t>
-            </a:r>
-            <a:r>
-              <a:rPr lang="en-US" altLang="ko-KR" sz="2000" dirty="0"/>
-              <a:t>Q</a:t>
-            </a:r>
-            <a:r>
-              <a:rPr lang="ko-KR" altLang="en-US" sz="2000" dirty="0"/>
-              <a:t>함수들을 활용하여 각 </a:t>
-            </a:r>
-            <a:r>
-              <a:rPr lang="en-US" altLang="ko-KR" sz="2000" dirty="0"/>
-              <a:t>agent</a:t>
-            </a:r>
-            <a:r>
-              <a:rPr lang="ko-KR" altLang="en-US" sz="2000" dirty="0"/>
-              <a:t>의 </a:t>
-            </a:r>
-            <a:r>
-              <a:rPr lang="en-US" altLang="ko-KR" sz="2000" dirty="0"/>
-              <a:t>policy</a:t>
-            </a:r>
-            <a:r>
-              <a:rPr lang="ko-KR" altLang="en-US" sz="2000" dirty="0"/>
-              <a:t>를 결정한다</a:t>
-            </a:r>
-            <a:r>
-              <a:rPr lang="en-US" altLang="ko-KR" sz="2000" dirty="0"/>
-              <a:t>.</a:t>
-            </a:r>
-            <a:endParaRPr lang="ko-KR" altLang="en-US" sz="2000" dirty="0"/>
-          </a:p>
-        </p:txBody>
-      </p:sp>
-    </p:spTree>
-    <p:extLst>
-      <p:ext uri="{BB962C8B-B14F-4D97-AF65-F5344CB8AC3E}">
-        <p14:creationId xmlns:p14="http://schemas.microsoft.com/office/powerpoint/2010/main" val="3059731766"/>
-      </p:ext>
-    </p:extLst>
-  </p:cSld>
-  <p:clrMapOvr>
-    <a:masterClrMapping/>
-  </p:clrMapOvr>
-</p:sld>
-</file>
-
-<file path=ppt/slides/slide14.xml><?xml version="1.0" encoding="utf-8"?>
-<p:sld xmlns:a="http://schemas.openxmlformats.org/drawingml/2006/main" xmlns:r="http://schemas.openxmlformats.org/officeDocument/2006/relationships" xmlns:p="http://schemas.openxmlformats.org/presentationml/2006/main">
-  <p:cSld>
-    <p:spTree>
-      <p:nvGrpSpPr>
-        <p:cNvPr id="1" name=""/>
-        <p:cNvGrpSpPr/>
-        <p:nvPr/>
-      </p:nvGrpSpPr>
-      <p:grpSpPr>
-        <a:xfrm>
-          <a:off x="0" y="0"/>
-          <a:ext cx="0" cy="0"/>
-          <a:chOff x="0" y="0"/>
-          <a:chExt cx="0" cy="0"/>
-        </a:xfrm>
-      </p:grpSpPr>
-      <p:sp>
-        <p:nvSpPr>
-          <p:cNvPr id="2" name="제목 1">
-            <a:extLst>
-              <a:ext uri="{FF2B5EF4-FFF2-40B4-BE49-F238E27FC236}">
-                <a16:creationId xmlns:a16="http://schemas.microsoft.com/office/drawing/2014/main" id="{00667CB0-F848-4689-BDC0-A98F41122061}"/>
-              </a:ext>
-            </a:extLst>
-          </p:cNvPr>
-          <p:cNvSpPr>
-            <a:spLocks noGrp="1"/>
-          </p:cNvSpPr>
-          <p:nvPr>
-            <p:ph type="title"/>
-          </p:nvPr>
-        </p:nvSpPr>
-        <p:spPr/>
-        <p:txBody>
-          <a:bodyPr/>
-          <a:lstStyle/>
-          <a:p>
-            <a:r>
-              <a:rPr lang="en-US" altLang="ko-KR" b="1" dirty="0"/>
-              <a:t>MARL – QMIX</a:t>
-            </a:r>
-            <a:endParaRPr lang="ko-KR" altLang="en-US" dirty="0"/>
-          </a:p>
-        </p:txBody>
-      </p:sp>
-      <p:sp>
-        <p:nvSpPr>
-          <p:cNvPr id="3" name="내용 개체 틀 2">
-            <a:extLst>
-              <a:ext uri="{FF2B5EF4-FFF2-40B4-BE49-F238E27FC236}">
-                <a16:creationId xmlns:a16="http://schemas.microsoft.com/office/drawing/2014/main" id="{DACC6152-E5C5-4956-B5D8-A368D0D9EDAF}"/>
-              </a:ext>
-            </a:extLst>
-          </p:cNvPr>
-          <p:cNvSpPr>
-            <a:spLocks noGrp="1"/>
-          </p:cNvSpPr>
-          <p:nvPr>
-            <p:ph idx="1"/>
-          </p:nvPr>
-        </p:nvSpPr>
-        <p:spPr/>
-        <p:txBody>
-          <a:bodyPr/>
-          <a:lstStyle/>
-          <a:p>
-            <a:r>
-              <a:rPr lang="en-US" altLang="ko-KR" sz="2400" dirty="0"/>
-              <a:t>VDN</a:t>
-            </a:r>
-            <a:r>
-              <a:rPr lang="ko-KR" altLang="en-US" sz="2400" dirty="0"/>
-              <a:t>의 방법은 모든 </a:t>
-            </a:r>
-            <a:r>
-              <a:rPr lang="en-US" altLang="ko-KR" sz="2400" dirty="0"/>
-              <a:t>agent</a:t>
-            </a:r>
-            <a:r>
-              <a:rPr lang="ko-KR" altLang="en-US" sz="2400" dirty="0"/>
-              <a:t>들의 </a:t>
-            </a:r>
-            <a:r>
-              <a:rPr lang="en-US" altLang="ko-KR" sz="2400" dirty="0"/>
-              <a:t>Q</a:t>
-            </a:r>
-            <a:r>
-              <a:rPr lang="ko-KR" altLang="en-US" sz="2400" dirty="0"/>
-              <a:t>함수와 상관관계를 계산해야 한다</a:t>
-            </a:r>
-            <a:r>
-              <a:rPr lang="en-US" altLang="ko-KR" sz="2400" dirty="0"/>
-              <a:t>.</a:t>
-            </a:r>
-          </a:p>
-          <a:p>
-            <a:endParaRPr lang="en-US" altLang="ko-KR" sz="2400" dirty="0"/>
-          </a:p>
-          <a:p>
-            <a:endParaRPr lang="en-US" altLang="ko-KR" sz="2400" dirty="0"/>
-          </a:p>
-          <a:p>
-            <a:endParaRPr lang="en-US" altLang="ko-KR" sz="2400" dirty="0"/>
-          </a:p>
-          <a:p>
-            <a:endParaRPr lang="en-US" altLang="ko-KR" sz="2400" dirty="0"/>
-          </a:p>
-          <a:p>
-            <a:r>
-              <a:rPr lang="en-US" altLang="ko-KR" sz="2400" dirty="0"/>
-              <a:t>QMIX</a:t>
-            </a:r>
-            <a:r>
-              <a:rPr lang="ko-KR" altLang="en-US" sz="2400" dirty="0"/>
-              <a:t>의 방법은 좀 더 완화된 방법으로 접근한다</a:t>
-            </a:r>
-            <a:r>
-              <a:rPr lang="en-US" altLang="ko-KR" sz="2400" dirty="0"/>
-              <a:t>. </a:t>
-            </a:r>
-          </a:p>
-          <a:p>
-            <a:pPr lvl="1"/>
-            <a:r>
-              <a:rPr lang="en-US" altLang="ko-KR" sz="2000" dirty="0"/>
-              <a:t>Hypernetwork </a:t>
-            </a:r>
-            <a:r>
-              <a:rPr lang="ko-KR" altLang="en-US" sz="2000" dirty="0"/>
-              <a:t>사용</a:t>
-            </a:r>
-            <a:endParaRPr lang="en-US" altLang="ko-KR" sz="2000" dirty="0"/>
-          </a:p>
-          <a:p>
-            <a:pPr lvl="1"/>
-            <a:r>
-              <a:rPr lang="en-US" altLang="ko-KR" sz="2000" dirty="0"/>
-              <a:t>Monotonicity</a:t>
-            </a:r>
-          </a:p>
-          <a:p>
-            <a:pPr lvl="1"/>
-            <a:endParaRPr lang="ko-KR" altLang="en-US" sz="1600" dirty="0"/>
-          </a:p>
-        </p:txBody>
-      </p:sp>
-      <p:pic>
-        <p:nvPicPr>
-          <p:cNvPr id="4" name="그림 3">
-            <a:extLst>
-              <a:ext uri="{FF2B5EF4-FFF2-40B4-BE49-F238E27FC236}">
-                <a16:creationId xmlns:a16="http://schemas.microsoft.com/office/drawing/2014/main" id="{0BB1B9AB-4D3B-40A2-90FA-6A60D3266B3A}"/>
-              </a:ext>
-            </a:extLst>
-          </p:cNvPr>
-          <p:cNvPicPr>
-            <a:picLocks noChangeAspect="1"/>
-          </p:cNvPicPr>
-          <p:nvPr/>
-        </p:nvPicPr>
-        <p:blipFill>
-          <a:blip r:embed="rId2"/>
-          <a:stretch>
-            <a:fillRect/>
-          </a:stretch>
-        </p:blipFill>
-        <p:spPr>
-          <a:xfrm>
-            <a:off x="2123728" y="2420888"/>
-            <a:ext cx="4562475" cy="1209675"/>
-          </a:xfrm>
-          <a:prstGeom prst="rect">
-            <a:avLst/>
-          </a:prstGeom>
-        </p:spPr>
-      </p:pic>
-      <p:pic>
-        <p:nvPicPr>
-          <p:cNvPr id="5" name="그림 4">
-            <a:extLst>
-              <a:ext uri="{FF2B5EF4-FFF2-40B4-BE49-F238E27FC236}">
-                <a16:creationId xmlns:a16="http://schemas.microsoft.com/office/drawing/2014/main" id="{7D68EC42-B91F-4089-B6F0-C478B45ADA00}"/>
-              </a:ext>
-            </a:extLst>
-          </p:cNvPr>
-          <p:cNvPicPr>
-            <a:picLocks noChangeAspect="1"/>
-          </p:cNvPicPr>
-          <p:nvPr/>
-        </p:nvPicPr>
-        <p:blipFill>
-          <a:blip r:embed="rId3"/>
-          <a:stretch>
-            <a:fillRect/>
-          </a:stretch>
-        </p:blipFill>
-        <p:spPr>
-          <a:xfrm>
-            <a:off x="3529012" y="5282158"/>
-            <a:ext cx="2085975" cy="695325"/>
-          </a:xfrm>
-          <a:prstGeom prst="rect">
-            <a:avLst/>
-          </a:prstGeom>
-        </p:spPr>
-      </p:pic>
-    </p:spTree>
-    <p:extLst>
-      <p:ext uri="{BB962C8B-B14F-4D97-AF65-F5344CB8AC3E}">
-        <p14:creationId xmlns:p14="http://schemas.microsoft.com/office/powerpoint/2010/main" val="4278158970"/>
-      </p:ext>
-    </p:extLst>
-  </p:cSld>
-  <p:clrMapOvr>
-    <a:masterClrMapping/>
-  </p:clrMapOvr>
-</p:sld>
-</file>
-
-<file path=ppt/slides/slide15.xml><?xml version="1.0" encoding="utf-8"?>
-<p:sld xmlns:a="http://schemas.openxmlformats.org/drawingml/2006/main" xmlns:r="http://schemas.openxmlformats.org/officeDocument/2006/relationships" xmlns:p="http://schemas.openxmlformats.org/presentationml/2006/main">
-  <p:cSld>
-    <p:spTree>
-      <p:nvGrpSpPr>
-        <p:cNvPr id="1" name=""/>
-        <p:cNvGrpSpPr/>
-        <p:nvPr/>
-      </p:nvGrpSpPr>
-      <p:grpSpPr>
-        <a:xfrm>
-          <a:off x="0" y="0"/>
-          <a:ext cx="0" cy="0"/>
-          <a:chOff x="0" y="0"/>
-          <a:chExt cx="0" cy="0"/>
-        </a:xfrm>
-      </p:grpSpPr>
-      <p:sp>
-        <p:nvSpPr>
-          <p:cNvPr id="2" name="제목 1">
-            <a:extLst>
-              <a:ext uri="{FF2B5EF4-FFF2-40B4-BE49-F238E27FC236}">
-                <a16:creationId xmlns:a16="http://schemas.microsoft.com/office/drawing/2014/main" id="{00667CB0-F848-4689-BDC0-A98F41122061}"/>
-              </a:ext>
-            </a:extLst>
-          </p:cNvPr>
-          <p:cNvSpPr>
-            <a:spLocks noGrp="1"/>
-          </p:cNvSpPr>
-          <p:nvPr>
-            <p:ph type="title"/>
-          </p:nvPr>
-        </p:nvSpPr>
-        <p:spPr/>
-        <p:txBody>
-          <a:bodyPr/>
-          <a:lstStyle/>
-          <a:p>
-            <a:r>
-              <a:rPr lang="en-US" altLang="ko-KR" b="1" dirty="0"/>
-              <a:t>MARL – QMIX</a:t>
-            </a:r>
-            <a:endParaRPr lang="ko-KR" altLang="en-US" dirty="0"/>
-          </a:p>
-        </p:txBody>
-      </p:sp>
-      <p:pic>
-        <p:nvPicPr>
-          <p:cNvPr id="6" name="그림 5">
-            <a:extLst>
-              <a:ext uri="{FF2B5EF4-FFF2-40B4-BE49-F238E27FC236}">
-                <a16:creationId xmlns:a16="http://schemas.microsoft.com/office/drawing/2014/main" id="{711059D7-50D5-4AE3-961B-E44DDB05EC8A}"/>
-              </a:ext>
-            </a:extLst>
-          </p:cNvPr>
-          <p:cNvPicPr>
-            <a:picLocks noChangeAspect="1"/>
-          </p:cNvPicPr>
-          <p:nvPr/>
-        </p:nvPicPr>
-        <p:blipFill>
-          <a:blip r:embed="rId3"/>
-          <a:stretch>
-            <a:fillRect/>
-          </a:stretch>
-        </p:blipFill>
-        <p:spPr>
-          <a:xfrm>
-            <a:off x="457200" y="2204864"/>
-            <a:ext cx="8229600" cy="3284715"/>
-          </a:xfrm>
-          <a:prstGeom prst="rect">
-            <a:avLst/>
-          </a:prstGeom>
-        </p:spPr>
-      </p:pic>
-    </p:spTree>
-    <p:extLst>
-      <p:ext uri="{BB962C8B-B14F-4D97-AF65-F5344CB8AC3E}">
-        <p14:creationId xmlns:p14="http://schemas.microsoft.com/office/powerpoint/2010/main" val="2214810228"/>
-      </p:ext>
-    </p:extLst>
-  </p:cSld>
-  <p:clrMapOvr>
-    <a:masterClrMapping/>
-  </p:clrMapOvr>
-</p:sld>
-</file>
-
-<file path=ppt/slides/slide2.xml><?xml version="1.0" encoding="utf-8"?>
-<p:sld xmlns:a="http://schemas.openxmlformats.org/drawingml/2006/main" xmlns:r="http://schemas.openxmlformats.org/officeDocument/2006/relationships" xmlns:p="http://schemas.openxmlformats.org/presentationml/2006/main">
-  <p:cSld>
-    <p:spTree>
-      <p:nvGrpSpPr>
-        <p:cNvPr id="1" name=""/>
-        <p:cNvGrpSpPr/>
-        <p:nvPr/>
-      </p:nvGrpSpPr>
-      <p:grpSpPr>
-        <a:xfrm>
-          <a:off x="0" y="0"/>
-          <a:ext cx="0" cy="0"/>
-          <a:chOff x="0" y="0"/>
-          <a:chExt cx="0" cy="0"/>
-        </a:xfrm>
-      </p:grpSpPr>
-      <p:sp>
-        <p:nvSpPr>
-          <p:cNvPr id="2" name="제목 1">
-            <a:extLst>
-              <a:ext uri="{FF2B5EF4-FFF2-40B4-BE49-F238E27FC236}">
-                <a16:creationId xmlns:a16="http://schemas.microsoft.com/office/drawing/2014/main" id="{C7B0BDE5-52C4-4E71-AA23-92BAAEC65F44}"/>
-              </a:ext>
-            </a:extLst>
-          </p:cNvPr>
-          <p:cNvSpPr>
-            <a:spLocks noGrp="1"/>
-          </p:cNvSpPr>
-          <p:nvPr>
-            <p:ph type="title"/>
-          </p:nvPr>
-        </p:nvSpPr>
-        <p:spPr/>
-        <p:txBody>
-          <a:bodyPr/>
-          <a:lstStyle/>
-          <a:p>
-            <a:r>
-              <a:rPr lang="en-US" altLang="ko-KR" sz="3600" b="1" dirty="0"/>
-              <a:t>MARL Algorithms</a:t>
-            </a:r>
-            <a:endParaRPr lang="ko-KR" altLang="en-US" sz="3600" b="1" dirty="0"/>
-          </a:p>
-        </p:txBody>
-      </p:sp>
-      <p:sp>
-        <p:nvSpPr>
-          <p:cNvPr id="3" name="내용 개체 틀 2">
-            <a:extLst>
-              <a:ext uri="{FF2B5EF4-FFF2-40B4-BE49-F238E27FC236}">
-                <a16:creationId xmlns:a16="http://schemas.microsoft.com/office/drawing/2014/main" id="{CF93AC94-4130-4616-8402-C76DF0DD0DC1}"/>
-              </a:ext>
-            </a:extLst>
-          </p:cNvPr>
-          <p:cNvSpPr>
-            <a:spLocks noGrp="1"/>
-          </p:cNvSpPr>
-          <p:nvPr>
-            <p:ph idx="1"/>
-          </p:nvPr>
-        </p:nvSpPr>
-        <p:spPr/>
-        <p:txBody>
-          <a:bodyPr/>
-          <a:lstStyle/>
-          <a:p>
-            <a:r>
-              <a:rPr lang="en-US" altLang="ko-KR" sz="2400" b="1" dirty="0">
-                <a:latin typeface="+mj-ea"/>
-              </a:rPr>
-              <a:t>centralized critic</a:t>
-            </a:r>
-            <a:r>
-              <a:rPr lang="ko-KR" altLang="en-US" sz="2400" b="1" dirty="0">
-                <a:latin typeface="+mj-ea"/>
-              </a:rPr>
-              <a:t>이 없는</a:t>
-            </a:r>
-            <a:r>
-              <a:rPr lang="en-US" altLang="ko-KR" sz="2400" b="1" dirty="0">
-                <a:latin typeface="+mj-ea"/>
-                <a:ea typeface="+mj-ea"/>
-              </a:rPr>
-              <a:t> MARL</a:t>
-            </a:r>
-          </a:p>
-          <a:p>
-            <a:pPr lvl="1"/>
-            <a:r>
-              <a:rPr lang="en-US" altLang="ko-KR" sz="2000" dirty="0">
-                <a:latin typeface="+mj-ea"/>
-                <a:ea typeface="+mj-ea"/>
-              </a:rPr>
-              <a:t>IQL : </a:t>
-            </a:r>
-            <a:r>
-              <a:rPr lang="ko-KR" altLang="en-US" sz="2000" dirty="0">
-                <a:latin typeface="+mj-ea"/>
-                <a:ea typeface="+mj-ea"/>
-              </a:rPr>
-              <a:t>각 </a:t>
-            </a:r>
-            <a:r>
-              <a:rPr lang="en-US" altLang="ko-KR" sz="2000" dirty="0">
-                <a:latin typeface="+mj-ea"/>
-                <a:ea typeface="+mj-ea"/>
-              </a:rPr>
-              <a:t>agent</a:t>
-            </a:r>
-            <a:r>
-              <a:rPr lang="ko-KR" altLang="en-US" sz="2000" dirty="0">
-                <a:latin typeface="+mj-ea"/>
-                <a:ea typeface="+mj-ea"/>
-              </a:rPr>
-              <a:t>들이 독립적으로 </a:t>
-            </a:r>
-            <a:r>
-              <a:rPr lang="en-US" altLang="ko-KR" sz="2000" dirty="0">
-                <a:latin typeface="+mj-ea"/>
-                <a:ea typeface="+mj-ea"/>
-              </a:rPr>
-              <a:t>Q-Learning</a:t>
-            </a:r>
-            <a:r>
-              <a:rPr lang="ko-KR" altLang="en-US" sz="2000" dirty="0">
-                <a:latin typeface="+mj-ea"/>
-                <a:ea typeface="+mj-ea"/>
-              </a:rPr>
-              <a:t>을 수행한다</a:t>
-            </a:r>
-            <a:r>
-              <a:rPr lang="en-US" altLang="ko-KR" sz="2000" dirty="0">
-                <a:latin typeface="+mj-ea"/>
-                <a:ea typeface="+mj-ea"/>
-              </a:rPr>
-              <a:t>.</a:t>
-            </a:r>
-          </a:p>
-          <a:p>
-            <a:pPr lvl="1"/>
-            <a:r>
-              <a:rPr lang="en-US" altLang="ko-KR" sz="2000" dirty="0">
-                <a:latin typeface="+mj-ea"/>
-                <a:ea typeface="+mj-ea"/>
-              </a:rPr>
-              <a:t>IAC : IQL</a:t>
-            </a:r>
-            <a:r>
-              <a:rPr lang="ko-KR" altLang="en-US" sz="2000" dirty="0">
-                <a:latin typeface="+mj-ea"/>
-                <a:ea typeface="+mj-ea"/>
-              </a:rPr>
-              <a:t> 방법에 </a:t>
-            </a:r>
-            <a:r>
-              <a:rPr lang="en-US" altLang="ko-KR" sz="2000" dirty="0">
-                <a:latin typeface="+mj-ea"/>
-                <a:ea typeface="+mj-ea"/>
-              </a:rPr>
-              <a:t>actor-critic </a:t>
-            </a:r>
-            <a:r>
-              <a:rPr lang="ko-KR" altLang="en-US" sz="2000" dirty="0">
-                <a:latin typeface="+mj-ea"/>
-                <a:ea typeface="+mj-ea"/>
-              </a:rPr>
-              <a:t>적용함</a:t>
-            </a:r>
-            <a:endParaRPr lang="en-US" altLang="ko-KR" sz="2000" dirty="0">
-              <a:latin typeface="+mj-ea"/>
-              <a:ea typeface="+mj-ea"/>
-            </a:endParaRPr>
-          </a:p>
-          <a:p>
-            <a:pPr lvl="1"/>
-            <a:endParaRPr lang="en-US" altLang="ko-KR" sz="2000" dirty="0">
-              <a:latin typeface="+mj-ea"/>
-              <a:ea typeface="+mj-ea"/>
-            </a:endParaRPr>
-          </a:p>
-          <a:p>
-            <a:r>
-              <a:rPr lang="en-US" altLang="ko-KR" sz="2400" b="1" dirty="0">
-                <a:latin typeface="+mj-ea"/>
-              </a:rPr>
-              <a:t>centralized critic</a:t>
-            </a:r>
-            <a:r>
-              <a:rPr lang="ko-KR" altLang="en-US" sz="2400" b="1" dirty="0">
-                <a:latin typeface="+mj-ea"/>
-              </a:rPr>
-              <a:t>이 강한</a:t>
-            </a:r>
-            <a:r>
-              <a:rPr lang="en-US" altLang="ko-KR" sz="2400" b="1" dirty="0">
-                <a:latin typeface="+mj-ea"/>
-              </a:rPr>
-              <a:t> MARL</a:t>
-            </a:r>
-            <a:endParaRPr lang="en-US" altLang="ko-KR" b="1" dirty="0">
-              <a:latin typeface="+mj-ea"/>
-            </a:endParaRPr>
-          </a:p>
-          <a:p>
-            <a:pPr lvl="1"/>
-            <a:r>
-              <a:rPr lang="en-US" altLang="ko-KR" sz="2000" dirty="0">
-                <a:latin typeface="+mj-ea"/>
-              </a:rPr>
-              <a:t>COMA : centralized critic</a:t>
-            </a:r>
-            <a:r>
-              <a:rPr lang="ko-KR" altLang="en-US" sz="2000" dirty="0">
-                <a:latin typeface="+mj-ea"/>
-              </a:rPr>
-              <a:t>이 존재하며</a:t>
-            </a:r>
-            <a:r>
-              <a:rPr lang="en-US" altLang="ko-KR" sz="2000" dirty="0">
-                <a:latin typeface="+mj-ea"/>
-              </a:rPr>
-              <a:t>, </a:t>
-            </a:r>
-            <a:r>
-              <a:rPr lang="ko-KR" altLang="en-US" sz="2000" dirty="0">
-                <a:latin typeface="+mj-ea"/>
-              </a:rPr>
-              <a:t>각 </a:t>
-            </a:r>
-            <a:r>
-              <a:rPr lang="en-US" altLang="ko-KR" sz="2000" dirty="0">
-                <a:latin typeface="+mj-ea"/>
-              </a:rPr>
-              <a:t>agent</a:t>
-            </a:r>
-            <a:r>
-              <a:rPr lang="ko-KR" altLang="en-US" sz="2000" dirty="0">
-                <a:latin typeface="+mj-ea"/>
-              </a:rPr>
-              <a:t>의 </a:t>
-            </a:r>
-            <a:r>
-              <a:rPr lang="en-US" altLang="ko-KR" sz="2000" dirty="0">
-                <a:latin typeface="+mj-ea"/>
-              </a:rPr>
-              <a:t>actor</a:t>
-            </a:r>
-            <a:r>
-              <a:rPr lang="ko-KR" altLang="en-US" sz="2000" dirty="0">
-                <a:latin typeface="+mj-ea"/>
-              </a:rPr>
-              <a:t>는</a:t>
-            </a:r>
-            <a:r>
-              <a:rPr lang="en-US" altLang="ko-KR" sz="2000" dirty="0">
-                <a:latin typeface="+mj-ea"/>
-              </a:rPr>
-              <a:t> centralized critic </a:t>
-            </a:r>
-            <a:r>
-              <a:rPr lang="ko-KR" altLang="en-US" sz="2000" dirty="0">
-                <a:latin typeface="+mj-ea"/>
-              </a:rPr>
-              <a:t>의 연산 결과로 행동함</a:t>
-            </a:r>
-            <a:r>
-              <a:rPr lang="en-US" altLang="ko-KR" sz="2000" dirty="0">
-                <a:latin typeface="+mj-ea"/>
-              </a:rPr>
-              <a:t>(</a:t>
-            </a:r>
-            <a:r>
-              <a:rPr lang="ko-KR" altLang="en-US" sz="2000" dirty="0">
-                <a:latin typeface="+mj-ea"/>
-              </a:rPr>
-              <a:t>중앙 통제</a:t>
-            </a:r>
-            <a:r>
-              <a:rPr lang="en-US" altLang="ko-KR" sz="2000" dirty="0">
-                <a:latin typeface="+mj-ea"/>
-              </a:rPr>
-              <a:t>).</a:t>
-            </a:r>
-            <a:r>
-              <a:rPr lang="ko-KR" altLang="en-US" sz="2000" dirty="0">
-                <a:latin typeface="+mj-ea"/>
-              </a:rPr>
-              <a:t> </a:t>
-            </a:r>
-            <a:endParaRPr lang="en-US" altLang="ko-KR" sz="2000" dirty="0">
-              <a:latin typeface="+mj-ea"/>
-            </a:endParaRPr>
-          </a:p>
-          <a:p>
-            <a:pPr lvl="1"/>
-            <a:r>
-              <a:rPr lang="en-US" altLang="ko-KR" sz="2000" dirty="0">
-                <a:latin typeface="+mj-ea"/>
-              </a:rPr>
-              <a:t>CENTRAL-V : COMA</a:t>
-            </a:r>
-            <a:r>
-              <a:rPr lang="ko-KR" altLang="en-US" sz="2000" dirty="0">
-                <a:latin typeface="+mj-ea"/>
-              </a:rPr>
-              <a:t>와 비슷하나 </a:t>
-            </a:r>
-            <a:r>
-              <a:rPr lang="en-US" altLang="ko-KR" sz="2000" dirty="0">
-                <a:latin typeface="+mj-ea"/>
-              </a:rPr>
-              <a:t>baseline</a:t>
-            </a:r>
-            <a:r>
-              <a:rPr lang="ko-KR" altLang="en-US" sz="2000" dirty="0">
-                <a:latin typeface="+mj-ea"/>
-              </a:rPr>
-              <a:t>이 다르다</a:t>
-            </a:r>
-            <a:r>
-              <a:rPr lang="en-US" altLang="ko-KR" sz="2000" dirty="0">
-                <a:latin typeface="+mj-ea"/>
-              </a:rPr>
-              <a:t>.</a:t>
-            </a:r>
-          </a:p>
-          <a:p>
-            <a:endParaRPr lang="en-US" altLang="ko-KR" sz="2400" b="1" dirty="0">
-              <a:latin typeface="+mj-ea"/>
-            </a:endParaRPr>
-          </a:p>
-          <a:p>
-            <a:r>
-              <a:rPr lang="en-US" altLang="ko-KR" sz="2400" b="1" dirty="0">
-                <a:latin typeface="+mj-ea"/>
-              </a:rPr>
-              <a:t>centralized critic</a:t>
-            </a:r>
-            <a:r>
-              <a:rPr lang="ko-KR" altLang="en-US" sz="2400" b="1" dirty="0">
-                <a:latin typeface="+mj-ea"/>
-              </a:rPr>
-              <a:t>이 약한</a:t>
-            </a:r>
-            <a:r>
-              <a:rPr lang="en-US" altLang="ko-KR" sz="2400" b="1" dirty="0">
-                <a:latin typeface="+mj-ea"/>
-              </a:rPr>
-              <a:t> MARL</a:t>
-            </a:r>
-            <a:endParaRPr lang="en-US" altLang="ko-KR" sz="2400" dirty="0">
-              <a:latin typeface="+mj-ea"/>
-            </a:endParaRPr>
-          </a:p>
-          <a:p>
-            <a:pPr lvl="1"/>
-            <a:r>
-              <a:rPr lang="en-US" altLang="ko-KR" sz="2000" dirty="0">
-                <a:latin typeface="+mj-ea"/>
-              </a:rPr>
-              <a:t>LIIR : </a:t>
-            </a:r>
-            <a:r>
-              <a:rPr lang="ko-KR" altLang="en-US" sz="2000" dirty="0">
-                <a:latin typeface="+mj-ea"/>
-              </a:rPr>
-              <a:t>외적보상과 내적보상의 상호작용으로 계산 함</a:t>
-            </a:r>
-            <a:endParaRPr lang="en-US" altLang="ko-KR" sz="2000" dirty="0">
-              <a:latin typeface="+mj-ea"/>
-            </a:endParaRPr>
-          </a:p>
-          <a:p>
-            <a:pPr lvl="1"/>
-            <a:r>
-              <a:rPr lang="en-US" altLang="ko-KR" sz="2000" dirty="0">
-                <a:latin typeface="+mj-ea"/>
-              </a:rPr>
-              <a:t>QMIX : </a:t>
-            </a:r>
-            <a:r>
-              <a:rPr lang="ko-KR" altLang="en-US" sz="2000" dirty="0">
-                <a:latin typeface="+mj-ea"/>
-              </a:rPr>
-              <a:t>각 </a:t>
-            </a:r>
-            <a:r>
-              <a:rPr lang="en-US" altLang="ko-KR" sz="2000" dirty="0">
-                <a:latin typeface="+mj-ea"/>
-              </a:rPr>
-              <a:t>agent</a:t>
-            </a:r>
-            <a:r>
-              <a:rPr lang="ko-KR" altLang="en-US" sz="2000" dirty="0">
-                <a:latin typeface="+mj-ea"/>
-              </a:rPr>
-              <a:t>들의 </a:t>
-            </a:r>
-            <a:r>
-              <a:rPr lang="en-US" altLang="ko-KR" sz="2000" dirty="0">
-                <a:latin typeface="+mj-ea"/>
-              </a:rPr>
-              <a:t>Q</a:t>
-            </a:r>
-            <a:r>
-              <a:rPr lang="ko-KR" altLang="en-US" sz="2000" dirty="0">
-                <a:latin typeface="+mj-ea"/>
-              </a:rPr>
-              <a:t>함수를 통합하고 그 값으로 </a:t>
-            </a:r>
-            <a:r>
-              <a:rPr lang="en-US" altLang="ko-KR" sz="2000" dirty="0">
-                <a:latin typeface="+mj-ea"/>
-              </a:rPr>
-              <a:t>agent</a:t>
-            </a:r>
-            <a:r>
-              <a:rPr lang="ko-KR" altLang="en-US" sz="2000" dirty="0">
-                <a:latin typeface="+mj-ea"/>
-              </a:rPr>
-              <a:t>들을 학습시킴</a:t>
-            </a:r>
-            <a:endParaRPr lang="en-US" altLang="ko-KR" sz="2000" dirty="0">
-              <a:latin typeface="+mj-ea"/>
-            </a:endParaRPr>
-          </a:p>
-          <a:p>
-            <a:pPr lvl="1"/>
-            <a:endParaRPr lang="en-US" altLang="ko-KR" sz="2000" dirty="0">
-              <a:latin typeface="+mj-ea"/>
-            </a:endParaRPr>
-          </a:p>
-          <a:p>
-            <a:pPr lvl="1"/>
-            <a:endParaRPr lang="en-US" altLang="ko-KR" sz="2000" dirty="0">
-              <a:latin typeface="+mj-ea"/>
-            </a:endParaRPr>
-          </a:p>
-          <a:p>
-            <a:pPr lvl="1"/>
-            <a:endParaRPr lang="en-US" altLang="ko-KR" sz="2000" dirty="0">
-              <a:latin typeface="+mj-ea"/>
-            </a:endParaRPr>
-          </a:p>
-          <a:p>
-            <a:endParaRPr lang="en-US" altLang="ko-KR" sz="2400" dirty="0">
-              <a:latin typeface="+mj-ea"/>
-            </a:endParaRPr>
-          </a:p>
-          <a:p>
-            <a:endParaRPr lang="en-US" altLang="ko-KR" sz="2400" dirty="0">
-              <a:latin typeface="+mj-ea"/>
-            </a:endParaRPr>
-          </a:p>
-          <a:p>
-            <a:endParaRPr lang="en-US" altLang="ko-KR" sz="2400" dirty="0">
-              <a:latin typeface="+mj-ea"/>
-              <a:ea typeface="+mj-ea"/>
-            </a:endParaRPr>
-          </a:p>
-          <a:p>
-            <a:pPr lvl="1"/>
-            <a:endParaRPr lang="en-US" altLang="ko-KR" sz="2000" dirty="0">
-              <a:latin typeface="+mj-ea"/>
-              <a:ea typeface="+mj-ea"/>
-            </a:endParaRPr>
-          </a:p>
-          <a:p>
-            <a:endParaRPr lang="en-US" altLang="ko-KR" dirty="0">
-              <a:latin typeface="+mj-ea"/>
-              <a:ea typeface="+mj-ea"/>
-            </a:endParaRPr>
-          </a:p>
-          <a:p>
-            <a:pPr lvl="1"/>
-            <a:endParaRPr lang="en-US" altLang="ko-KR" dirty="0">
-              <a:latin typeface="+mj-ea"/>
-              <a:ea typeface="+mj-ea"/>
-            </a:endParaRPr>
-          </a:p>
-          <a:p>
-            <a:pPr lvl="1"/>
-            <a:endParaRPr lang="en-US" altLang="ko-KR" dirty="0">
-              <a:latin typeface="+mj-ea"/>
-              <a:ea typeface="+mj-ea"/>
-            </a:endParaRPr>
-          </a:p>
-          <a:p>
-            <a:pPr lvl="1"/>
-            <a:endParaRPr lang="en-US" altLang="ko-KR" dirty="0">
-              <a:latin typeface="+mj-ea"/>
-              <a:ea typeface="+mj-ea"/>
-            </a:endParaRPr>
-          </a:p>
-          <a:p>
-            <a:pPr lvl="1"/>
-            <a:endParaRPr lang="en-US" altLang="ko-KR" dirty="0">
-              <a:latin typeface="+mj-ea"/>
-              <a:ea typeface="+mj-ea"/>
-            </a:endParaRPr>
-          </a:p>
-          <a:p>
-            <a:pPr marL="457200" lvl="1" indent="0">
-              <a:buNone/>
-            </a:pPr>
-            <a:endParaRPr lang="ko-KR" altLang="en-US" dirty="0">
-              <a:latin typeface="+mj-ea"/>
-              <a:ea typeface="+mj-ea"/>
-            </a:endParaRPr>
-          </a:p>
-          <a:p>
-            <a:pPr lvl="1"/>
-            <a:endParaRPr lang="en-US" altLang="ko-KR" dirty="0">
-              <a:latin typeface="+mj-ea"/>
-              <a:ea typeface="+mj-ea"/>
-            </a:endParaRPr>
-          </a:p>
-        </p:txBody>
-      </p:sp>
-    </p:spTree>
-    <p:extLst>
-      <p:ext uri="{BB962C8B-B14F-4D97-AF65-F5344CB8AC3E}">
-        <p14:creationId xmlns:p14="http://schemas.microsoft.com/office/powerpoint/2010/main" val="432761664"/>
-      </p:ext>
-    </p:extLst>
-  </p:cSld>
-  <p:clrMapOvr>
-    <a:masterClrMapping/>
-  </p:clrMapOvr>
-</p:sld>
-</file>
-
-<file path=ppt/slides/slide3.xml><?xml version="1.0" encoding="utf-8"?>
-<p:sld xmlns:a="http://schemas.openxmlformats.org/drawingml/2006/main" xmlns:r="http://schemas.openxmlformats.org/officeDocument/2006/relationships" xmlns:p="http://schemas.openxmlformats.org/presentationml/2006/main">
-  <p:cSld>
-    <p:spTree>
-      <p:nvGrpSpPr>
-        <p:cNvPr id="1" name=""/>
-        <p:cNvGrpSpPr/>
-        <p:nvPr/>
-      </p:nvGrpSpPr>
-      <p:grpSpPr>
-        <a:xfrm>
-          <a:off x="0" y="0"/>
-          <a:ext cx="0" cy="0"/>
-          <a:chOff x="0" y="0"/>
-          <a:chExt cx="0" cy="0"/>
-        </a:xfrm>
-      </p:grpSpPr>
-      <p:sp>
-        <p:nvSpPr>
-          <p:cNvPr id="2" name="제목 1">
-            <a:extLst>
-              <a:ext uri="{FF2B5EF4-FFF2-40B4-BE49-F238E27FC236}">
-                <a16:creationId xmlns:a16="http://schemas.microsoft.com/office/drawing/2014/main" id="{AC703D32-08EA-4A17-AD5F-F361330ABABD}"/>
-              </a:ext>
-            </a:extLst>
-          </p:cNvPr>
-          <p:cNvSpPr>
-            <a:spLocks noGrp="1"/>
-          </p:cNvSpPr>
-          <p:nvPr>
-            <p:ph type="title"/>
-          </p:nvPr>
-        </p:nvSpPr>
-        <p:spPr/>
-        <p:txBody>
-          <a:bodyPr/>
-          <a:lstStyle/>
-          <a:p>
-            <a:r>
-              <a:rPr lang="en-US" altLang="ko-KR" dirty="0"/>
-              <a:t>COMA</a:t>
-            </a:r>
-            <a:endParaRPr lang="ko-KR" altLang="en-US" dirty="0"/>
-          </a:p>
-        </p:txBody>
-      </p:sp>
-      <p:sp>
-        <p:nvSpPr>
-          <p:cNvPr id="3" name="텍스트 개체 틀 2">
-            <a:extLst>
-              <a:ext uri="{FF2B5EF4-FFF2-40B4-BE49-F238E27FC236}">
-                <a16:creationId xmlns:a16="http://schemas.microsoft.com/office/drawing/2014/main" id="{D61BA234-B7AB-4EEE-9EF1-5794FA55B6EB}"/>
-              </a:ext>
-            </a:extLst>
-          </p:cNvPr>
-          <p:cNvSpPr>
-            <a:spLocks noGrp="1"/>
-          </p:cNvSpPr>
-          <p:nvPr>
-            <p:ph type="body" idx="1"/>
-          </p:nvPr>
-        </p:nvSpPr>
-        <p:spPr/>
-        <p:txBody>
-          <a:bodyPr/>
-          <a:lstStyle/>
-          <a:p>
-            <a:endParaRPr lang="ko-KR" altLang="en-US"/>
-          </a:p>
-        </p:txBody>
-      </p:sp>
-    </p:spTree>
-    <p:extLst>
-      <p:ext uri="{BB962C8B-B14F-4D97-AF65-F5344CB8AC3E}">
-        <p14:creationId xmlns:p14="http://schemas.microsoft.com/office/powerpoint/2010/main" val="3301528566"/>
-      </p:ext>
-    </p:extLst>
-  </p:cSld>
-  <p:clrMapOvr>
-    <a:masterClrMapping/>
-  </p:clrMapOvr>
-</p:sld>
-</file>
-
-<file path=ppt/slides/slide4.xml><?xml version="1.0" encoding="utf-8"?>
-<p:sld xmlns:a="http://schemas.openxmlformats.org/drawingml/2006/main" xmlns:r="http://schemas.openxmlformats.org/officeDocument/2006/relationships" xmlns:p="http://schemas.openxmlformats.org/presentationml/2006/main">
-  <p:cSld>
-    <p:spTree>
-      <p:nvGrpSpPr>
-        <p:cNvPr id="1" name=""/>
-        <p:cNvGrpSpPr/>
-        <p:nvPr/>
-      </p:nvGrpSpPr>
-      <p:grpSpPr>
-        <a:xfrm>
-          <a:off x="0" y="0"/>
-          <a:ext cx="0" cy="0"/>
-          <a:chOff x="0" y="0"/>
-          <a:chExt cx="0" cy="0"/>
-        </a:xfrm>
-      </p:grpSpPr>
-      <p:sp>
-        <p:nvSpPr>
-          <p:cNvPr id="2" name="제목 1">
-            <a:extLst>
-              <a:ext uri="{FF2B5EF4-FFF2-40B4-BE49-F238E27FC236}">
-                <a16:creationId xmlns:a16="http://schemas.microsoft.com/office/drawing/2014/main" id="{15A43040-FDE0-41CA-A523-30C7DE7EC5CC}"/>
-              </a:ext>
-            </a:extLst>
-          </p:cNvPr>
-          <p:cNvSpPr>
-            <a:spLocks noGrp="1"/>
-          </p:cNvSpPr>
-          <p:nvPr>
-            <p:ph type="title"/>
-          </p:nvPr>
-        </p:nvSpPr>
-        <p:spPr/>
-        <p:txBody>
-          <a:bodyPr/>
-          <a:lstStyle/>
-          <a:p>
-            <a:r>
-              <a:rPr lang="en-US" altLang="ko-KR" sz="3600" b="1" dirty="0"/>
-              <a:t>MARL - COMA</a:t>
-            </a:r>
-            <a:endParaRPr lang="ko-KR" altLang="en-US" sz="3600" b="1" dirty="0"/>
-          </a:p>
-        </p:txBody>
-      </p:sp>
-      <p:sp>
-        <p:nvSpPr>
-          <p:cNvPr id="3" name="내용 개체 틀 2">
-            <a:extLst>
-              <a:ext uri="{FF2B5EF4-FFF2-40B4-BE49-F238E27FC236}">
-                <a16:creationId xmlns:a16="http://schemas.microsoft.com/office/drawing/2014/main" id="{A13F8D4D-F555-4C80-BEA5-60904777A55C}"/>
-              </a:ext>
-            </a:extLst>
-          </p:cNvPr>
-          <p:cNvSpPr>
-            <a:spLocks noGrp="1"/>
-          </p:cNvSpPr>
-          <p:nvPr>
-            <p:ph idx="1"/>
-          </p:nvPr>
-        </p:nvSpPr>
-        <p:spPr/>
-        <p:txBody>
-          <a:bodyPr/>
-          <a:lstStyle/>
-          <a:p>
-            <a:r>
-              <a:rPr lang="ko-KR" altLang="en-US" sz="2400" b="1" dirty="0"/>
-              <a:t>등장 배경</a:t>
-            </a:r>
-            <a:endParaRPr lang="en-US" altLang="ko-KR" sz="2400" b="1" dirty="0"/>
-          </a:p>
-          <a:p>
-            <a:pPr lvl="1"/>
-            <a:r>
-              <a:rPr lang="en-US" altLang="ko-KR" sz="2000" dirty="0"/>
-              <a:t>Centralized </a:t>
-            </a:r>
-            <a:r>
-              <a:rPr lang="ko-KR" altLang="en-US" sz="2000" dirty="0"/>
-              <a:t>잘 활용해야 함</a:t>
-            </a:r>
-            <a:endParaRPr lang="en-US" altLang="ko-KR" sz="2000" dirty="0"/>
-          </a:p>
-          <a:p>
-            <a:pPr lvl="1"/>
-            <a:r>
-              <a:rPr lang="ko-KR" altLang="en-US" sz="2000" dirty="0"/>
-              <a:t>각 </a:t>
-            </a:r>
-            <a:r>
-              <a:rPr lang="en-US" altLang="ko-KR" sz="2000" dirty="0"/>
-              <a:t>agent</a:t>
-            </a:r>
-            <a:r>
-              <a:rPr lang="ko-KR" altLang="en-US" sz="2000" dirty="0"/>
-              <a:t>의 </a:t>
-            </a:r>
-            <a:r>
-              <a:rPr lang="en-US" altLang="ko-KR" sz="2000" dirty="0"/>
-              <a:t>joint-</a:t>
-            </a:r>
-            <a:r>
-              <a:rPr lang="en-US" altLang="ko-KR" sz="2000" dirty="0" err="1"/>
-              <a:t>ation</a:t>
-            </a:r>
-            <a:r>
-              <a:rPr lang="ko-KR" altLang="en-US" sz="2000" dirty="0"/>
-              <a:t>에 대한 기여도 추론 불가</a:t>
-            </a:r>
-            <a:endParaRPr lang="en-US" altLang="ko-KR" sz="2000" dirty="0"/>
-          </a:p>
-          <a:p>
-            <a:endParaRPr lang="en-US" altLang="ko-KR" sz="2400" b="1" dirty="0"/>
-          </a:p>
-          <a:p>
-            <a:endParaRPr lang="en-US" altLang="ko-KR" sz="2400" b="1" dirty="0"/>
-          </a:p>
-          <a:p>
-            <a:r>
-              <a:rPr lang="ko-KR" altLang="en-US" sz="2400" b="1" dirty="0"/>
-              <a:t>해결 방법</a:t>
-            </a:r>
-            <a:endParaRPr lang="en-US" altLang="ko-KR" sz="2400" b="1" dirty="0"/>
-          </a:p>
-          <a:p>
-            <a:pPr lvl="1"/>
-            <a:r>
-              <a:rPr lang="en-US" altLang="ko-KR" sz="2000" dirty="0"/>
-              <a:t>Centralized </a:t>
-            </a:r>
-            <a:r>
-              <a:rPr lang="ko-KR" altLang="en-US" sz="2000" dirty="0"/>
-              <a:t>활용</a:t>
-            </a:r>
-            <a:endParaRPr lang="en-US" altLang="ko-KR" sz="2000" b="1" dirty="0"/>
-          </a:p>
-          <a:p>
-            <a:pPr lvl="2"/>
-            <a:r>
-              <a:rPr lang="ko-KR" altLang="en-US" sz="1600" dirty="0"/>
-              <a:t>각 </a:t>
-            </a:r>
-            <a:r>
-              <a:rPr lang="en-US" altLang="ko-KR" sz="1600" dirty="0"/>
-              <a:t>agent</a:t>
-            </a:r>
-            <a:r>
-              <a:rPr lang="ko-KR" altLang="en-US" sz="1600" dirty="0"/>
-              <a:t>들의 중앙 통제를 위한 </a:t>
-            </a:r>
-            <a:r>
-              <a:rPr lang="en-US" altLang="ko-KR" sz="1600" dirty="0"/>
-              <a:t>centralized critic</a:t>
-            </a:r>
-            <a:r>
-              <a:rPr lang="ko-KR" altLang="en-US" sz="1600" dirty="0"/>
-              <a:t>을 사용한다</a:t>
-            </a:r>
-            <a:r>
-              <a:rPr lang="en-US" altLang="ko-KR" sz="1600" dirty="0"/>
-              <a:t>.</a:t>
-            </a:r>
-            <a:endParaRPr lang="en-US" altLang="ko-KR" sz="2000" dirty="0"/>
-          </a:p>
-          <a:p>
-            <a:pPr lvl="1"/>
-            <a:r>
-              <a:rPr lang="ko-KR" altLang="en-US" sz="2000" dirty="0"/>
-              <a:t>각 </a:t>
-            </a:r>
-            <a:r>
-              <a:rPr lang="en-US" altLang="ko-KR" sz="2000" dirty="0"/>
-              <a:t>agent</a:t>
-            </a:r>
-            <a:r>
-              <a:rPr lang="ko-KR" altLang="en-US" sz="2000" dirty="0"/>
-              <a:t>의 </a:t>
-            </a:r>
-            <a:r>
-              <a:rPr lang="en-US" altLang="ko-KR" sz="2000" dirty="0"/>
-              <a:t>joint-</a:t>
-            </a:r>
-            <a:r>
-              <a:rPr lang="en-US" altLang="ko-KR" sz="2000" dirty="0" err="1"/>
-              <a:t>ation</a:t>
-            </a:r>
-            <a:r>
-              <a:rPr lang="ko-KR" altLang="en-US" sz="2000" dirty="0"/>
-              <a:t>에 대한 기여도 추론</a:t>
-            </a:r>
-            <a:endParaRPr lang="en-US" altLang="ko-KR" sz="2000" dirty="0"/>
-          </a:p>
-          <a:p>
-            <a:pPr lvl="2"/>
-            <a:r>
-              <a:rPr lang="en-US" altLang="ko-KR" sz="1600" dirty="0"/>
-              <a:t>counterfactual baseline</a:t>
-            </a:r>
-            <a:r>
-              <a:rPr lang="ko-KR" altLang="en-US" sz="1600" dirty="0"/>
-              <a:t>을 사용한다</a:t>
-            </a:r>
-            <a:r>
-              <a:rPr lang="en-US" altLang="ko-KR" sz="1600" dirty="0"/>
-              <a:t>.</a:t>
-            </a:r>
-          </a:p>
-          <a:p>
-            <a:pPr lvl="2"/>
-            <a:r>
-              <a:rPr lang="en-US" altLang="ko-KR" sz="1600" dirty="0"/>
-              <a:t>a critic representation</a:t>
-            </a:r>
-            <a:r>
-              <a:rPr lang="ko-KR" altLang="en-US" sz="1600" dirty="0"/>
-              <a:t>을 사용한다</a:t>
-            </a:r>
-            <a:r>
-              <a:rPr lang="en-US" altLang="ko-KR" sz="1600" dirty="0"/>
-              <a:t>.</a:t>
-            </a:r>
-          </a:p>
-          <a:p>
-            <a:endParaRPr lang="en-US" altLang="ko-KR" sz="2400" b="1" dirty="0"/>
-          </a:p>
-          <a:p>
-            <a:endParaRPr lang="en-US" altLang="ko-KR" sz="2400" b="1" dirty="0"/>
-          </a:p>
-          <a:p>
-            <a:endParaRPr lang="en-US" altLang="ko-KR" sz="2400" b="1" dirty="0"/>
-          </a:p>
-          <a:p>
-            <a:pPr marL="0" indent="0">
-              <a:buNone/>
-            </a:pPr>
-            <a:endParaRPr lang="en-US" altLang="ko-KR" sz="2000" b="1" dirty="0"/>
-          </a:p>
-          <a:p>
-            <a:pPr marL="0" indent="0">
-              <a:buNone/>
-            </a:pPr>
-            <a:endParaRPr lang="en-US" altLang="ko-KR" sz="2000" b="1" dirty="0"/>
-          </a:p>
-          <a:p>
-            <a:pPr marL="457200" lvl="1" indent="0">
-              <a:buNone/>
-            </a:pPr>
-            <a:endParaRPr lang="en-US" altLang="ko-KR" sz="2000" b="1" dirty="0"/>
-          </a:p>
-          <a:p>
-            <a:endParaRPr lang="en-US" altLang="ko-KR" dirty="0"/>
-          </a:p>
-          <a:p>
-            <a:endParaRPr lang="en-US" altLang="ko-KR" dirty="0"/>
-          </a:p>
-          <a:p>
-            <a:endParaRPr lang="ko-KR" altLang="en-US" dirty="0"/>
-          </a:p>
-        </p:txBody>
-      </p:sp>
-    </p:spTree>
-    <p:extLst>
-      <p:ext uri="{BB962C8B-B14F-4D97-AF65-F5344CB8AC3E}">
-        <p14:creationId xmlns:p14="http://schemas.microsoft.com/office/powerpoint/2010/main" val="2995652094"/>
-      </p:ext>
-    </p:extLst>
-  </p:cSld>
-  <p:clrMapOvr>
-    <a:masterClrMapping/>
-  </p:clrMapOvr>
-</p:sld>
-</file>
-
-<file path=ppt/slides/slide5.xml><?xml version="1.0" encoding="utf-8"?>
-<p:sld xmlns:a="http://schemas.openxmlformats.org/drawingml/2006/main" xmlns:r="http://schemas.openxmlformats.org/officeDocument/2006/relationships" xmlns:p="http://schemas.openxmlformats.org/presentationml/2006/main">
-  <p:cSld>
-    <p:spTree>
-      <p:nvGrpSpPr>
-        <p:cNvPr id="1" name=""/>
-        <p:cNvGrpSpPr/>
-        <p:nvPr/>
-      </p:nvGrpSpPr>
-      <p:grpSpPr>
-        <a:xfrm>
-          <a:off x="0" y="0"/>
-          <a:ext cx="0" cy="0"/>
-          <a:chOff x="0" y="0"/>
-          <a:chExt cx="0" cy="0"/>
-        </a:xfrm>
-      </p:grpSpPr>
-      <p:sp>
-        <p:nvSpPr>
-          <p:cNvPr id="2" name="제목 1">
-            <a:extLst>
-              <a:ext uri="{FF2B5EF4-FFF2-40B4-BE49-F238E27FC236}">
-                <a16:creationId xmlns:a16="http://schemas.microsoft.com/office/drawing/2014/main" id="{15A43040-FDE0-41CA-A523-30C7DE7EC5CC}"/>
-              </a:ext>
-            </a:extLst>
-          </p:cNvPr>
-          <p:cNvSpPr>
-            <a:spLocks noGrp="1"/>
-          </p:cNvSpPr>
-          <p:nvPr>
-            <p:ph type="title"/>
-          </p:nvPr>
-        </p:nvSpPr>
-        <p:spPr/>
-        <p:txBody>
-          <a:bodyPr/>
-          <a:lstStyle/>
-          <a:p>
-            <a:r>
-              <a:rPr lang="en-US" altLang="ko-KR" sz="3600" b="1" dirty="0"/>
-              <a:t>MARL – COMA</a:t>
-            </a:r>
-            <a:endParaRPr lang="ko-KR" altLang="en-US" sz="3600" b="1" dirty="0"/>
-          </a:p>
-        </p:txBody>
-      </p:sp>
-      <p:sp>
-        <p:nvSpPr>
-          <p:cNvPr id="3" name="내용 개체 틀 2">
-            <a:extLst>
-              <a:ext uri="{FF2B5EF4-FFF2-40B4-BE49-F238E27FC236}">
-                <a16:creationId xmlns:a16="http://schemas.microsoft.com/office/drawing/2014/main" id="{A13F8D4D-F555-4C80-BEA5-60904777A55C}"/>
-              </a:ext>
-            </a:extLst>
-          </p:cNvPr>
-          <p:cNvSpPr>
-            <a:spLocks noGrp="1"/>
-          </p:cNvSpPr>
-          <p:nvPr>
-            <p:ph idx="1"/>
-          </p:nvPr>
-        </p:nvSpPr>
-        <p:spPr/>
-        <p:txBody>
-          <a:bodyPr/>
-          <a:lstStyle/>
-          <a:p>
-            <a:r>
-              <a:rPr lang="en-US" altLang="ko-KR" sz="2400" dirty="0"/>
-              <a:t>Centralized </a:t>
-            </a:r>
-            <a:r>
-              <a:rPr lang="ko-KR" altLang="en-US" sz="2400" dirty="0"/>
-              <a:t>활용을 위한 </a:t>
-            </a:r>
-            <a:r>
-              <a:rPr lang="en-US" altLang="ko-KR" sz="2400" dirty="0"/>
-              <a:t>critic </a:t>
-            </a:r>
-            <a:r>
-              <a:rPr lang="ko-KR" altLang="en-US" sz="2400" dirty="0"/>
-              <a:t>이용함</a:t>
-            </a:r>
-            <a:endParaRPr lang="en-US" altLang="ko-KR" sz="2400" b="1" dirty="0"/>
-          </a:p>
-          <a:p>
-            <a:endParaRPr lang="en-US" altLang="ko-KR" sz="2400" b="1" dirty="0"/>
-          </a:p>
-          <a:p>
-            <a:endParaRPr lang="en-US" altLang="ko-KR" sz="2400" b="1" dirty="0"/>
-          </a:p>
-          <a:p>
-            <a:endParaRPr lang="en-US" altLang="ko-KR" sz="2400" b="1" dirty="0"/>
-          </a:p>
-          <a:p>
-            <a:pPr marL="0" indent="0">
-              <a:buNone/>
-            </a:pPr>
-            <a:endParaRPr lang="en-US" altLang="ko-KR" sz="2000" b="1" dirty="0"/>
-          </a:p>
-          <a:p>
-            <a:pPr marL="0" indent="0">
-              <a:buNone/>
-            </a:pPr>
-            <a:endParaRPr lang="en-US" altLang="ko-KR" sz="2000" b="1" dirty="0"/>
-          </a:p>
-          <a:p>
-            <a:pPr marL="457200" lvl="1" indent="0">
-              <a:buNone/>
-            </a:pPr>
-            <a:endParaRPr lang="en-US" altLang="ko-KR" sz="2000" b="1" dirty="0"/>
-          </a:p>
-          <a:p>
-            <a:endParaRPr lang="en-US" altLang="ko-KR" dirty="0"/>
-          </a:p>
-          <a:p>
-            <a:endParaRPr lang="en-US" altLang="ko-KR" dirty="0"/>
-          </a:p>
-          <a:p>
-            <a:endParaRPr lang="ko-KR" altLang="en-US" dirty="0"/>
-          </a:p>
-        </p:txBody>
-      </p:sp>
-      <p:pic>
-        <p:nvPicPr>
-          <p:cNvPr id="4" name="그림 3">
-            <a:extLst>
-              <a:ext uri="{FF2B5EF4-FFF2-40B4-BE49-F238E27FC236}">
-                <a16:creationId xmlns:a16="http://schemas.microsoft.com/office/drawing/2014/main" id="{5B07E53E-12AF-4FF8-86E1-1BF8BD1C6331}"/>
-              </a:ext>
-            </a:extLst>
-          </p:cNvPr>
-          <p:cNvPicPr>
-            <a:picLocks noChangeAspect="1"/>
-          </p:cNvPicPr>
-          <p:nvPr/>
-        </p:nvPicPr>
-        <p:blipFill>
-          <a:blip r:embed="rId3"/>
-          <a:stretch>
-            <a:fillRect/>
-          </a:stretch>
-        </p:blipFill>
-        <p:spPr>
-          <a:xfrm>
-            <a:off x="2210051" y="2456520"/>
-            <a:ext cx="4723898" cy="3240360"/>
-          </a:xfrm>
-          <a:prstGeom prst="rect">
-            <a:avLst/>
-          </a:prstGeom>
-        </p:spPr>
-      </p:pic>
-    </p:spTree>
-    <p:extLst>
-      <p:ext uri="{BB962C8B-B14F-4D97-AF65-F5344CB8AC3E}">
-        <p14:creationId xmlns:p14="http://schemas.microsoft.com/office/powerpoint/2010/main" val="879766790"/>
-      </p:ext>
-    </p:extLst>
-  </p:cSld>
-  <p:clrMapOvr>
-    <a:masterClrMapping/>
-  </p:clrMapOvr>
-</p:sld>
-</file>
-
-<file path=ppt/slides/slide6.xml><?xml version="1.0" encoding="utf-8"?>
-<p:sld xmlns:a="http://schemas.openxmlformats.org/drawingml/2006/main" xmlns:r="http://schemas.openxmlformats.org/officeDocument/2006/relationships" xmlns:p="http://schemas.openxmlformats.org/presentationml/2006/main">
-  <p:cSld>
-    <p:spTree>
-      <p:nvGrpSpPr>
-        <p:cNvPr id="1" name=""/>
-        <p:cNvGrpSpPr/>
-        <p:nvPr/>
-      </p:nvGrpSpPr>
-      <p:grpSpPr>
-        <a:xfrm>
-          <a:off x="0" y="0"/>
-          <a:ext cx="0" cy="0"/>
-          <a:chOff x="0" y="0"/>
-          <a:chExt cx="0" cy="0"/>
-        </a:xfrm>
-      </p:grpSpPr>
-      <p:sp>
-        <p:nvSpPr>
-          <p:cNvPr id="2" name="제목 1">
-            <a:extLst>
-              <a:ext uri="{FF2B5EF4-FFF2-40B4-BE49-F238E27FC236}">
-                <a16:creationId xmlns:a16="http://schemas.microsoft.com/office/drawing/2014/main" id="{15A43040-FDE0-41CA-A523-30C7DE7EC5CC}"/>
-              </a:ext>
-            </a:extLst>
-          </p:cNvPr>
-          <p:cNvSpPr>
-            <a:spLocks noGrp="1"/>
-          </p:cNvSpPr>
-          <p:nvPr>
-            <p:ph type="title"/>
-          </p:nvPr>
-        </p:nvSpPr>
-        <p:spPr/>
-        <p:txBody>
-          <a:bodyPr/>
-          <a:lstStyle/>
-          <a:p>
-            <a:r>
-              <a:rPr lang="en-US" altLang="ko-KR" sz="3600" b="1" dirty="0"/>
-              <a:t>MARL – COMA</a:t>
-            </a:r>
-            <a:endParaRPr lang="ko-KR" altLang="en-US" sz="3600" b="1" dirty="0"/>
-          </a:p>
-        </p:txBody>
-      </p:sp>
-      <p:sp>
-        <p:nvSpPr>
-          <p:cNvPr id="3" name="내용 개체 틀 2">
-            <a:extLst>
-              <a:ext uri="{FF2B5EF4-FFF2-40B4-BE49-F238E27FC236}">
-                <a16:creationId xmlns:a16="http://schemas.microsoft.com/office/drawing/2014/main" id="{A13F8D4D-F555-4C80-BEA5-60904777A55C}"/>
-              </a:ext>
-            </a:extLst>
-          </p:cNvPr>
-          <p:cNvSpPr>
-            <a:spLocks noGrp="1"/>
-          </p:cNvSpPr>
-          <p:nvPr>
-            <p:ph idx="1"/>
-          </p:nvPr>
-        </p:nvSpPr>
-        <p:spPr/>
-        <p:txBody>
-          <a:bodyPr/>
-          <a:lstStyle/>
-          <a:p>
-            <a:r>
-              <a:rPr lang="ko-KR" altLang="en-US" sz="2400" dirty="0"/>
-              <a:t>각 </a:t>
-            </a:r>
-            <a:r>
-              <a:rPr lang="en-US" altLang="ko-KR" sz="2400" dirty="0"/>
-              <a:t>agent</a:t>
-            </a:r>
-            <a:r>
-              <a:rPr lang="ko-KR" altLang="en-US" sz="2400" dirty="0"/>
-              <a:t>의 </a:t>
-            </a:r>
-            <a:r>
-              <a:rPr lang="en-US" altLang="ko-KR" sz="2400" dirty="0"/>
-              <a:t>joint-</a:t>
-            </a:r>
-            <a:r>
-              <a:rPr lang="en-US" altLang="ko-KR" sz="2400" dirty="0" err="1"/>
-              <a:t>ation</a:t>
-            </a:r>
-            <a:r>
-              <a:rPr lang="ko-KR" altLang="en-US" sz="2400" dirty="0"/>
-              <a:t>에 대한 기여도 추론을 위한 </a:t>
-            </a:r>
-            <a:r>
-              <a:rPr lang="en-US" altLang="ko-KR" sz="2400" dirty="0"/>
-              <a:t>counterfactual baseline </a:t>
-            </a:r>
-            <a:r>
-              <a:rPr lang="ko-KR" altLang="en-US" sz="2400" dirty="0"/>
-              <a:t>제시</a:t>
-            </a:r>
-            <a:endParaRPr lang="en-US" altLang="ko-KR" sz="2400" dirty="0"/>
-          </a:p>
-          <a:p>
-            <a:pPr lvl="1"/>
-            <a:r>
-              <a:rPr lang="en-US" altLang="ko-KR" sz="2000" dirty="0"/>
-              <a:t>shaped reward(Difference rewards )</a:t>
-            </a:r>
-            <a:r>
-              <a:rPr lang="ko-KR" altLang="en-US" sz="2000" dirty="0"/>
-              <a:t>로 시도함</a:t>
-            </a:r>
-            <a:endParaRPr lang="en-US" altLang="ko-KR" sz="2000" dirty="0"/>
-          </a:p>
-          <a:p>
-            <a:pPr lvl="2"/>
-            <a:r>
-              <a:rPr lang="ko-KR" altLang="en-US" sz="1600" dirty="0"/>
-              <a:t>가장 강력한 방법이지만 수 많은 시뮬레이션이 필요하다</a:t>
-            </a:r>
-            <a:r>
-              <a:rPr lang="en-US" altLang="ko-KR" sz="1600" dirty="0"/>
-              <a:t>.</a:t>
-            </a:r>
-          </a:p>
-          <a:p>
-            <a:pPr lvl="1"/>
-            <a:r>
-              <a:rPr lang="en-US" altLang="ko-KR" sz="2000" dirty="0" err="1"/>
-              <a:t>Centralised</a:t>
-            </a:r>
-            <a:r>
-              <a:rPr lang="en-US" altLang="ko-KR" sz="2000" dirty="0"/>
-              <a:t> critic Q</a:t>
-            </a:r>
-            <a:r>
-              <a:rPr lang="ko-KR" altLang="en-US" sz="2000" dirty="0"/>
-              <a:t>함수와 각 </a:t>
-            </a:r>
-            <a:r>
-              <a:rPr lang="en-US" altLang="ko-KR" sz="2000" dirty="0"/>
-              <a:t>agent</a:t>
-            </a:r>
-            <a:r>
-              <a:rPr lang="ko-KR" altLang="en-US" sz="2000" dirty="0"/>
-              <a:t>의 </a:t>
-            </a:r>
-            <a:r>
-              <a:rPr lang="en-US" altLang="ko-KR" sz="2000" dirty="0"/>
-              <a:t>Q</a:t>
-            </a:r>
-            <a:r>
-              <a:rPr lang="ko-KR" altLang="en-US" sz="2000" dirty="0"/>
-              <a:t>함수를 이용해 </a:t>
-            </a:r>
-            <a:r>
-              <a:rPr lang="en-US" altLang="ko-KR" sz="2000" dirty="0"/>
-              <a:t>advantage</a:t>
-            </a:r>
-            <a:r>
-              <a:rPr lang="ko-KR" altLang="en-US" sz="2000" dirty="0"/>
-              <a:t>를 적용함</a:t>
-            </a:r>
-            <a:endParaRPr lang="en-US" altLang="ko-KR" sz="2000" dirty="0"/>
-          </a:p>
-          <a:p>
-            <a:pPr lvl="2"/>
-            <a:r>
-              <a:rPr lang="en-US" altLang="ko-KR" sz="1600" dirty="0"/>
-              <a:t>Deep neural network</a:t>
-            </a:r>
-            <a:r>
-              <a:rPr lang="ko-KR" altLang="en-US" sz="1600" dirty="0"/>
-              <a:t>를 이용할 경우 이 자체로도 </a:t>
-            </a:r>
-            <a:r>
-              <a:rPr lang="ko-KR" altLang="en-US" sz="1600" dirty="0" err="1"/>
-              <a:t>연산량이</a:t>
-            </a:r>
-            <a:r>
-              <a:rPr lang="ko-KR" altLang="en-US" sz="1600" dirty="0"/>
-              <a:t> 크다</a:t>
-            </a:r>
-            <a:endParaRPr lang="en-US" altLang="ko-KR" sz="2000" dirty="0"/>
-          </a:p>
-          <a:p>
-            <a:pPr lvl="1"/>
-            <a:r>
-              <a:rPr lang="en-US" altLang="ko-KR" sz="2000" dirty="0"/>
-              <a:t>critic representation</a:t>
-            </a:r>
-            <a:r>
-              <a:rPr lang="ko-KR" altLang="en-US" sz="2000" dirty="0"/>
-              <a:t> 사용한다</a:t>
-            </a:r>
-            <a:r>
-              <a:rPr lang="en-US" altLang="ko-KR" sz="2000" dirty="0"/>
-              <a:t>.</a:t>
-            </a:r>
-          </a:p>
-          <a:p>
-            <a:pPr lvl="2"/>
-            <a:r>
-              <a:rPr lang="en-US" altLang="ko-KR" sz="1600" dirty="0">
-                <a:latin typeface="+mj-ea"/>
-              </a:rPr>
-              <a:t>other agents</a:t>
-            </a:r>
-            <a:r>
-              <a:rPr lang="ko-KR" altLang="en-US" sz="1600" dirty="0">
-                <a:latin typeface="+mj-ea"/>
-              </a:rPr>
-              <a:t>의 </a:t>
-            </a:r>
-            <a:r>
-              <a:rPr lang="en-US" altLang="ko-KR" sz="1600" dirty="0">
-                <a:latin typeface="+mj-ea"/>
-              </a:rPr>
-              <a:t>action</a:t>
-            </a:r>
-            <a:r>
-              <a:rPr lang="ko-KR" altLang="en-US" sz="1600" dirty="0">
-                <a:latin typeface="+mj-ea"/>
-              </a:rPr>
-              <a:t>을 </a:t>
-            </a:r>
-            <a:r>
-              <a:rPr lang="en-US" altLang="ko-KR" sz="1600" dirty="0">
-                <a:latin typeface="+mj-ea"/>
-              </a:rPr>
-              <a:t>network</a:t>
-            </a:r>
-            <a:r>
-              <a:rPr lang="ko-KR" altLang="en-US" sz="1600" dirty="0">
-                <a:latin typeface="+mj-ea"/>
-              </a:rPr>
-              <a:t>의 </a:t>
-            </a:r>
-            <a:r>
-              <a:rPr lang="en-US" altLang="ko-KR" sz="1600" dirty="0">
-                <a:latin typeface="+mj-ea"/>
-              </a:rPr>
-              <a:t>Input</a:t>
-            </a:r>
-            <a:r>
-              <a:rPr lang="ko-KR" altLang="en-US" sz="1600" dirty="0">
-                <a:latin typeface="+mj-ea"/>
-              </a:rPr>
-              <a:t>으로 이용</a:t>
-            </a:r>
-            <a:endParaRPr lang="en-US" altLang="ko-KR" sz="1600" dirty="0">
-              <a:latin typeface="+mj-ea"/>
-            </a:endParaRPr>
-          </a:p>
-          <a:p>
-            <a:pPr lvl="2"/>
-            <a:endParaRPr lang="en-US" altLang="ko-KR" sz="1600" dirty="0"/>
-          </a:p>
-          <a:p>
-            <a:endParaRPr lang="en-US" altLang="ko-KR" sz="2400" b="1" dirty="0"/>
-          </a:p>
-          <a:p>
-            <a:pPr marL="0" indent="0">
-              <a:buNone/>
-            </a:pPr>
-            <a:endParaRPr lang="en-US" altLang="ko-KR" sz="2000" b="1" dirty="0"/>
-          </a:p>
-          <a:p>
-            <a:pPr marL="0" indent="0">
-              <a:buNone/>
-            </a:pPr>
-            <a:endParaRPr lang="en-US" altLang="ko-KR" sz="2000" b="1" dirty="0"/>
-          </a:p>
-          <a:p>
-            <a:pPr marL="457200" lvl="1" indent="0">
-              <a:buNone/>
-            </a:pPr>
-            <a:endParaRPr lang="en-US" altLang="ko-KR" sz="2000" b="1" dirty="0"/>
-          </a:p>
-          <a:p>
-            <a:endParaRPr lang="en-US" altLang="ko-KR" dirty="0"/>
-          </a:p>
-          <a:p>
-            <a:endParaRPr lang="en-US" altLang="ko-KR" dirty="0"/>
-          </a:p>
-          <a:p>
-            <a:endParaRPr lang="ko-KR" altLang="en-US" dirty="0"/>
-          </a:p>
-        </p:txBody>
-      </p:sp>
-      <p:pic>
-        <p:nvPicPr>
-          <p:cNvPr id="6" name="그림 5">
-            <a:extLst>
-              <a:ext uri="{FF2B5EF4-FFF2-40B4-BE49-F238E27FC236}">
-                <a16:creationId xmlns:a16="http://schemas.microsoft.com/office/drawing/2014/main" id="{A5E36ADC-8565-4970-92ED-9EFBF84D79D2}"/>
-              </a:ext>
-            </a:extLst>
-          </p:cNvPr>
-          <p:cNvPicPr>
-            <a:picLocks noChangeAspect="1"/>
-          </p:cNvPicPr>
-          <p:nvPr/>
-        </p:nvPicPr>
-        <p:blipFill>
-          <a:blip r:embed="rId3"/>
-          <a:stretch>
-            <a:fillRect/>
-          </a:stretch>
-        </p:blipFill>
-        <p:spPr>
-          <a:xfrm>
-            <a:off x="3383868" y="4764375"/>
-            <a:ext cx="2376264" cy="2093625"/>
-          </a:xfrm>
-          <a:prstGeom prst="rect">
-            <a:avLst/>
-          </a:prstGeom>
-        </p:spPr>
-      </p:pic>
-    </p:spTree>
-    <p:extLst>
-      <p:ext uri="{BB962C8B-B14F-4D97-AF65-F5344CB8AC3E}">
-        <p14:creationId xmlns:p14="http://schemas.microsoft.com/office/powerpoint/2010/main" val="504657445"/>
-      </p:ext>
-    </p:extLst>
-  </p:cSld>
-  <p:clrMapOvr>
-    <a:masterClrMapping/>
-  </p:clrMapOvr>
-</p:sld>
-</file>
-
-<file path=ppt/slides/slide7.xml><?xml version="1.0" encoding="utf-8"?>
-<p:sld xmlns:a="http://schemas.openxmlformats.org/drawingml/2006/main" xmlns:r="http://schemas.openxmlformats.org/officeDocument/2006/relationships" xmlns:p="http://schemas.openxmlformats.org/presentationml/2006/main">
-  <p:cSld>
-    <p:spTree>
-      <p:nvGrpSpPr>
-        <p:cNvPr id="1" name=""/>
-        <p:cNvGrpSpPr/>
-        <p:nvPr/>
-      </p:nvGrpSpPr>
-      <p:grpSpPr>
-        <a:xfrm>
-          <a:off x="0" y="0"/>
-          <a:ext cx="0" cy="0"/>
-          <a:chOff x="0" y="0"/>
-          <a:chExt cx="0" cy="0"/>
-        </a:xfrm>
-      </p:grpSpPr>
-      <p:sp>
-        <p:nvSpPr>
-          <p:cNvPr id="2" name="제목 1">
-            <a:extLst>
-              <a:ext uri="{FF2B5EF4-FFF2-40B4-BE49-F238E27FC236}">
-                <a16:creationId xmlns:a16="http://schemas.microsoft.com/office/drawing/2014/main" id="{15A43040-FDE0-41CA-A523-30C7DE7EC5CC}"/>
-              </a:ext>
-            </a:extLst>
-          </p:cNvPr>
-          <p:cNvSpPr>
-            <a:spLocks noGrp="1"/>
-          </p:cNvSpPr>
-          <p:nvPr>
-            <p:ph type="title"/>
-          </p:nvPr>
-        </p:nvSpPr>
-        <p:spPr/>
-        <p:txBody>
-          <a:bodyPr/>
-          <a:lstStyle/>
-          <a:p>
-            <a:r>
-              <a:rPr lang="en-US" altLang="ko-KR" sz="3600" b="1" dirty="0"/>
-              <a:t>MARL – COMA</a:t>
+              <a:t> – COMA</a:t>
             </a:r>
             <a:endParaRPr lang="ko-KR" altLang="en-US" sz="3600" b="1" dirty="0"/>
           </a:p>
@@ -8602,6 +6520,2408 @@
 </p:sld>
 </file>
 
+<file path=ppt/slides/slide12.xml><?xml version="1.0" encoding="utf-8"?>
+<p:sld xmlns:a="http://schemas.openxmlformats.org/drawingml/2006/main" xmlns:r="http://schemas.openxmlformats.org/officeDocument/2006/relationships" xmlns:p="http://schemas.openxmlformats.org/presentationml/2006/main">
+  <p:cSld>
+    <p:spTree>
+      <p:nvGrpSpPr>
+        <p:cNvPr id="1" name=""/>
+        <p:cNvGrpSpPr/>
+        <p:nvPr/>
+      </p:nvGrpSpPr>
+      <p:grpSpPr>
+        <a:xfrm>
+          <a:off x="0" y="0"/>
+          <a:ext cx="0" cy="0"/>
+          <a:chOff x="0" y="0"/>
+          <a:chExt cx="0" cy="0"/>
+        </a:xfrm>
+      </p:grpSpPr>
+      <p:sp>
+        <p:nvSpPr>
+          <p:cNvPr id="2" name="제목 1">
+            <a:extLst>
+              <a:ext uri="{FF2B5EF4-FFF2-40B4-BE49-F238E27FC236}">
+                <a16:creationId xmlns:a16="http://schemas.microsoft.com/office/drawing/2014/main" id="{15A43040-FDE0-41CA-A523-30C7DE7EC5CC}"/>
+              </a:ext>
+            </a:extLst>
+          </p:cNvPr>
+          <p:cNvSpPr>
+            <a:spLocks noGrp="1"/>
+          </p:cNvSpPr>
+          <p:nvPr>
+            <p:ph type="title"/>
+          </p:nvPr>
+        </p:nvSpPr>
+        <p:spPr/>
+        <p:txBody>
+          <a:bodyPr/>
+          <a:lstStyle/>
+          <a:p>
+            <a:r>
+              <a:rPr lang="en-US" altLang="ko-KR" sz="3600" b="1" dirty="0"/>
+              <a:t>MARL - COMA</a:t>
+            </a:r>
+            <a:endParaRPr lang="ko-KR" altLang="en-US" sz="3600" b="1" dirty="0"/>
+          </a:p>
+        </p:txBody>
+      </p:sp>
+      <p:sp>
+        <p:nvSpPr>
+          <p:cNvPr id="3" name="내용 개체 틀 2">
+            <a:extLst>
+              <a:ext uri="{FF2B5EF4-FFF2-40B4-BE49-F238E27FC236}">
+                <a16:creationId xmlns:a16="http://schemas.microsoft.com/office/drawing/2014/main" id="{A13F8D4D-F555-4C80-BEA5-60904777A55C}"/>
+              </a:ext>
+            </a:extLst>
+          </p:cNvPr>
+          <p:cNvSpPr>
+            <a:spLocks noGrp="1"/>
+          </p:cNvSpPr>
+          <p:nvPr>
+            <p:ph idx="1"/>
+          </p:nvPr>
+        </p:nvSpPr>
+        <p:spPr/>
+        <p:txBody>
+          <a:bodyPr/>
+          <a:lstStyle/>
+          <a:p>
+            <a:r>
+              <a:rPr lang="ko-KR" altLang="en-US" sz="2400" b="1" dirty="0"/>
+              <a:t>결론</a:t>
+            </a:r>
+            <a:endParaRPr lang="en-US" altLang="ko-KR" sz="2400" b="1" dirty="0"/>
+          </a:p>
+          <a:p>
+            <a:pPr lvl="1"/>
+            <a:r>
+              <a:rPr lang="ko-KR" altLang="en-US" sz="2000" dirty="0"/>
+              <a:t>기본적으로는 각 </a:t>
+            </a:r>
+            <a:r>
+              <a:rPr lang="en-US" altLang="ko-KR" sz="2000" dirty="0"/>
+              <a:t>agent</a:t>
+            </a:r>
+            <a:r>
+              <a:rPr lang="ko-KR" altLang="en-US" sz="2000" dirty="0"/>
+              <a:t>의 </a:t>
+            </a:r>
+            <a:r>
+              <a:rPr lang="en-US" altLang="ko-KR" sz="2000" dirty="0"/>
+              <a:t>Policy</a:t>
+            </a:r>
+            <a:r>
+              <a:rPr lang="ko-KR" altLang="en-US" sz="2000" dirty="0"/>
+              <a:t>에 대한 목적함수의 </a:t>
+            </a:r>
+            <a:r>
+              <a:rPr lang="en-US" altLang="ko-KR" sz="2000" dirty="0"/>
+              <a:t>Gradient Ascent </a:t>
+            </a:r>
+            <a:r>
+              <a:rPr lang="ko-KR" altLang="en-US" sz="2000" dirty="0"/>
+              <a:t>방법으로 수행된다</a:t>
+            </a:r>
+            <a:r>
+              <a:rPr lang="en-US" altLang="ko-KR" sz="2000" dirty="0"/>
+              <a:t>.</a:t>
+            </a:r>
+          </a:p>
+          <a:p>
+            <a:pPr lvl="1"/>
+            <a:r>
+              <a:rPr lang="en-US" altLang="ko-KR" sz="2000" dirty="0"/>
+              <a:t>Gradient</a:t>
+            </a:r>
+            <a:r>
+              <a:rPr lang="ko-KR" altLang="en-US" sz="2000" dirty="0"/>
+              <a:t>의 목적함수에 </a:t>
+            </a:r>
+            <a:r>
+              <a:rPr lang="en-US" altLang="ko-KR" sz="2000" dirty="0"/>
+              <a:t>Advantage</a:t>
+            </a:r>
+            <a:r>
+              <a:rPr lang="ko-KR" altLang="en-US" sz="2000" dirty="0"/>
+              <a:t>를 적용하여 최적화 시킨다</a:t>
+            </a:r>
+            <a:r>
+              <a:rPr lang="en-US" altLang="ko-KR" sz="2000" dirty="0"/>
+              <a:t>.</a:t>
+            </a:r>
+          </a:p>
+          <a:p>
+            <a:pPr lvl="2"/>
+            <a:r>
+              <a:rPr lang="en-US" altLang="ko-KR" sz="1600" dirty="0"/>
+              <a:t>Q</a:t>
+            </a:r>
+            <a:r>
+              <a:rPr lang="ko-KR" altLang="en-US" sz="1600" dirty="0"/>
+              <a:t>값</a:t>
+            </a:r>
+            <a:r>
+              <a:rPr lang="en-US" altLang="ko-KR" sz="1600" dirty="0"/>
+              <a:t> - Baseline(Q</a:t>
+            </a:r>
+            <a:r>
+              <a:rPr lang="ko-KR" altLang="en-US" sz="1600" dirty="0"/>
+              <a:t>값과 </a:t>
+            </a:r>
+            <a:r>
+              <a:rPr lang="en-US" altLang="ko-KR" sz="1600" dirty="0"/>
+              <a:t>action</a:t>
+            </a:r>
+            <a:r>
+              <a:rPr lang="ko-KR" altLang="en-US" sz="1600" dirty="0"/>
+              <a:t>의 확률 합</a:t>
+            </a:r>
+            <a:r>
+              <a:rPr lang="en-US" altLang="ko-KR" sz="1600" dirty="0"/>
+              <a:t>)</a:t>
+            </a:r>
+            <a:endParaRPr lang="en-US" altLang="ko-KR" sz="2400" b="1" dirty="0"/>
+          </a:p>
+          <a:p>
+            <a:endParaRPr lang="en-US" altLang="ko-KR" sz="2400" b="1" dirty="0"/>
+          </a:p>
+          <a:p>
+            <a:r>
+              <a:rPr lang="en-US" altLang="ko-KR" sz="2400" b="1" dirty="0"/>
+              <a:t>Central-V</a:t>
+            </a:r>
+          </a:p>
+          <a:p>
+            <a:pPr lvl="1"/>
+            <a:r>
+              <a:rPr lang="ko-KR" altLang="en-US" sz="2000" dirty="0"/>
+              <a:t>기본적으로는  </a:t>
+            </a:r>
+            <a:r>
+              <a:rPr lang="en-US" altLang="ko-KR" sz="2000" dirty="0"/>
+              <a:t>COMA </a:t>
+            </a:r>
+            <a:r>
+              <a:rPr lang="ko-KR" altLang="en-US" sz="2000" dirty="0"/>
+              <a:t>방법과 유사함</a:t>
+            </a:r>
+            <a:endParaRPr lang="en-US" altLang="ko-KR" sz="2000" dirty="0"/>
+          </a:p>
+          <a:p>
+            <a:pPr lvl="1"/>
+            <a:r>
+              <a:rPr lang="en-US" altLang="ko-KR" sz="2000" dirty="0"/>
+              <a:t>TD </a:t>
+            </a:r>
+            <a:r>
+              <a:rPr lang="ko-KR" altLang="en-US" sz="2000" dirty="0"/>
+              <a:t>방법으로 얻어진 </a:t>
+            </a:r>
+            <a:r>
+              <a:rPr lang="en-US" altLang="ko-KR" sz="2000" dirty="0"/>
+              <a:t>Value </a:t>
+            </a:r>
+            <a:r>
+              <a:rPr lang="ko-KR" altLang="en-US" sz="2000" dirty="0"/>
+              <a:t>값으로 </a:t>
+            </a:r>
+            <a:r>
+              <a:rPr lang="en-US" altLang="ko-KR" sz="2000" dirty="0"/>
+              <a:t>Advantage</a:t>
+            </a:r>
+            <a:r>
+              <a:rPr lang="ko-KR" altLang="en-US" sz="2000" dirty="0"/>
+              <a:t>를 적용함</a:t>
+            </a:r>
+            <a:endParaRPr lang="en-US" altLang="ko-KR" sz="2000" dirty="0"/>
+          </a:p>
+          <a:p>
+            <a:pPr marL="0" indent="0">
+              <a:buNone/>
+            </a:pPr>
+            <a:endParaRPr lang="en-US" altLang="ko-KR" sz="2000" b="1" dirty="0"/>
+          </a:p>
+          <a:p>
+            <a:pPr marL="0" indent="0">
+              <a:buNone/>
+            </a:pPr>
+            <a:endParaRPr lang="en-US" altLang="ko-KR" sz="2000" b="1" dirty="0"/>
+          </a:p>
+          <a:p>
+            <a:pPr marL="457200" lvl="1" indent="0">
+              <a:buNone/>
+            </a:pPr>
+            <a:endParaRPr lang="en-US" altLang="ko-KR" sz="2000" b="1" dirty="0"/>
+          </a:p>
+          <a:p>
+            <a:endParaRPr lang="en-US" altLang="ko-KR" dirty="0"/>
+          </a:p>
+          <a:p>
+            <a:endParaRPr lang="en-US" altLang="ko-KR" dirty="0"/>
+          </a:p>
+          <a:p>
+            <a:endParaRPr lang="ko-KR" altLang="en-US" dirty="0"/>
+          </a:p>
+        </p:txBody>
+      </p:sp>
+    </p:spTree>
+    <p:extLst>
+      <p:ext uri="{BB962C8B-B14F-4D97-AF65-F5344CB8AC3E}">
+        <p14:creationId xmlns:p14="http://schemas.microsoft.com/office/powerpoint/2010/main" val="127111288"/>
+      </p:ext>
+    </p:extLst>
+  </p:cSld>
+  <p:clrMapOvr>
+    <a:masterClrMapping/>
+  </p:clrMapOvr>
+</p:sld>
+</file>
+
+<file path=ppt/slides/slide13.xml><?xml version="1.0" encoding="utf-8"?>
+<p:sld xmlns:a="http://schemas.openxmlformats.org/drawingml/2006/main" xmlns:r="http://schemas.openxmlformats.org/officeDocument/2006/relationships" xmlns:p="http://schemas.openxmlformats.org/presentationml/2006/main">
+  <p:cSld>
+    <p:spTree>
+      <p:nvGrpSpPr>
+        <p:cNvPr id="1" name=""/>
+        <p:cNvGrpSpPr/>
+        <p:nvPr/>
+      </p:nvGrpSpPr>
+      <p:grpSpPr>
+        <a:xfrm>
+          <a:off x="0" y="0"/>
+          <a:ext cx="0" cy="0"/>
+          <a:chOff x="0" y="0"/>
+          <a:chExt cx="0" cy="0"/>
+        </a:xfrm>
+      </p:grpSpPr>
+      <p:sp>
+        <p:nvSpPr>
+          <p:cNvPr id="2" name="제목 1">
+            <a:extLst>
+              <a:ext uri="{FF2B5EF4-FFF2-40B4-BE49-F238E27FC236}">
+                <a16:creationId xmlns:a16="http://schemas.microsoft.com/office/drawing/2014/main" id="{15A43040-FDE0-41CA-A523-30C7DE7EC5CC}"/>
+              </a:ext>
+            </a:extLst>
+          </p:cNvPr>
+          <p:cNvSpPr>
+            <a:spLocks noGrp="1"/>
+          </p:cNvSpPr>
+          <p:nvPr>
+            <p:ph type="title"/>
+          </p:nvPr>
+        </p:nvSpPr>
+        <p:spPr/>
+        <p:txBody>
+          <a:bodyPr/>
+          <a:lstStyle/>
+          <a:p>
+            <a:r>
+              <a:rPr lang="en-US" altLang="ko-KR" sz="3600" b="1" dirty="0">
+                <a:latin typeface="Calibri (제목)"/>
+              </a:rPr>
+              <a:t>Policy Gradient MARL</a:t>
+            </a:r>
+            <a:r>
+              <a:rPr lang="en-US" altLang="ko-KR" sz="3600" b="1" dirty="0"/>
+              <a:t> – LIIR</a:t>
+            </a:r>
+            <a:endParaRPr lang="ko-KR" altLang="en-US" sz="3600" b="1" spc="-150" dirty="0"/>
+          </a:p>
+        </p:txBody>
+      </p:sp>
+      <p:sp>
+        <p:nvSpPr>
+          <p:cNvPr id="3" name="내용 개체 틀 2">
+            <a:extLst>
+              <a:ext uri="{FF2B5EF4-FFF2-40B4-BE49-F238E27FC236}">
+                <a16:creationId xmlns:a16="http://schemas.microsoft.com/office/drawing/2014/main" id="{A13F8D4D-F555-4C80-BEA5-60904777A55C}"/>
+              </a:ext>
+            </a:extLst>
+          </p:cNvPr>
+          <p:cNvSpPr>
+            <a:spLocks noGrp="1"/>
+          </p:cNvSpPr>
+          <p:nvPr>
+            <p:ph idx="1"/>
+          </p:nvPr>
+        </p:nvSpPr>
+        <p:spPr/>
+        <p:txBody>
+          <a:bodyPr/>
+          <a:lstStyle/>
+          <a:p>
+            <a:r>
+              <a:rPr lang="ko-KR" altLang="en-US" sz="2400" b="1" dirty="0"/>
+              <a:t>적용된 학습 방법</a:t>
+            </a:r>
+            <a:endParaRPr lang="en-US" altLang="ko-KR" sz="2400" b="1" dirty="0"/>
+          </a:p>
+          <a:p>
+            <a:pPr lvl="1"/>
+            <a:r>
+              <a:rPr lang="ko-KR" altLang="en-US" sz="2000" dirty="0"/>
+              <a:t>기본적인 기법은 </a:t>
+            </a:r>
+            <a:r>
+              <a:rPr lang="en-US" altLang="ko-KR" sz="2000" dirty="0"/>
+              <a:t>COMA </a:t>
+            </a:r>
+            <a:r>
+              <a:rPr lang="ko-KR" altLang="en-US" sz="2000" dirty="0"/>
+              <a:t>기법을 사용함</a:t>
+            </a:r>
+            <a:r>
+              <a:rPr lang="en-US" altLang="ko-KR" sz="2000" dirty="0"/>
+              <a:t>.</a:t>
+            </a:r>
+          </a:p>
+          <a:p>
+            <a:pPr lvl="1"/>
+            <a:r>
+              <a:rPr lang="en-US" altLang="ko-KR" sz="2000" dirty="0"/>
+              <a:t>Advantage</a:t>
+            </a:r>
+            <a:r>
+              <a:rPr lang="ko-KR" altLang="en-US" sz="2000" dirty="0"/>
+              <a:t>를 </a:t>
+            </a:r>
+            <a:r>
+              <a:rPr lang="en-US" altLang="ko-KR" sz="2000" dirty="0"/>
+              <a:t>TRPO,</a:t>
+            </a:r>
+            <a:r>
+              <a:rPr lang="ko-KR" altLang="en-US" sz="2000" dirty="0"/>
+              <a:t> </a:t>
+            </a:r>
+            <a:r>
+              <a:rPr lang="en-US" altLang="ko-KR" sz="2000" dirty="0"/>
+              <a:t>PPO</a:t>
+            </a:r>
+            <a:r>
+              <a:rPr lang="ko-KR" altLang="en-US" sz="2000" dirty="0"/>
+              <a:t>와 비슷한 기법으로 적용한 </a:t>
+            </a:r>
+            <a:r>
+              <a:rPr lang="en-US" altLang="ko-KR" sz="2000" dirty="0"/>
+              <a:t>Policy Gradient</a:t>
+            </a:r>
+          </a:p>
+          <a:p>
+            <a:pPr lvl="2"/>
+            <a:r>
+              <a:rPr lang="en-US" altLang="ko-KR" sz="1600" dirty="0"/>
+              <a:t>Old policy</a:t>
+            </a:r>
+            <a:r>
+              <a:rPr lang="ko-KR" altLang="en-US" sz="1600" dirty="0"/>
+              <a:t>와 </a:t>
+            </a:r>
+            <a:r>
+              <a:rPr lang="en-US" altLang="ko-KR" sz="1600" dirty="0"/>
+              <a:t>new policy</a:t>
+            </a:r>
+            <a:r>
+              <a:rPr lang="ko-KR" altLang="en-US" sz="1600" dirty="0"/>
+              <a:t>의 </a:t>
+            </a:r>
+            <a:r>
+              <a:rPr lang="en-US" altLang="ko-KR" sz="1600" dirty="0"/>
+              <a:t>Ratio</a:t>
+            </a:r>
+            <a:r>
+              <a:rPr lang="ko-KR" altLang="en-US" sz="1600" dirty="0"/>
+              <a:t>로 </a:t>
+            </a:r>
+            <a:r>
+              <a:rPr lang="en-US" altLang="ko-KR" sz="1600" dirty="0"/>
+              <a:t>Advantage </a:t>
+            </a:r>
+            <a:r>
+              <a:rPr lang="ko-KR" altLang="en-US" sz="1600" dirty="0"/>
+              <a:t>적용함</a:t>
+            </a:r>
+            <a:endParaRPr lang="en-US" altLang="ko-KR" sz="1600" dirty="0"/>
+          </a:p>
+          <a:p>
+            <a:pPr lvl="1"/>
+            <a:r>
+              <a:rPr lang="ko-KR" altLang="en-US" sz="2000" dirty="0"/>
+              <a:t>각 </a:t>
+            </a:r>
+            <a:r>
+              <a:rPr lang="en-US" altLang="ko-KR" sz="2000" dirty="0"/>
+              <a:t>agent</a:t>
+            </a:r>
+            <a:r>
+              <a:rPr lang="ko-KR" altLang="en-US" sz="2000" dirty="0"/>
+              <a:t>의 </a:t>
+            </a:r>
+            <a:r>
+              <a:rPr lang="en-US" altLang="ko-KR" sz="2000" dirty="0"/>
+              <a:t>reward</a:t>
+            </a:r>
+            <a:r>
+              <a:rPr lang="ko-KR" altLang="en-US" sz="2000" dirty="0"/>
+              <a:t>를 파라미터화 하여 학습시켜 사용함</a:t>
+            </a:r>
+            <a:r>
+              <a:rPr lang="en-US" altLang="ko-KR" sz="2000" dirty="0"/>
+              <a:t>.</a:t>
+            </a:r>
+          </a:p>
+          <a:p>
+            <a:pPr lvl="1"/>
+            <a:endParaRPr lang="en-US" altLang="ko-KR" sz="2000" dirty="0"/>
+          </a:p>
+          <a:p>
+            <a:r>
+              <a:rPr lang="ko-KR" altLang="en-US" sz="2400" b="1" dirty="0"/>
+              <a:t>각 </a:t>
+            </a:r>
+            <a:r>
+              <a:rPr lang="en-US" altLang="ko-KR" sz="2400" b="1" dirty="0"/>
+              <a:t>agent</a:t>
+            </a:r>
+            <a:r>
+              <a:rPr lang="ko-KR" altLang="en-US" sz="2400" b="1" dirty="0"/>
+              <a:t>의 </a:t>
+            </a:r>
+            <a:r>
+              <a:rPr lang="en-US" altLang="ko-KR" sz="2400" b="1" dirty="0"/>
+              <a:t>policy </a:t>
+            </a:r>
+            <a:r>
+              <a:rPr lang="ko-KR" altLang="en-US" sz="2400" b="1" dirty="0"/>
+              <a:t>수행방법</a:t>
+            </a:r>
+            <a:endParaRPr lang="en-US" altLang="ko-KR" sz="2400" b="1" dirty="0"/>
+          </a:p>
+          <a:p>
+            <a:pPr lvl="1"/>
+            <a:r>
+              <a:rPr lang="en-US" altLang="ko-KR" sz="2000" dirty="0"/>
+              <a:t>Episode sample</a:t>
+            </a:r>
+            <a:r>
+              <a:rPr lang="ko-KR" altLang="en-US" sz="2000" dirty="0"/>
+              <a:t>에서 각 </a:t>
+            </a:r>
+            <a:r>
+              <a:rPr lang="en-US" altLang="ko-KR" sz="2000" dirty="0"/>
+              <a:t>agent</a:t>
+            </a:r>
+            <a:r>
+              <a:rPr lang="ko-KR" altLang="en-US" sz="2000" dirty="0"/>
+              <a:t>의 </a:t>
+            </a:r>
+            <a:r>
+              <a:rPr lang="en-US" altLang="ko-KR" sz="2000" dirty="0"/>
+              <a:t>Q</a:t>
+            </a:r>
+            <a:r>
+              <a:rPr lang="ko-KR" altLang="en-US" sz="2000" dirty="0"/>
+              <a:t>함수를 얻는다</a:t>
+            </a:r>
+            <a:r>
+              <a:rPr lang="en-US" altLang="ko-KR" sz="2000" dirty="0"/>
+              <a:t>.</a:t>
+            </a:r>
+          </a:p>
+          <a:p>
+            <a:pPr lvl="1"/>
+            <a:r>
+              <a:rPr lang="ko-KR" altLang="en-US" sz="2000" dirty="0"/>
+              <a:t>얻어진 </a:t>
+            </a:r>
+            <a:r>
+              <a:rPr lang="en-US" altLang="ko-KR" sz="2000" dirty="0"/>
+              <a:t>Q</a:t>
+            </a:r>
+            <a:r>
+              <a:rPr lang="ko-KR" altLang="en-US" sz="2000" dirty="0"/>
+              <a:t>함수로 </a:t>
+            </a:r>
+            <a:r>
+              <a:rPr lang="en-US" altLang="ko-KR" sz="2000" dirty="0"/>
+              <a:t>Advantage </a:t>
+            </a:r>
+            <a:r>
+              <a:rPr lang="ko-KR" altLang="en-US" sz="2000" dirty="0"/>
+              <a:t>설정한 후 </a:t>
+            </a:r>
+            <a:r>
+              <a:rPr lang="en-US" altLang="ko-KR" sz="2000" dirty="0"/>
+              <a:t>reward</a:t>
+            </a:r>
+            <a:r>
+              <a:rPr lang="ko-KR" altLang="en-US" sz="2000" dirty="0"/>
+              <a:t>를 파라미터를 최적화 한다</a:t>
+            </a:r>
+            <a:r>
+              <a:rPr lang="en-US" altLang="ko-KR" sz="2000" dirty="0"/>
+              <a:t>.</a:t>
+            </a:r>
+          </a:p>
+          <a:p>
+            <a:pPr lvl="1"/>
+            <a:r>
+              <a:rPr lang="en-US" altLang="ko-KR" sz="2000" dirty="0"/>
+              <a:t>Old policy</a:t>
+            </a:r>
+            <a:r>
+              <a:rPr lang="ko-KR" altLang="en-US" sz="2000" dirty="0"/>
+              <a:t>와</a:t>
+            </a:r>
+            <a:r>
+              <a:rPr lang="en-US" altLang="ko-KR" sz="2000" dirty="0"/>
+              <a:t> new policy</a:t>
+            </a:r>
+            <a:r>
+              <a:rPr lang="ko-KR" altLang="en-US" sz="2000" dirty="0"/>
+              <a:t>의 </a:t>
+            </a:r>
+            <a:r>
+              <a:rPr lang="en-US" altLang="ko-KR" sz="2000" dirty="0"/>
+              <a:t>Ratio</a:t>
+            </a:r>
+            <a:r>
+              <a:rPr lang="ko-KR" altLang="en-US" sz="2000" dirty="0"/>
+              <a:t>를 산출 후 </a:t>
+            </a:r>
+            <a:r>
+              <a:rPr lang="en-US" altLang="ko-KR" sz="2000" dirty="0"/>
+              <a:t>policy</a:t>
+            </a:r>
+            <a:r>
+              <a:rPr lang="ko-KR" altLang="en-US" sz="2000" dirty="0"/>
+              <a:t>를 최적화 한다</a:t>
+            </a:r>
+            <a:r>
+              <a:rPr lang="en-US" altLang="ko-KR" sz="2000" dirty="0"/>
+              <a:t>.</a:t>
+            </a:r>
+          </a:p>
+          <a:p>
+            <a:pPr lvl="1"/>
+            <a:endParaRPr lang="en-US" altLang="ko-KR" sz="2000" dirty="0"/>
+          </a:p>
+          <a:p>
+            <a:endParaRPr lang="en-US" altLang="ko-KR" dirty="0"/>
+          </a:p>
+          <a:p>
+            <a:endParaRPr lang="ko-KR" altLang="en-US" dirty="0"/>
+          </a:p>
+        </p:txBody>
+      </p:sp>
+    </p:spTree>
+    <p:extLst>
+      <p:ext uri="{BB962C8B-B14F-4D97-AF65-F5344CB8AC3E}">
+        <p14:creationId xmlns:p14="http://schemas.microsoft.com/office/powerpoint/2010/main" val="1966750711"/>
+      </p:ext>
+    </p:extLst>
+  </p:cSld>
+  <p:clrMapOvr>
+    <a:masterClrMapping/>
+  </p:clrMapOvr>
+</p:sld>
+</file>
+
+<file path=ppt/slides/slide14.xml><?xml version="1.0" encoding="utf-8"?>
+<p:sld xmlns:a="http://schemas.openxmlformats.org/drawingml/2006/main" xmlns:r="http://schemas.openxmlformats.org/officeDocument/2006/relationships" xmlns:p="http://schemas.openxmlformats.org/presentationml/2006/main">
+  <p:cSld>
+    <p:spTree>
+      <p:nvGrpSpPr>
+        <p:cNvPr id="1" name=""/>
+        <p:cNvGrpSpPr/>
+        <p:nvPr/>
+      </p:nvGrpSpPr>
+      <p:grpSpPr>
+        <a:xfrm>
+          <a:off x="0" y="0"/>
+          <a:ext cx="0" cy="0"/>
+          <a:chOff x="0" y="0"/>
+          <a:chExt cx="0" cy="0"/>
+        </a:xfrm>
+      </p:grpSpPr>
+      <p:sp>
+        <p:nvSpPr>
+          <p:cNvPr id="2" name="제목 1">
+            <a:extLst>
+              <a:ext uri="{FF2B5EF4-FFF2-40B4-BE49-F238E27FC236}">
+                <a16:creationId xmlns:a16="http://schemas.microsoft.com/office/drawing/2014/main" id="{15A43040-FDE0-41CA-A523-30C7DE7EC5CC}"/>
+              </a:ext>
+            </a:extLst>
+          </p:cNvPr>
+          <p:cNvSpPr>
+            <a:spLocks noGrp="1"/>
+          </p:cNvSpPr>
+          <p:nvPr>
+            <p:ph type="title"/>
+          </p:nvPr>
+        </p:nvSpPr>
+        <p:spPr/>
+        <p:txBody>
+          <a:bodyPr/>
+          <a:lstStyle/>
+          <a:p>
+            <a:r>
+              <a:rPr lang="en-US" altLang="ko-KR" sz="3600" b="1" dirty="0">
+                <a:latin typeface="Calibri (제목)"/>
+              </a:rPr>
+              <a:t>Policy Gradient MARL</a:t>
+            </a:r>
+            <a:r>
+              <a:rPr lang="en-US" altLang="ko-KR" sz="3600" b="1" dirty="0"/>
+              <a:t>– LIIR</a:t>
+            </a:r>
+            <a:endParaRPr lang="ko-KR" altLang="en-US" sz="3600" b="1" spc="-150" dirty="0"/>
+          </a:p>
+        </p:txBody>
+      </p:sp>
+      <p:pic>
+        <p:nvPicPr>
+          <p:cNvPr id="4" name="그림 3">
+            <a:extLst>
+              <a:ext uri="{FF2B5EF4-FFF2-40B4-BE49-F238E27FC236}">
+                <a16:creationId xmlns:a16="http://schemas.microsoft.com/office/drawing/2014/main" id="{0374A17A-DF62-4033-8013-BC41DE2FE76B}"/>
+              </a:ext>
+            </a:extLst>
+          </p:cNvPr>
+          <p:cNvPicPr>
+            <a:picLocks noChangeAspect="1"/>
+          </p:cNvPicPr>
+          <p:nvPr/>
+        </p:nvPicPr>
+        <p:blipFill>
+          <a:blip r:embed="rId3"/>
+          <a:stretch>
+            <a:fillRect/>
+          </a:stretch>
+        </p:blipFill>
+        <p:spPr>
+          <a:xfrm>
+            <a:off x="59457" y="1772816"/>
+            <a:ext cx="9025086" cy="4576846"/>
+          </a:xfrm>
+          <a:prstGeom prst="rect">
+            <a:avLst/>
+          </a:prstGeom>
+        </p:spPr>
+      </p:pic>
+    </p:spTree>
+    <p:extLst>
+      <p:ext uri="{BB962C8B-B14F-4D97-AF65-F5344CB8AC3E}">
+        <p14:creationId xmlns:p14="http://schemas.microsoft.com/office/powerpoint/2010/main" val="3201169643"/>
+      </p:ext>
+    </p:extLst>
+  </p:cSld>
+  <p:clrMapOvr>
+    <a:masterClrMapping/>
+  </p:clrMapOvr>
+</p:sld>
+</file>
+
+<file path=ppt/slides/slide15.xml><?xml version="1.0" encoding="utf-8"?>
+<p:sld xmlns:a="http://schemas.openxmlformats.org/drawingml/2006/main" xmlns:r="http://schemas.openxmlformats.org/officeDocument/2006/relationships" xmlns:p="http://schemas.openxmlformats.org/presentationml/2006/main">
+  <p:cSld>
+    <p:spTree>
+      <p:nvGrpSpPr>
+        <p:cNvPr id="1" name=""/>
+        <p:cNvGrpSpPr/>
+        <p:nvPr/>
+      </p:nvGrpSpPr>
+      <p:grpSpPr>
+        <a:xfrm>
+          <a:off x="0" y="0"/>
+          <a:ext cx="0" cy="0"/>
+          <a:chOff x="0" y="0"/>
+          <a:chExt cx="0" cy="0"/>
+        </a:xfrm>
+      </p:grpSpPr>
+      <p:sp>
+        <p:nvSpPr>
+          <p:cNvPr id="2" name="제목 1">
+            <a:extLst>
+              <a:ext uri="{FF2B5EF4-FFF2-40B4-BE49-F238E27FC236}">
+                <a16:creationId xmlns:a16="http://schemas.microsoft.com/office/drawing/2014/main" id="{15A43040-FDE0-41CA-A523-30C7DE7EC5CC}"/>
+              </a:ext>
+            </a:extLst>
+          </p:cNvPr>
+          <p:cNvSpPr>
+            <a:spLocks noGrp="1"/>
+          </p:cNvSpPr>
+          <p:nvPr>
+            <p:ph type="title"/>
+          </p:nvPr>
+        </p:nvSpPr>
+        <p:spPr/>
+        <p:txBody>
+          <a:bodyPr/>
+          <a:lstStyle/>
+          <a:p>
+            <a:r>
+              <a:rPr lang="en-US" altLang="ko-KR" sz="3600" b="1" dirty="0">
+                <a:latin typeface="Calibri (제목)"/>
+              </a:rPr>
+              <a:t>Policy Gradient MARL</a:t>
+            </a:r>
+            <a:r>
+              <a:rPr lang="en-US" altLang="ko-KR" sz="3600" b="1" dirty="0"/>
+              <a:t> – LIIR</a:t>
+            </a:r>
+            <a:endParaRPr lang="ko-KR" altLang="en-US" sz="3600" b="1" spc="-150" dirty="0"/>
+          </a:p>
+        </p:txBody>
+      </p:sp>
+      <p:sp>
+        <p:nvSpPr>
+          <p:cNvPr id="3" name="내용 개체 틀 2">
+            <a:extLst>
+              <a:ext uri="{FF2B5EF4-FFF2-40B4-BE49-F238E27FC236}">
+                <a16:creationId xmlns:a16="http://schemas.microsoft.com/office/drawing/2014/main" id="{A13F8D4D-F555-4C80-BEA5-60904777A55C}"/>
+              </a:ext>
+            </a:extLst>
+          </p:cNvPr>
+          <p:cNvSpPr>
+            <a:spLocks noGrp="1"/>
+          </p:cNvSpPr>
+          <p:nvPr>
+            <p:ph idx="1"/>
+          </p:nvPr>
+        </p:nvSpPr>
+        <p:spPr/>
+        <p:txBody>
+          <a:bodyPr/>
+          <a:lstStyle/>
+          <a:p>
+            <a:r>
+              <a:rPr lang="ko-KR" altLang="en-US" sz="2400" b="1" dirty="0"/>
+              <a:t>결론</a:t>
+            </a:r>
+            <a:endParaRPr lang="en-US" altLang="ko-KR" sz="2400" b="1" dirty="0"/>
+          </a:p>
+          <a:p>
+            <a:pPr lvl="1"/>
+            <a:r>
+              <a:rPr lang="ko-KR" altLang="en-US" sz="2000" dirty="0"/>
+              <a:t>각 </a:t>
+            </a:r>
+            <a:r>
+              <a:rPr lang="en-US" altLang="ko-KR" sz="2000" dirty="0"/>
+              <a:t>agent</a:t>
+            </a:r>
+            <a:r>
+              <a:rPr lang="ko-KR" altLang="en-US" sz="2000" dirty="0"/>
+              <a:t>의 </a:t>
+            </a:r>
+            <a:r>
+              <a:rPr lang="en-US" altLang="ko-KR" sz="2000" dirty="0"/>
+              <a:t>Policy</a:t>
+            </a:r>
+            <a:r>
+              <a:rPr lang="ko-KR" altLang="en-US" sz="2000" dirty="0"/>
+              <a:t>에 따라 </a:t>
+            </a:r>
+            <a:r>
+              <a:rPr lang="en-US" altLang="ko-KR" sz="2000" dirty="0" err="1"/>
+              <a:t>Intrisic</a:t>
+            </a:r>
+            <a:r>
+              <a:rPr lang="en-US" altLang="ko-KR" sz="2000" dirty="0"/>
+              <a:t> Reward</a:t>
+            </a:r>
+            <a:r>
+              <a:rPr lang="ko-KR" altLang="en-US" sz="2000" dirty="0"/>
+              <a:t>가 형성 된다</a:t>
+            </a:r>
+            <a:endParaRPr lang="en-US" altLang="ko-KR" sz="2000" dirty="0"/>
+          </a:p>
+          <a:p>
+            <a:pPr lvl="1"/>
+            <a:r>
+              <a:rPr lang="en-US" altLang="ko-KR" sz="2000" dirty="0" err="1"/>
+              <a:t>Intrisic</a:t>
+            </a:r>
+            <a:r>
+              <a:rPr lang="en-US" altLang="ko-KR" sz="2000" dirty="0"/>
+              <a:t> Reward</a:t>
+            </a:r>
+            <a:r>
+              <a:rPr lang="ko-KR" altLang="en-US" sz="2000" dirty="0"/>
+              <a:t>에 와 </a:t>
+            </a:r>
+            <a:r>
+              <a:rPr lang="en-US" altLang="ko-KR" sz="2000" dirty="0"/>
+              <a:t>Extrinsic Reward</a:t>
+            </a:r>
+            <a:r>
+              <a:rPr lang="ko-KR" altLang="en-US" sz="2000" dirty="0"/>
+              <a:t>를 이용하여 각 </a:t>
+            </a:r>
+            <a:r>
+              <a:rPr lang="en-US" altLang="ko-KR" sz="2000" dirty="0"/>
+              <a:t>agent</a:t>
+            </a:r>
+            <a:r>
+              <a:rPr lang="ko-KR" altLang="en-US" sz="2000" dirty="0"/>
+              <a:t>의 </a:t>
+            </a:r>
+            <a:r>
+              <a:rPr lang="en-US" altLang="ko-KR" sz="2000" dirty="0"/>
+              <a:t>Policy</a:t>
+            </a:r>
+            <a:r>
+              <a:rPr lang="ko-KR" altLang="en-US" sz="2000" dirty="0"/>
+              <a:t>를 적용한다</a:t>
+            </a:r>
+            <a:r>
+              <a:rPr lang="en-US" altLang="ko-KR" sz="2000" dirty="0"/>
+              <a:t>.</a:t>
+            </a:r>
+          </a:p>
+          <a:p>
+            <a:pPr lvl="1"/>
+            <a:r>
+              <a:rPr lang="en-US" altLang="ko-KR" sz="2000" dirty="0"/>
+              <a:t>Extrinsic Reward</a:t>
+            </a:r>
+            <a:r>
+              <a:rPr lang="ko-KR" altLang="en-US" sz="2000" dirty="0"/>
+              <a:t>를 이용하여 </a:t>
+            </a:r>
+            <a:r>
+              <a:rPr lang="en-US" altLang="ko-KR" sz="2000" dirty="0"/>
+              <a:t>Reward </a:t>
+            </a:r>
+            <a:r>
+              <a:rPr lang="ko-KR" altLang="en-US" sz="2000" dirty="0"/>
+              <a:t>파라미터를 최적화 시킨다</a:t>
+            </a:r>
+            <a:r>
+              <a:rPr lang="en-US" altLang="ko-KR" sz="2000" dirty="0"/>
+              <a:t>. </a:t>
+            </a:r>
+            <a:r>
+              <a:rPr lang="ko-KR" altLang="en-US" sz="2000" dirty="0" err="1"/>
+              <a:t>이로인해</a:t>
+            </a:r>
+            <a:r>
+              <a:rPr lang="ko-KR" altLang="en-US" sz="2000" dirty="0"/>
+              <a:t> 각 </a:t>
+            </a:r>
+            <a:r>
+              <a:rPr lang="en-US" altLang="ko-KR" sz="2000" dirty="0"/>
+              <a:t>agent</a:t>
+            </a:r>
+            <a:r>
+              <a:rPr lang="ko-KR" altLang="en-US" sz="2000" dirty="0"/>
+              <a:t>의 독립성이 보장된다</a:t>
+            </a:r>
+            <a:r>
+              <a:rPr lang="en-US" altLang="ko-KR" sz="2000" dirty="0"/>
+              <a:t>.</a:t>
+            </a:r>
+          </a:p>
+          <a:p>
+            <a:pPr lvl="1"/>
+            <a:endParaRPr lang="en-US" altLang="ko-KR" sz="2000" b="1" dirty="0"/>
+          </a:p>
+          <a:p>
+            <a:pPr lvl="1"/>
+            <a:endParaRPr lang="en-US" altLang="ko-KR" dirty="0"/>
+          </a:p>
+          <a:p>
+            <a:endParaRPr lang="ko-KR" altLang="en-US" dirty="0"/>
+          </a:p>
+        </p:txBody>
+      </p:sp>
+    </p:spTree>
+    <p:extLst>
+      <p:ext uri="{BB962C8B-B14F-4D97-AF65-F5344CB8AC3E}">
+        <p14:creationId xmlns:p14="http://schemas.microsoft.com/office/powerpoint/2010/main" val="1607425274"/>
+      </p:ext>
+    </p:extLst>
+  </p:cSld>
+  <p:clrMapOvr>
+    <a:masterClrMapping/>
+  </p:clrMapOvr>
+</p:sld>
+</file>
+
+<file path=ppt/slides/slide2.xml><?xml version="1.0" encoding="utf-8"?>
+<p:sld xmlns:a="http://schemas.openxmlformats.org/drawingml/2006/main" xmlns:r="http://schemas.openxmlformats.org/officeDocument/2006/relationships" xmlns:p="http://schemas.openxmlformats.org/presentationml/2006/main">
+  <p:cSld>
+    <p:spTree>
+      <p:nvGrpSpPr>
+        <p:cNvPr id="1" name=""/>
+        <p:cNvGrpSpPr/>
+        <p:nvPr/>
+      </p:nvGrpSpPr>
+      <p:grpSpPr>
+        <a:xfrm>
+          <a:off x="0" y="0"/>
+          <a:ext cx="0" cy="0"/>
+          <a:chOff x="0" y="0"/>
+          <a:chExt cx="0" cy="0"/>
+        </a:xfrm>
+      </p:grpSpPr>
+      <p:sp>
+        <p:nvSpPr>
+          <p:cNvPr id="2" name="제목 1">
+            <a:extLst>
+              <a:ext uri="{FF2B5EF4-FFF2-40B4-BE49-F238E27FC236}">
+                <a16:creationId xmlns:a16="http://schemas.microsoft.com/office/drawing/2014/main" id="{C7B0BDE5-52C4-4E71-AA23-92BAAEC65F44}"/>
+              </a:ext>
+            </a:extLst>
+          </p:cNvPr>
+          <p:cNvSpPr>
+            <a:spLocks noGrp="1"/>
+          </p:cNvSpPr>
+          <p:nvPr>
+            <p:ph type="title"/>
+          </p:nvPr>
+        </p:nvSpPr>
+        <p:spPr/>
+        <p:txBody>
+          <a:bodyPr/>
+          <a:lstStyle/>
+          <a:p>
+            <a:r>
+              <a:rPr lang="en-US" altLang="ko-KR" sz="3600" b="1" dirty="0"/>
+              <a:t>MARL Algorithms</a:t>
+            </a:r>
+            <a:endParaRPr lang="ko-KR" altLang="en-US" sz="3600" b="1" dirty="0"/>
+          </a:p>
+        </p:txBody>
+      </p:sp>
+      <p:sp>
+        <p:nvSpPr>
+          <p:cNvPr id="3" name="내용 개체 틀 2">
+            <a:extLst>
+              <a:ext uri="{FF2B5EF4-FFF2-40B4-BE49-F238E27FC236}">
+                <a16:creationId xmlns:a16="http://schemas.microsoft.com/office/drawing/2014/main" id="{CF93AC94-4130-4616-8402-C76DF0DD0DC1}"/>
+              </a:ext>
+            </a:extLst>
+          </p:cNvPr>
+          <p:cNvSpPr>
+            <a:spLocks noGrp="1"/>
+          </p:cNvSpPr>
+          <p:nvPr>
+            <p:ph idx="1"/>
+          </p:nvPr>
+        </p:nvSpPr>
+        <p:spPr/>
+        <p:txBody>
+          <a:bodyPr/>
+          <a:lstStyle/>
+          <a:p>
+            <a:r>
+              <a:rPr lang="ko-KR" altLang="en-US" sz="2400" b="1" dirty="0">
+                <a:latin typeface="+mj-ea"/>
+              </a:rPr>
+              <a:t>각 </a:t>
+            </a:r>
+            <a:r>
+              <a:rPr lang="en-US" altLang="ko-KR" sz="2400" b="1" dirty="0">
+                <a:latin typeface="+mj-ea"/>
+              </a:rPr>
+              <a:t>Agent</a:t>
+            </a:r>
+            <a:r>
+              <a:rPr lang="ko-KR" altLang="en-US" sz="2400" b="1" dirty="0">
+                <a:latin typeface="+mj-ea"/>
+              </a:rPr>
+              <a:t>의 </a:t>
+            </a:r>
+            <a:r>
+              <a:rPr lang="en-US" altLang="ko-KR" sz="2400" b="1" dirty="0">
+                <a:latin typeface="+mj-ea"/>
+              </a:rPr>
+              <a:t>Q</a:t>
+            </a:r>
+            <a:r>
+              <a:rPr lang="ko-KR" altLang="en-US" sz="2400" b="1" dirty="0">
+                <a:latin typeface="+mj-ea"/>
+              </a:rPr>
+              <a:t>러닝으로 진행하는 </a:t>
+            </a:r>
+            <a:r>
+              <a:rPr lang="en-US" altLang="ko-KR" sz="2400" b="1" dirty="0">
+                <a:latin typeface="+mj-ea"/>
+                <a:ea typeface="+mj-ea"/>
+              </a:rPr>
+              <a:t>MARL</a:t>
+            </a:r>
+            <a:endParaRPr lang="en-US" altLang="ko-KR" sz="1600" b="1" dirty="0">
+              <a:latin typeface="+mj-ea"/>
+            </a:endParaRPr>
+          </a:p>
+          <a:p>
+            <a:pPr lvl="1"/>
+            <a:r>
+              <a:rPr lang="en-US" altLang="ko-KR" sz="2000" dirty="0">
+                <a:latin typeface="+mj-ea"/>
+              </a:rPr>
+              <a:t>IQL : </a:t>
+            </a:r>
+            <a:r>
+              <a:rPr lang="ko-KR" altLang="en-US" sz="2000" dirty="0">
+                <a:latin typeface="+mj-ea"/>
+              </a:rPr>
+              <a:t>각 </a:t>
+            </a:r>
+            <a:r>
+              <a:rPr lang="en-US" altLang="ko-KR" sz="2000" dirty="0">
+                <a:latin typeface="+mj-ea"/>
+              </a:rPr>
+              <a:t>Agent</a:t>
+            </a:r>
+            <a:r>
+              <a:rPr lang="ko-KR" altLang="en-US" sz="2000" dirty="0">
+                <a:latin typeface="+mj-ea"/>
+              </a:rPr>
+              <a:t>의</a:t>
+            </a:r>
+            <a:r>
+              <a:rPr lang="en-US" altLang="ko-KR" sz="2000" dirty="0">
+                <a:latin typeface="+mj-ea"/>
+              </a:rPr>
+              <a:t> </a:t>
+            </a:r>
+            <a:r>
+              <a:rPr lang="ko-KR" altLang="en-US" sz="2000" dirty="0">
+                <a:latin typeface="+mj-ea"/>
+              </a:rPr>
+              <a:t>독립적인 </a:t>
+            </a:r>
+            <a:r>
+              <a:rPr lang="en-US" altLang="ko-KR" sz="2000" dirty="0">
+                <a:latin typeface="+mj-ea"/>
+              </a:rPr>
+              <a:t>Q</a:t>
+            </a:r>
+            <a:r>
+              <a:rPr lang="ko-KR" altLang="en-US" sz="2000" dirty="0">
+                <a:latin typeface="+mj-ea"/>
+              </a:rPr>
+              <a:t>함수로 </a:t>
+            </a:r>
+            <a:r>
+              <a:rPr lang="en-US" altLang="ko-KR" sz="2000" dirty="0">
+                <a:latin typeface="+mj-ea"/>
+              </a:rPr>
+              <a:t>Policy</a:t>
+            </a:r>
+            <a:r>
+              <a:rPr lang="ko-KR" altLang="en-US" sz="2000" dirty="0">
+                <a:latin typeface="+mj-ea"/>
+              </a:rPr>
+              <a:t>가 결정됨</a:t>
+            </a:r>
+            <a:endParaRPr lang="en-US" altLang="ko-KR" sz="2000" dirty="0">
+              <a:latin typeface="+mj-ea"/>
+            </a:endParaRPr>
+          </a:p>
+          <a:p>
+            <a:pPr lvl="1"/>
+            <a:r>
+              <a:rPr lang="en-US" altLang="ko-KR" sz="2000" dirty="0">
+                <a:latin typeface="+mj-ea"/>
+              </a:rPr>
+              <a:t>QMIX : Q</a:t>
+            </a:r>
+            <a:r>
+              <a:rPr lang="ko-KR" altLang="en-US" sz="2000" dirty="0">
+                <a:latin typeface="+mj-ea"/>
+              </a:rPr>
+              <a:t>함수의 조합인 </a:t>
+            </a:r>
+            <a:r>
+              <a:rPr lang="en-US" altLang="ko-KR" sz="2000" dirty="0">
+                <a:latin typeface="+mj-ea"/>
+              </a:rPr>
+              <a:t>Q-tot</a:t>
+            </a:r>
+            <a:r>
+              <a:rPr lang="ko-KR" altLang="en-US" sz="2000" dirty="0">
+                <a:latin typeface="+mj-ea"/>
+              </a:rPr>
+              <a:t>와 각 </a:t>
+            </a:r>
+            <a:r>
+              <a:rPr lang="en-US" altLang="ko-KR" sz="2000" dirty="0">
+                <a:latin typeface="+mj-ea"/>
+              </a:rPr>
+              <a:t>Agent</a:t>
+            </a:r>
+            <a:r>
+              <a:rPr lang="ko-KR" altLang="en-US" sz="2000" dirty="0">
+                <a:latin typeface="+mj-ea"/>
+              </a:rPr>
+              <a:t>의 </a:t>
+            </a:r>
+            <a:r>
+              <a:rPr lang="en-US" altLang="ko-KR" sz="2000" dirty="0">
+                <a:latin typeface="+mj-ea"/>
+              </a:rPr>
+              <a:t>Q</a:t>
+            </a:r>
+            <a:r>
+              <a:rPr lang="ko-KR" altLang="en-US" sz="2000" dirty="0">
+                <a:latin typeface="+mj-ea"/>
+              </a:rPr>
+              <a:t>함수를 비교하여 </a:t>
+            </a:r>
+            <a:r>
+              <a:rPr lang="en-US" altLang="ko-KR" sz="2000" dirty="0">
+                <a:latin typeface="+mj-ea"/>
+              </a:rPr>
+              <a:t>policy</a:t>
+            </a:r>
+            <a:r>
+              <a:rPr lang="ko-KR" altLang="en-US" sz="2000" dirty="0">
+                <a:latin typeface="+mj-ea"/>
+              </a:rPr>
+              <a:t>가 결정된다</a:t>
+            </a:r>
+            <a:r>
+              <a:rPr lang="en-US" altLang="ko-KR" sz="2000" dirty="0">
+                <a:latin typeface="+mj-ea"/>
+              </a:rPr>
+              <a:t>.</a:t>
+            </a:r>
+            <a:endParaRPr lang="en-US" altLang="ko-KR" sz="2000" dirty="0">
+              <a:latin typeface="+mj-ea"/>
+              <a:ea typeface="+mj-ea"/>
+            </a:endParaRPr>
+          </a:p>
+          <a:p>
+            <a:pPr lvl="1"/>
+            <a:endParaRPr lang="en-US" altLang="ko-KR" sz="2000" dirty="0">
+              <a:latin typeface="+mj-ea"/>
+              <a:ea typeface="+mj-ea"/>
+            </a:endParaRPr>
+          </a:p>
+          <a:p>
+            <a:r>
+              <a:rPr lang="ko-KR" altLang="en-US" sz="2400" b="1" dirty="0">
+                <a:latin typeface="+mj-ea"/>
+              </a:rPr>
+              <a:t>각 </a:t>
+            </a:r>
+            <a:r>
+              <a:rPr lang="en-US" altLang="ko-KR" sz="2400" b="1" dirty="0">
+                <a:latin typeface="+mj-ea"/>
+              </a:rPr>
+              <a:t>Agent</a:t>
+            </a:r>
+            <a:r>
+              <a:rPr lang="ko-KR" altLang="en-US" sz="2400" b="1" dirty="0">
+                <a:latin typeface="+mj-ea"/>
+              </a:rPr>
+              <a:t>의 </a:t>
+            </a:r>
+            <a:r>
+              <a:rPr lang="en-US" altLang="ko-KR" sz="2400" b="1" dirty="0">
+                <a:latin typeface="+mj-ea"/>
+              </a:rPr>
+              <a:t>Policy Gradient</a:t>
+            </a:r>
+            <a:r>
+              <a:rPr lang="ko-KR" altLang="en-US" sz="2400" b="1" dirty="0">
+                <a:latin typeface="+mj-ea"/>
+              </a:rPr>
+              <a:t>로 진행하는 </a:t>
+            </a:r>
+            <a:r>
+              <a:rPr lang="en-US" altLang="ko-KR" sz="2400" b="1" dirty="0">
+                <a:latin typeface="+mj-ea"/>
+              </a:rPr>
+              <a:t>MARL</a:t>
+            </a:r>
+          </a:p>
+          <a:p>
+            <a:pPr lvl="1"/>
+            <a:r>
+              <a:rPr lang="en-US" altLang="ko-KR" sz="2000" dirty="0">
+                <a:latin typeface="+mj-ea"/>
+              </a:rPr>
+              <a:t>IAC : </a:t>
+            </a:r>
+            <a:r>
+              <a:rPr lang="ko-KR" altLang="en-US" sz="2000" dirty="0">
+                <a:latin typeface="+mj-ea"/>
+              </a:rPr>
+              <a:t>각 </a:t>
+            </a:r>
+            <a:r>
+              <a:rPr lang="en-US" altLang="ko-KR" sz="2000" dirty="0">
+                <a:latin typeface="+mj-ea"/>
+              </a:rPr>
+              <a:t>Agent</a:t>
+            </a:r>
+            <a:r>
+              <a:rPr lang="ko-KR" altLang="en-US" sz="2000" dirty="0">
+                <a:latin typeface="+mj-ea"/>
+              </a:rPr>
+              <a:t>가 </a:t>
+            </a:r>
+            <a:r>
+              <a:rPr lang="en-US" altLang="ko-KR" sz="2000" dirty="0">
+                <a:latin typeface="+mj-ea"/>
+              </a:rPr>
+              <a:t>actor-critic </a:t>
+            </a:r>
+            <a:r>
+              <a:rPr lang="ko-KR" altLang="en-US" sz="2000" dirty="0">
+                <a:latin typeface="+mj-ea"/>
+              </a:rPr>
+              <a:t>방법으로 학습을 진행함</a:t>
+            </a:r>
+            <a:endParaRPr lang="en-US" altLang="ko-KR" sz="2000" b="1" dirty="0">
+              <a:latin typeface="+mj-ea"/>
+            </a:endParaRPr>
+          </a:p>
+          <a:p>
+            <a:pPr lvl="1"/>
+            <a:r>
+              <a:rPr lang="en-US" altLang="ko-KR" sz="2000" dirty="0">
+                <a:latin typeface="+mj-ea"/>
+              </a:rPr>
+              <a:t>COMA : </a:t>
+            </a:r>
+            <a:r>
+              <a:rPr lang="ko-KR" altLang="en-US" sz="2000" dirty="0">
+                <a:latin typeface="+mj-ea"/>
+              </a:rPr>
+              <a:t>각 </a:t>
+            </a:r>
+            <a:r>
+              <a:rPr lang="en-US" altLang="ko-KR" sz="2000" dirty="0">
+                <a:latin typeface="+mj-ea"/>
+              </a:rPr>
+              <a:t>Agent</a:t>
+            </a:r>
+            <a:r>
+              <a:rPr lang="ko-KR" altLang="en-US" sz="2000" dirty="0">
+                <a:latin typeface="+mj-ea"/>
+              </a:rPr>
+              <a:t>의 </a:t>
+            </a:r>
+            <a:r>
+              <a:rPr lang="en-US" altLang="ko-KR" sz="2000" dirty="0">
+                <a:latin typeface="+mj-ea"/>
+              </a:rPr>
+              <a:t>Policy</a:t>
+            </a:r>
+            <a:r>
+              <a:rPr lang="ko-KR" altLang="en-US" sz="2000" dirty="0">
+                <a:latin typeface="+mj-ea"/>
+              </a:rPr>
+              <a:t>에 </a:t>
+            </a:r>
+            <a:r>
+              <a:rPr lang="en-US" altLang="ko-KR" sz="2000" dirty="0">
+                <a:latin typeface="+mj-ea"/>
+              </a:rPr>
+              <a:t>Centralize Critic</a:t>
+            </a:r>
+            <a:r>
+              <a:rPr lang="ko-KR" altLang="en-US" sz="2000" dirty="0">
+                <a:latin typeface="+mj-ea"/>
+              </a:rPr>
+              <a:t>으로 얻어진 </a:t>
+            </a:r>
+            <a:r>
+              <a:rPr lang="en-US" altLang="ko-KR" sz="2000" dirty="0">
+                <a:latin typeface="+mj-ea"/>
+              </a:rPr>
+              <a:t>Advantage</a:t>
+            </a:r>
+            <a:r>
+              <a:rPr lang="ko-KR" altLang="en-US" sz="2000" dirty="0">
+                <a:latin typeface="+mj-ea"/>
+              </a:rPr>
+              <a:t>를 적용하여 </a:t>
+            </a:r>
+            <a:r>
+              <a:rPr lang="en-US" altLang="ko-KR" sz="2000" dirty="0">
+                <a:latin typeface="+mj-ea"/>
+              </a:rPr>
+              <a:t>Policy</a:t>
+            </a:r>
+            <a:r>
+              <a:rPr lang="ko-KR" altLang="en-US" sz="2000" dirty="0">
+                <a:latin typeface="+mj-ea"/>
+              </a:rPr>
+              <a:t>가 결정됨</a:t>
+            </a:r>
+            <a:endParaRPr lang="en-US" altLang="ko-KR" sz="2000" dirty="0">
+              <a:latin typeface="+mj-ea"/>
+            </a:endParaRPr>
+          </a:p>
+          <a:p>
+            <a:pPr lvl="1"/>
+            <a:r>
+              <a:rPr lang="en-US" altLang="ko-KR" sz="2000" dirty="0">
+                <a:latin typeface="+mj-ea"/>
+              </a:rPr>
+              <a:t>CENTRAL-V : COMA</a:t>
+            </a:r>
+            <a:r>
+              <a:rPr lang="ko-KR" altLang="en-US" sz="2000" dirty="0">
+                <a:latin typeface="+mj-ea"/>
+              </a:rPr>
+              <a:t>의 방법과 유사하나 </a:t>
+            </a:r>
+            <a:r>
+              <a:rPr lang="en-US" altLang="ko-KR" sz="2000" dirty="0">
+                <a:latin typeface="+mj-ea"/>
+              </a:rPr>
+              <a:t>Advantage</a:t>
+            </a:r>
+            <a:r>
+              <a:rPr lang="ko-KR" altLang="en-US" sz="2000" dirty="0">
+                <a:latin typeface="+mj-ea"/>
+              </a:rPr>
+              <a:t>가 다르게 적용된다</a:t>
+            </a:r>
+            <a:r>
+              <a:rPr lang="en-US" altLang="ko-KR" sz="2000" dirty="0">
+                <a:latin typeface="+mj-ea"/>
+              </a:rPr>
+              <a:t>.</a:t>
+            </a:r>
+          </a:p>
+          <a:p>
+            <a:pPr lvl="1"/>
+            <a:r>
+              <a:rPr lang="en-US" altLang="ko-KR" sz="2000" dirty="0">
+                <a:latin typeface="+mj-ea"/>
+              </a:rPr>
+              <a:t>LIIR : COMA </a:t>
+            </a:r>
+            <a:r>
+              <a:rPr lang="ko-KR" altLang="en-US" sz="2000" dirty="0">
+                <a:latin typeface="+mj-ea"/>
+              </a:rPr>
+              <a:t>방법과 비슷하며 </a:t>
+            </a:r>
+            <a:r>
+              <a:rPr lang="en-US" altLang="ko-KR" sz="2000" dirty="0">
+                <a:latin typeface="+mj-ea"/>
+              </a:rPr>
+              <a:t>Reward</a:t>
+            </a:r>
+            <a:r>
+              <a:rPr lang="ko-KR" altLang="en-US" sz="2000" dirty="0">
+                <a:latin typeface="+mj-ea"/>
+              </a:rPr>
+              <a:t>를 파라미터화 하고 최적화 및 </a:t>
+            </a:r>
+            <a:r>
+              <a:rPr lang="en-US" altLang="ko-KR" sz="2000" dirty="0">
+                <a:latin typeface="+mj-ea"/>
+              </a:rPr>
+              <a:t>TRPO, PPO </a:t>
+            </a:r>
+            <a:r>
+              <a:rPr lang="ko-KR" altLang="en-US" sz="2000" dirty="0">
+                <a:latin typeface="+mj-ea"/>
+              </a:rPr>
+              <a:t>방법과 비슷하게 </a:t>
+            </a:r>
+            <a:r>
+              <a:rPr lang="en-US" altLang="ko-KR" sz="2000" dirty="0">
+                <a:latin typeface="+mj-ea"/>
+              </a:rPr>
+              <a:t>Policy</a:t>
+            </a:r>
+            <a:r>
+              <a:rPr lang="ko-KR" altLang="en-US" sz="2000" dirty="0">
+                <a:latin typeface="+mj-ea"/>
+              </a:rPr>
+              <a:t>를 최적화 한다</a:t>
+            </a:r>
+            <a:r>
+              <a:rPr lang="en-US" altLang="ko-KR" sz="2000" dirty="0">
+                <a:latin typeface="+mj-ea"/>
+              </a:rPr>
+              <a:t>.</a:t>
+            </a:r>
+            <a:r>
+              <a:rPr lang="ko-KR" altLang="en-US" sz="2000" dirty="0">
+                <a:latin typeface="+mj-ea"/>
+              </a:rPr>
+              <a:t> </a:t>
+            </a:r>
+            <a:endParaRPr lang="en-US" altLang="ko-KR" sz="2000" dirty="0">
+              <a:latin typeface="+mj-ea"/>
+            </a:endParaRPr>
+          </a:p>
+          <a:p>
+            <a:endParaRPr lang="en-US" altLang="ko-KR" sz="2400" dirty="0">
+              <a:latin typeface="+mj-ea"/>
+            </a:endParaRPr>
+          </a:p>
+          <a:p>
+            <a:endParaRPr lang="en-US" altLang="ko-KR" sz="2400" dirty="0">
+              <a:latin typeface="+mj-ea"/>
+            </a:endParaRPr>
+          </a:p>
+          <a:p>
+            <a:endParaRPr lang="en-US" altLang="ko-KR" sz="2400" dirty="0">
+              <a:latin typeface="+mj-ea"/>
+              <a:ea typeface="+mj-ea"/>
+            </a:endParaRPr>
+          </a:p>
+          <a:p>
+            <a:pPr lvl="1"/>
+            <a:endParaRPr lang="en-US" altLang="ko-KR" sz="2000" dirty="0">
+              <a:latin typeface="+mj-ea"/>
+              <a:ea typeface="+mj-ea"/>
+            </a:endParaRPr>
+          </a:p>
+          <a:p>
+            <a:endParaRPr lang="en-US" altLang="ko-KR" dirty="0">
+              <a:latin typeface="+mj-ea"/>
+              <a:ea typeface="+mj-ea"/>
+            </a:endParaRPr>
+          </a:p>
+          <a:p>
+            <a:pPr lvl="1"/>
+            <a:endParaRPr lang="en-US" altLang="ko-KR" dirty="0">
+              <a:latin typeface="+mj-ea"/>
+              <a:ea typeface="+mj-ea"/>
+            </a:endParaRPr>
+          </a:p>
+          <a:p>
+            <a:pPr lvl="1"/>
+            <a:endParaRPr lang="en-US" altLang="ko-KR" dirty="0">
+              <a:latin typeface="+mj-ea"/>
+              <a:ea typeface="+mj-ea"/>
+            </a:endParaRPr>
+          </a:p>
+          <a:p>
+            <a:pPr lvl="1"/>
+            <a:endParaRPr lang="en-US" altLang="ko-KR" dirty="0">
+              <a:latin typeface="+mj-ea"/>
+              <a:ea typeface="+mj-ea"/>
+            </a:endParaRPr>
+          </a:p>
+          <a:p>
+            <a:pPr lvl="1"/>
+            <a:endParaRPr lang="en-US" altLang="ko-KR" dirty="0">
+              <a:latin typeface="+mj-ea"/>
+              <a:ea typeface="+mj-ea"/>
+            </a:endParaRPr>
+          </a:p>
+          <a:p>
+            <a:pPr marL="457200" lvl="1" indent="0">
+              <a:buNone/>
+            </a:pPr>
+            <a:endParaRPr lang="ko-KR" altLang="en-US" dirty="0">
+              <a:latin typeface="+mj-ea"/>
+              <a:ea typeface="+mj-ea"/>
+            </a:endParaRPr>
+          </a:p>
+          <a:p>
+            <a:pPr lvl="1"/>
+            <a:endParaRPr lang="en-US" altLang="ko-KR" dirty="0">
+              <a:latin typeface="+mj-ea"/>
+              <a:ea typeface="+mj-ea"/>
+            </a:endParaRPr>
+          </a:p>
+        </p:txBody>
+      </p:sp>
+    </p:spTree>
+    <p:extLst>
+      <p:ext uri="{BB962C8B-B14F-4D97-AF65-F5344CB8AC3E}">
+        <p14:creationId xmlns:p14="http://schemas.microsoft.com/office/powerpoint/2010/main" val="432761664"/>
+      </p:ext>
+    </p:extLst>
+  </p:cSld>
+  <p:clrMapOvr>
+    <a:masterClrMapping/>
+  </p:clrMapOvr>
+</p:sld>
+</file>
+
+<file path=ppt/slides/slide3.xml><?xml version="1.0" encoding="utf-8"?>
+<p:sld xmlns:a="http://schemas.openxmlformats.org/drawingml/2006/main" xmlns:r="http://schemas.openxmlformats.org/officeDocument/2006/relationships" xmlns:p="http://schemas.openxmlformats.org/presentationml/2006/main">
+  <p:cSld>
+    <p:spTree>
+      <p:nvGrpSpPr>
+        <p:cNvPr id="1" name=""/>
+        <p:cNvGrpSpPr/>
+        <p:nvPr/>
+      </p:nvGrpSpPr>
+      <p:grpSpPr>
+        <a:xfrm>
+          <a:off x="0" y="0"/>
+          <a:ext cx="0" cy="0"/>
+          <a:chOff x="0" y="0"/>
+          <a:chExt cx="0" cy="0"/>
+        </a:xfrm>
+      </p:grpSpPr>
+      <p:sp>
+        <p:nvSpPr>
+          <p:cNvPr id="2" name="제목 1">
+            <a:extLst>
+              <a:ext uri="{FF2B5EF4-FFF2-40B4-BE49-F238E27FC236}">
+                <a16:creationId xmlns:a16="http://schemas.microsoft.com/office/drawing/2014/main" id="{AC703D32-08EA-4A17-AD5F-F361330ABABD}"/>
+              </a:ext>
+            </a:extLst>
+          </p:cNvPr>
+          <p:cNvSpPr>
+            <a:spLocks noGrp="1"/>
+          </p:cNvSpPr>
+          <p:nvPr>
+            <p:ph type="title"/>
+          </p:nvPr>
+        </p:nvSpPr>
+        <p:spPr/>
+        <p:txBody>
+          <a:bodyPr/>
+          <a:lstStyle/>
+          <a:p>
+            <a:r>
+              <a:rPr lang="en-US" altLang="ko-KR" dirty="0"/>
+              <a:t>Q-</a:t>
+            </a:r>
+            <a:r>
+              <a:rPr lang="ko-KR" altLang="en-US" dirty="0"/>
+              <a:t>러닝 </a:t>
+            </a:r>
+            <a:r>
+              <a:rPr lang="en-US" altLang="ko-KR" dirty="0"/>
+              <a:t>MARL</a:t>
+            </a:r>
+            <a:endParaRPr lang="ko-KR" altLang="en-US" dirty="0"/>
+          </a:p>
+        </p:txBody>
+      </p:sp>
+      <p:sp>
+        <p:nvSpPr>
+          <p:cNvPr id="3" name="텍스트 개체 틀 2">
+            <a:extLst>
+              <a:ext uri="{FF2B5EF4-FFF2-40B4-BE49-F238E27FC236}">
+                <a16:creationId xmlns:a16="http://schemas.microsoft.com/office/drawing/2014/main" id="{D61BA234-B7AB-4EEE-9EF1-5794FA55B6EB}"/>
+              </a:ext>
+            </a:extLst>
+          </p:cNvPr>
+          <p:cNvSpPr>
+            <a:spLocks noGrp="1"/>
+          </p:cNvSpPr>
+          <p:nvPr>
+            <p:ph type="body" idx="1"/>
+          </p:nvPr>
+        </p:nvSpPr>
+        <p:spPr/>
+        <p:txBody>
+          <a:bodyPr/>
+          <a:lstStyle/>
+          <a:p>
+            <a:endParaRPr lang="ko-KR" altLang="en-US"/>
+          </a:p>
+        </p:txBody>
+      </p:sp>
+    </p:spTree>
+    <p:extLst>
+      <p:ext uri="{BB962C8B-B14F-4D97-AF65-F5344CB8AC3E}">
+        <p14:creationId xmlns:p14="http://schemas.microsoft.com/office/powerpoint/2010/main" val="3030008777"/>
+      </p:ext>
+    </p:extLst>
+  </p:cSld>
+  <p:clrMapOvr>
+    <a:masterClrMapping/>
+  </p:clrMapOvr>
+</p:sld>
+</file>
+
+<file path=ppt/slides/slide4.xml><?xml version="1.0" encoding="utf-8"?>
+<p:sld xmlns:a="http://schemas.openxmlformats.org/drawingml/2006/main" xmlns:r="http://schemas.openxmlformats.org/officeDocument/2006/relationships" xmlns:p="http://schemas.openxmlformats.org/presentationml/2006/main">
+  <p:cSld>
+    <p:spTree>
+      <p:nvGrpSpPr>
+        <p:cNvPr id="1" name=""/>
+        <p:cNvGrpSpPr/>
+        <p:nvPr/>
+      </p:nvGrpSpPr>
+      <p:grpSpPr>
+        <a:xfrm>
+          <a:off x="0" y="0"/>
+          <a:ext cx="0" cy="0"/>
+          <a:chOff x="0" y="0"/>
+          <a:chExt cx="0" cy="0"/>
+        </a:xfrm>
+      </p:grpSpPr>
+      <p:sp>
+        <p:nvSpPr>
+          <p:cNvPr id="2" name="제목 1">
+            <a:extLst>
+              <a:ext uri="{FF2B5EF4-FFF2-40B4-BE49-F238E27FC236}">
+                <a16:creationId xmlns:a16="http://schemas.microsoft.com/office/drawing/2014/main" id="{00667CB0-F848-4689-BDC0-A98F41122061}"/>
+              </a:ext>
+            </a:extLst>
+          </p:cNvPr>
+          <p:cNvSpPr>
+            <a:spLocks noGrp="1"/>
+          </p:cNvSpPr>
+          <p:nvPr>
+            <p:ph type="title"/>
+          </p:nvPr>
+        </p:nvSpPr>
+        <p:spPr/>
+        <p:txBody>
+          <a:bodyPr/>
+          <a:lstStyle/>
+          <a:p>
+            <a:r>
+              <a:rPr lang="en-US" altLang="ko-KR" b="1" dirty="0">
+                <a:latin typeface="Calibri (제목)"/>
+              </a:rPr>
+              <a:t>Q-</a:t>
+            </a:r>
+            <a:r>
+              <a:rPr lang="ko-KR" altLang="en-US" b="1" dirty="0">
+                <a:latin typeface="Calibri (제목)"/>
+              </a:rPr>
+              <a:t>러닝 </a:t>
+            </a:r>
+            <a:r>
+              <a:rPr lang="en-US" altLang="ko-KR" b="1" dirty="0">
+                <a:latin typeface="Calibri (제목)"/>
+              </a:rPr>
+              <a:t>MARL – IQL</a:t>
+            </a:r>
+            <a:endParaRPr lang="ko-KR" altLang="en-US" b="1" dirty="0">
+              <a:latin typeface="Calibri (제목)"/>
+            </a:endParaRPr>
+          </a:p>
+        </p:txBody>
+      </p:sp>
+      <p:sp>
+        <p:nvSpPr>
+          <p:cNvPr id="3" name="내용 개체 틀 2">
+            <a:extLst>
+              <a:ext uri="{FF2B5EF4-FFF2-40B4-BE49-F238E27FC236}">
+                <a16:creationId xmlns:a16="http://schemas.microsoft.com/office/drawing/2014/main" id="{DACC6152-E5C5-4956-B5D8-A368D0D9EDAF}"/>
+              </a:ext>
+            </a:extLst>
+          </p:cNvPr>
+          <p:cNvSpPr>
+            <a:spLocks noGrp="1"/>
+          </p:cNvSpPr>
+          <p:nvPr>
+            <p:ph idx="1"/>
+          </p:nvPr>
+        </p:nvSpPr>
+        <p:spPr/>
+        <p:txBody>
+          <a:bodyPr/>
+          <a:lstStyle/>
+          <a:p>
+            <a:r>
+              <a:rPr lang="ko-KR" altLang="en-US" sz="2400" b="1" dirty="0"/>
+              <a:t>적용된 학습 방법</a:t>
+            </a:r>
+            <a:endParaRPr lang="en-US" altLang="ko-KR" sz="2400" b="1" dirty="0"/>
+          </a:p>
+          <a:p>
+            <a:pPr lvl="1"/>
+            <a:r>
+              <a:rPr lang="ko-KR" altLang="en-US" sz="2000" dirty="0"/>
+              <a:t>각 </a:t>
+            </a:r>
+            <a:r>
+              <a:rPr lang="en-US" altLang="ko-KR" sz="2000" dirty="0"/>
+              <a:t>agent</a:t>
+            </a:r>
+            <a:r>
+              <a:rPr lang="ko-KR" altLang="en-US" sz="2000" dirty="0"/>
+              <a:t>의 </a:t>
+            </a:r>
+            <a:r>
+              <a:rPr lang="en-US" altLang="ko-KR" sz="2000" dirty="0"/>
+              <a:t>Q</a:t>
+            </a:r>
+            <a:r>
+              <a:rPr lang="ko-KR" altLang="en-US" sz="2000" dirty="0"/>
+              <a:t>학습으로 </a:t>
+            </a:r>
+            <a:r>
+              <a:rPr lang="en-US" altLang="ko-KR" sz="2000" dirty="0"/>
+              <a:t>Policy</a:t>
+            </a:r>
+            <a:r>
+              <a:rPr lang="ko-KR" altLang="en-US" sz="2000" dirty="0"/>
+              <a:t>가 각자 결정됨</a:t>
+            </a:r>
+            <a:endParaRPr lang="en-US" altLang="ko-KR" sz="2000" dirty="0"/>
+          </a:p>
+          <a:p>
+            <a:pPr lvl="1"/>
+            <a:r>
+              <a:rPr lang="ko-KR" altLang="en-US" sz="2000" dirty="0"/>
+              <a:t>각 </a:t>
+            </a:r>
+            <a:r>
+              <a:rPr lang="en-US" altLang="ko-KR" sz="2000" dirty="0"/>
+              <a:t>agent</a:t>
+            </a:r>
+            <a:r>
+              <a:rPr lang="ko-KR" altLang="en-US" sz="2000" dirty="0"/>
+              <a:t>의 </a:t>
+            </a:r>
+            <a:r>
+              <a:rPr lang="en-US" altLang="ko-KR" sz="2000" dirty="0"/>
+              <a:t>Joint-action</a:t>
+            </a:r>
+            <a:r>
+              <a:rPr lang="ko-KR" altLang="en-US" sz="2000" dirty="0"/>
+              <a:t>에 대한 </a:t>
+            </a:r>
+            <a:r>
+              <a:rPr lang="en-US" altLang="ko-KR" sz="2000" dirty="0"/>
+              <a:t>Policy</a:t>
+            </a:r>
+            <a:r>
+              <a:rPr lang="ko-KR" altLang="en-US" sz="2000" dirty="0"/>
+              <a:t>를 평가하는 기능이 없음</a:t>
+            </a:r>
+            <a:r>
+              <a:rPr lang="en-US" altLang="ko-KR" sz="2000" dirty="0"/>
+              <a:t>.</a:t>
+            </a:r>
+            <a:endParaRPr lang="en-US" altLang="ko-KR" sz="2400" dirty="0"/>
+          </a:p>
+        </p:txBody>
+      </p:sp>
+    </p:spTree>
+    <p:extLst>
+      <p:ext uri="{BB962C8B-B14F-4D97-AF65-F5344CB8AC3E}">
+        <p14:creationId xmlns:p14="http://schemas.microsoft.com/office/powerpoint/2010/main" val="1139324679"/>
+      </p:ext>
+    </p:extLst>
+  </p:cSld>
+  <p:clrMapOvr>
+    <a:masterClrMapping/>
+  </p:clrMapOvr>
+</p:sld>
+</file>
+
+<file path=ppt/slides/slide5.xml><?xml version="1.0" encoding="utf-8"?>
+<p:sld xmlns:a="http://schemas.openxmlformats.org/drawingml/2006/main" xmlns:r="http://schemas.openxmlformats.org/officeDocument/2006/relationships" xmlns:p="http://schemas.openxmlformats.org/presentationml/2006/main">
+  <p:cSld>
+    <p:spTree>
+      <p:nvGrpSpPr>
+        <p:cNvPr id="1" name=""/>
+        <p:cNvGrpSpPr/>
+        <p:nvPr/>
+      </p:nvGrpSpPr>
+      <p:grpSpPr>
+        <a:xfrm>
+          <a:off x="0" y="0"/>
+          <a:ext cx="0" cy="0"/>
+          <a:chOff x="0" y="0"/>
+          <a:chExt cx="0" cy="0"/>
+        </a:xfrm>
+      </p:grpSpPr>
+      <p:sp>
+        <p:nvSpPr>
+          <p:cNvPr id="2" name="제목 1">
+            <a:extLst>
+              <a:ext uri="{FF2B5EF4-FFF2-40B4-BE49-F238E27FC236}">
+                <a16:creationId xmlns:a16="http://schemas.microsoft.com/office/drawing/2014/main" id="{00667CB0-F848-4689-BDC0-A98F41122061}"/>
+              </a:ext>
+            </a:extLst>
+          </p:cNvPr>
+          <p:cNvSpPr>
+            <a:spLocks noGrp="1"/>
+          </p:cNvSpPr>
+          <p:nvPr>
+            <p:ph type="title"/>
+          </p:nvPr>
+        </p:nvSpPr>
+        <p:spPr/>
+        <p:txBody>
+          <a:bodyPr/>
+          <a:lstStyle/>
+          <a:p>
+            <a:r>
+              <a:rPr lang="en-US" altLang="ko-KR" b="1" dirty="0">
+                <a:latin typeface="Calibri (제목)"/>
+              </a:rPr>
+              <a:t>Q-</a:t>
+            </a:r>
+            <a:r>
+              <a:rPr lang="ko-KR" altLang="en-US" b="1" dirty="0">
+                <a:latin typeface="Calibri (제목)"/>
+              </a:rPr>
+              <a:t>러닝 </a:t>
+            </a:r>
+            <a:r>
+              <a:rPr lang="en-US" altLang="ko-KR" b="1" dirty="0">
+                <a:latin typeface="Calibri (제목)"/>
+              </a:rPr>
+              <a:t>MARL – QMIX</a:t>
+            </a:r>
+            <a:endParaRPr lang="ko-KR" altLang="en-US" b="1" dirty="0">
+              <a:latin typeface="Calibri (제목)"/>
+            </a:endParaRPr>
+          </a:p>
+        </p:txBody>
+      </p:sp>
+      <p:sp>
+        <p:nvSpPr>
+          <p:cNvPr id="3" name="내용 개체 틀 2">
+            <a:extLst>
+              <a:ext uri="{FF2B5EF4-FFF2-40B4-BE49-F238E27FC236}">
+                <a16:creationId xmlns:a16="http://schemas.microsoft.com/office/drawing/2014/main" id="{DACC6152-E5C5-4956-B5D8-A368D0D9EDAF}"/>
+              </a:ext>
+            </a:extLst>
+          </p:cNvPr>
+          <p:cNvSpPr>
+            <a:spLocks noGrp="1"/>
+          </p:cNvSpPr>
+          <p:nvPr>
+            <p:ph idx="1"/>
+          </p:nvPr>
+        </p:nvSpPr>
+        <p:spPr/>
+        <p:txBody>
+          <a:bodyPr/>
+          <a:lstStyle/>
+          <a:p>
+            <a:r>
+              <a:rPr lang="ko-KR" altLang="en-US" sz="2400" b="1" dirty="0"/>
+              <a:t>적용된 학습 방법</a:t>
+            </a:r>
+            <a:endParaRPr lang="en-US" altLang="ko-KR" sz="2400" b="1" dirty="0"/>
+          </a:p>
+          <a:p>
+            <a:pPr lvl="1"/>
+            <a:r>
+              <a:rPr lang="ko-KR" altLang="en-US" sz="2000" dirty="0"/>
+              <a:t>각 </a:t>
+            </a:r>
+            <a:r>
+              <a:rPr lang="en-US" altLang="ko-KR" sz="2000" dirty="0"/>
+              <a:t>agent</a:t>
+            </a:r>
+            <a:r>
+              <a:rPr lang="ko-KR" altLang="en-US" sz="2000" dirty="0"/>
+              <a:t>의 </a:t>
+            </a:r>
+            <a:r>
+              <a:rPr lang="en-US" altLang="ko-KR" sz="2000" dirty="0"/>
+              <a:t>Q</a:t>
+            </a:r>
+            <a:r>
+              <a:rPr lang="ko-KR" altLang="en-US" sz="2000" dirty="0"/>
+              <a:t>학습으로 </a:t>
+            </a:r>
+            <a:r>
+              <a:rPr lang="en-US" altLang="ko-KR" sz="2000" dirty="0"/>
+              <a:t>Policy</a:t>
+            </a:r>
+            <a:r>
+              <a:rPr lang="ko-KR" altLang="en-US" sz="2000" dirty="0"/>
+              <a:t>가 결정됨</a:t>
+            </a:r>
+            <a:endParaRPr lang="en-US" altLang="ko-KR" sz="2000" dirty="0"/>
+          </a:p>
+          <a:p>
+            <a:pPr lvl="1"/>
+            <a:r>
+              <a:rPr lang="en-US" altLang="ko-KR" sz="2000" dirty="0"/>
+              <a:t>Joint-action</a:t>
+            </a:r>
+            <a:r>
+              <a:rPr lang="ko-KR" altLang="en-US" sz="2000" dirty="0"/>
+              <a:t>에 대한</a:t>
+            </a:r>
+            <a:r>
+              <a:rPr lang="en-US" altLang="ko-KR" sz="2000" dirty="0"/>
+              <a:t> Policy</a:t>
+            </a:r>
+            <a:r>
+              <a:rPr lang="ko-KR" altLang="en-US" sz="2000" dirty="0"/>
+              <a:t> 평가는 </a:t>
+            </a:r>
+            <a:r>
+              <a:rPr lang="en-US" altLang="ko-KR" sz="2000" dirty="0"/>
+              <a:t>Non-Linear network</a:t>
+            </a:r>
+            <a:r>
+              <a:rPr lang="ko-KR" altLang="en-US" sz="2000" dirty="0"/>
+              <a:t>로 합쳐진       </a:t>
+            </a:r>
+            <a:r>
+              <a:rPr lang="en-US" altLang="ko-KR" sz="2000" dirty="0"/>
+              <a:t>Q-tot</a:t>
+            </a:r>
+            <a:r>
+              <a:rPr lang="ko-KR" altLang="en-US" sz="2000" dirty="0"/>
+              <a:t>에 의해 평가됨</a:t>
+            </a:r>
+            <a:r>
+              <a:rPr lang="en-US" altLang="ko-KR" sz="2000" dirty="0"/>
+              <a:t>. </a:t>
+            </a:r>
+          </a:p>
+          <a:p>
+            <a:pPr lvl="1"/>
+            <a:endParaRPr lang="en-US" altLang="ko-KR" sz="2400" dirty="0"/>
+          </a:p>
+          <a:p>
+            <a:r>
+              <a:rPr lang="ko-KR" altLang="en-US" sz="2400" b="1" dirty="0"/>
+              <a:t>각 </a:t>
+            </a:r>
+            <a:r>
+              <a:rPr lang="en-US" altLang="ko-KR" sz="2400" b="1" dirty="0"/>
+              <a:t>agent</a:t>
+            </a:r>
+            <a:r>
+              <a:rPr lang="ko-KR" altLang="en-US" sz="2400" b="1" dirty="0"/>
+              <a:t>의 </a:t>
+            </a:r>
+            <a:r>
+              <a:rPr lang="en-US" altLang="ko-KR" sz="2400" b="1" dirty="0"/>
+              <a:t>policy </a:t>
+            </a:r>
+            <a:r>
+              <a:rPr lang="ko-KR" altLang="en-US" sz="2400" b="1" dirty="0"/>
+              <a:t>수행방법</a:t>
+            </a:r>
+            <a:endParaRPr lang="en-US" altLang="ko-KR" sz="2400" b="1" dirty="0"/>
+          </a:p>
+          <a:p>
+            <a:pPr lvl="1"/>
+            <a:r>
+              <a:rPr lang="en-US" altLang="ko-KR" sz="2000" dirty="0"/>
+              <a:t>E-greedy </a:t>
+            </a:r>
+            <a:r>
+              <a:rPr lang="ko-KR" altLang="en-US" sz="2000" dirty="0"/>
+              <a:t>방법으로 </a:t>
+            </a:r>
+            <a:r>
+              <a:rPr lang="en-US" altLang="ko-KR" sz="2000" dirty="0"/>
+              <a:t>action</a:t>
+            </a:r>
+            <a:r>
+              <a:rPr lang="ko-KR" altLang="en-US" sz="2000" dirty="0"/>
+              <a:t>을 수행한다</a:t>
+            </a:r>
+            <a:r>
+              <a:rPr lang="en-US" altLang="ko-KR" sz="2000" dirty="0"/>
+              <a:t>.</a:t>
+            </a:r>
+          </a:p>
+          <a:p>
+            <a:pPr lvl="1"/>
+            <a:r>
+              <a:rPr lang="ko-KR" altLang="en-US" sz="2000" dirty="0"/>
+              <a:t>모든 </a:t>
+            </a:r>
+            <a:r>
+              <a:rPr lang="en-US" altLang="ko-KR" sz="2000" dirty="0"/>
+              <a:t>agent</a:t>
+            </a:r>
+            <a:r>
+              <a:rPr lang="ko-KR" altLang="en-US" sz="2000" dirty="0"/>
+              <a:t>의 </a:t>
+            </a:r>
+            <a:r>
+              <a:rPr lang="en-US" altLang="ko-KR" sz="2000" dirty="0"/>
+              <a:t>Q</a:t>
+            </a:r>
+            <a:r>
+              <a:rPr lang="ko-KR" altLang="en-US" sz="2000" dirty="0"/>
+              <a:t>함수의 합</a:t>
+            </a:r>
+            <a:r>
+              <a:rPr lang="en-US" altLang="ko-KR" sz="2000" dirty="0"/>
+              <a:t>(Q-tot)</a:t>
+            </a:r>
+            <a:r>
+              <a:rPr lang="ko-KR" altLang="en-US" sz="2000" dirty="0"/>
+              <a:t>으로 평가하여 다음 </a:t>
+            </a:r>
+            <a:r>
+              <a:rPr lang="en-US" altLang="ko-KR" sz="2000" dirty="0"/>
+              <a:t>action</a:t>
+            </a:r>
+            <a:r>
+              <a:rPr lang="ko-KR" altLang="en-US" sz="2000" dirty="0"/>
+              <a:t>에 반영된다</a:t>
+            </a:r>
+            <a:r>
+              <a:rPr lang="en-US" altLang="ko-KR" sz="2000" dirty="0"/>
+              <a:t>.</a:t>
+            </a:r>
+            <a:endParaRPr lang="ko-KR" altLang="en-US" sz="2000" dirty="0"/>
+          </a:p>
+        </p:txBody>
+      </p:sp>
+    </p:spTree>
+    <p:extLst>
+      <p:ext uri="{BB962C8B-B14F-4D97-AF65-F5344CB8AC3E}">
+        <p14:creationId xmlns:p14="http://schemas.microsoft.com/office/powerpoint/2010/main" val="3059731766"/>
+      </p:ext>
+    </p:extLst>
+  </p:cSld>
+  <p:clrMapOvr>
+    <a:masterClrMapping/>
+  </p:clrMapOvr>
+</p:sld>
+</file>
+
+<file path=ppt/slides/slide6.xml><?xml version="1.0" encoding="utf-8"?>
+<p:sld xmlns:a="http://schemas.openxmlformats.org/drawingml/2006/main" xmlns:r="http://schemas.openxmlformats.org/officeDocument/2006/relationships" xmlns:p="http://schemas.openxmlformats.org/presentationml/2006/main">
+  <p:cSld>
+    <p:spTree>
+      <p:nvGrpSpPr>
+        <p:cNvPr id="1" name=""/>
+        <p:cNvGrpSpPr/>
+        <p:nvPr/>
+      </p:nvGrpSpPr>
+      <p:grpSpPr>
+        <a:xfrm>
+          <a:off x="0" y="0"/>
+          <a:ext cx="0" cy="0"/>
+          <a:chOff x="0" y="0"/>
+          <a:chExt cx="0" cy="0"/>
+        </a:xfrm>
+      </p:grpSpPr>
+      <p:sp>
+        <p:nvSpPr>
+          <p:cNvPr id="2" name="제목 1">
+            <a:extLst>
+              <a:ext uri="{FF2B5EF4-FFF2-40B4-BE49-F238E27FC236}">
+                <a16:creationId xmlns:a16="http://schemas.microsoft.com/office/drawing/2014/main" id="{00667CB0-F848-4689-BDC0-A98F41122061}"/>
+              </a:ext>
+            </a:extLst>
+          </p:cNvPr>
+          <p:cNvSpPr>
+            <a:spLocks noGrp="1"/>
+          </p:cNvSpPr>
+          <p:nvPr>
+            <p:ph type="title"/>
+          </p:nvPr>
+        </p:nvSpPr>
+        <p:spPr/>
+        <p:txBody>
+          <a:bodyPr/>
+          <a:lstStyle/>
+          <a:p>
+            <a:r>
+              <a:rPr lang="en-US" altLang="ko-KR" b="1" dirty="0">
+                <a:latin typeface="Calibri (제목)"/>
+              </a:rPr>
+              <a:t>Q-</a:t>
+            </a:r>
+            <a:r>
+              <a:rPr lang="ko-KR" altLang="en-US" b="1" dirty="0">
+                <a:latin typeface="Calibri (제목)"/>
+              </a:rPr>
+              <a:t>러닝 </a:t>
+            </a:r>
+            <a:r>
+              <a:rPr lang="en-US" altLang="ko-KR" b="1" dirty="0">
+                <a:latin typeface="Calibri (제목)"/>
+              </a:rPr>
+              <a:t>MARL</a:t>
+            </a:r>
+            <a:r>
+              <a:rPr lang="en-US" altLang="ko-KR" b="1" dirty="0"/>
+              <a:t> – QMIX</a:t>
+            </a:r>
+            <a:endParaRPr lang="ko-KR" altLang="en-US" dirty="0"/>
+          </a:p>
+        </p:txBody>
+      </p:sp>
+      <p:pic>
+        <p:nvPicPr>
+          <p:cNvPr id="6" name="그림 5">
+            <a:extLst>
+              <a:ext uri="{FF2B5EF4-FFF2-40B4-BE49-F238E27FC236}">
+                <a16:creationId xmlns:a16="http://schemas.microsoft.com/office/drawing/2014/main" id="{711059D7-50D5-4AE3-961B-E44DDB05EC8A}"/>
+              </a:ext>
+            </a:extLst>
+          </p:cNvPr>
+          <p:cNvPicPr>
+            <a:picLocks noChangeAspect="1"/>
+          </p:cNvPicPr>
+          <p:nvPr/>
+        </p:nvPicPr>
+        <p:blipFill>
+          <a:blip r:embed="rId3"/>
+          <a:stretch>
+            <a:fillRect/>
+          </a:stretch>
+        </p:blipFill>
+        <p:spPr>
+          <a:xfrm>
+            <a:off x="457200" y="2276872"/>
+            <a:ext cx="8229600" cy="3284715"/>
+          </a:xfrm>
+          <a:prstGeom prst="rect">
+            <a:avLst/>
+          </a:prstGeom>
+        </p:spPr>
+      </p:pic>
+    </p:spTree>
+    <p:extLst>
+      <p:ext uri="{BB962C8B-B14F-4D97-AF65-F5344CB8AC3E}">
+        <p14:creationId xmlns:p14="http://schemas.microsoft.com/office/powerpoint/2010/main" val="2214810228"/>
+      </p:ext>
+    </p:extLst>
+  </p:cSld>
+  <p:clrMapOvr>
+    <a:masterClrMapping/>
+  </p:clrMapOvr>
+</p:sld>
+</file>
+
+<file path=ppt/slides/slide7.xml><?xml version="1.0" encoding="utf-8"?>
+<p:sld xmlns:a="http://schemas.openxmlformats.org/drawingml/2006/main" xmlns:r="http://schemas.openxmlformats.org/officeDocument/2006/relationships" xmlns:p="http://schemas.openxmlformats.org/presentationml/2006/main">
+  <p:cSld>
+    <p:spTree>
+      <p:nvGrpSpPr>
+        <p:cNvPr id="1" name=""/>
+        <p:cNvGrpSpPr/>
+        <p:nvPr/>
+      </p:nvGrpSpPr>
+      <p:grpSpPr>
+        <a:xfrm>
+          <a:off x="0" y="0"/>
+          <a:ext cx="0" cy="0"/>
+          <a:chOff x="0" y="0"/>
+          <a:chExt cx="0" cy="0"/>
+        </a:xfrm>
+      </p:grpSpPr>
+      <p:sp>
+        <p:nvSpPr>
+          <p:cNvPr id="2" name="제목 1">
+            <a:extLst>
+              <a:ext uri="{FF2B5EF4-FFF2-40B4-BE49-F238E27FC236}">
+                <a16:creationId xmlns:a16="http://schemas.microsoft.com/office/drawing/2014/main" id="{75203C3C-295A-4506-BB5E-7611569F29CC}"/>
+              </a:ext>
+            </a:extLst>
+          </p:cNvPr>
+          <p:cNvSpPr>
+            <a:spLocks noGrp="1"/>
+          </p:cNvSpPr>
+          <p:nvPr>
+            <p:ph type="title"/>
+          </p:nvPr>
+        </p:nvSpPr>
+        <p:spPr/>
+        <p:txBody>
+          <a:bodyPr/>
+          <a:lstStyle/>
+          <a:p>
+            <a:r>
+              <a:rPr lang="en-US" altLang="ko-KR" b="1" dirty="0">
+                <a:latin typeface="Calibri (제목)"/>
+              </a:rPr>
+              <a:t>Q-</a:t>
+            </a:r>
+            <a:r>
+              <a:rPr lang="ko-KR" altLang="en-US" b="1" dirty="0">
+                <a:latin typeface="Calibri (제목)"/>
+              </a:rPr>
+              <a:t>러닝 </a:t>
+            </a:r>
+            <a:r>
+              <a:rPr lang="en-US" altLang="ko-KR" b="1" dirty="0">
+                <a:latin typeface="Calibri (제목)"/>
+              </a:rPr>
+              <a:t>MARL</a:t>
+            </a:r>
+            <a:r>
+              <a:rPr lang="en-US" altLang="ko-KR" b="1" dirty="0"/>
+              <a:t> – QMIX</a:t>
+            </a:r>
+            <a:endParaRPr lang="ko-KR" altLang="en-US" dirty="0"/>
+          </a:p>
+        </p:txBody>
+      </p:sp>
+      <p:sp>
+        <p:nvSpPr>
+          <p:cNvPr id="3" name="내용 개체 틀 2">
+            <a:extLst>
+              <a:ext uri="{FF2B5EF4-FFF2-40B4-BE49-F238E27FC236}">
+                <a16:creationId xmlns:a16="http://schemas.microsoft.com/office/drawing/2014/main" id="{8D0932BB-0057-44EC-918F-4DCE23CDEFC6}"/>
+              </a:ext>
+            </a:extLst>
+          </p:cNvPr>
+          <p:cNvSpPr>
+            <a:spLocks noGrp="1"/>
+          </p:cNvSpPr>
+          <p:nvPr>
+            <p:ph idx="1"/>
+          </p:nvPr>
+        </p:nvSpPr>
+        <p:spPr/>
+        <p:txBody>
+          <a:bodyPr/>
+          <a:lstStyle/>
+          <a:p>
+            <a:r>
+              <a:rPr lang="ko-KR" altLang="en-US" b="1" dirty="0"/>
+              <a:t>결론</a:t>
+            </a:r>
+            <a:endParaRPr lang="en-US" altLang="ko-KR" b="1" dirty="0"/>
+          </a:p>
+          <a:p>
+            <a:pPr lvl="1"/>
+            <a:r>
+              <a:rPr lang="ko-KR" altLang="en-US" dirty="0"/>
+              <a:t>각 </a:t>
+            </a:r>
+            <a:r>
+              <a:rPr lang="en-US" altLang="ko-KR" dirty="0"/>
+              <a:t>agent</a:t>
+            </a:r>
+            <a:r>
+              <a:rPr lang="ko-KR" altLang="en-US" dirty="0"/>
+              <a:t>의 </a:t>
+            </a:r>
+            <a:r>
+              <a:rPr lang="en-US" altLang="ko-KR" dirty="0"/>
+              <a:t>Q</a:t>
+            </a:r>
+            <a:r>
+              <a:rPr lang="ko-KR" altLang="en-US" dirty="0"/>
+              <a:t>함수</a:t>
+            </a:r>
+            <a:r>
+              <a:rPr lang="en-US" altLang="ko-KR" dirty="0"/>
+              <a:t>, e-greedy </a:t>
+            </a:r>
+            <a:r>
+              <a:rPr lang="ko-KR" altLang="en-US" dirty="0"/>
+              <a:t>기법으로 </a:t>
+            </a:r>
+            <a:r>
+              <a:rPr lang="en-US" altLang="ko-KR" dirty="0"/>
+              <a:t>Q-tot</a:t>
+            </a:r>
+            <a:r>
+              <a:rPr lang="ko-KR" altLang="en-US" dirty="0"/>
+              <a:t>가 생성된다</a:t>
+            </a:r>
+            <a:r>
+              <a:rPr lang="en-US" altLang="ko-KR" dirty="0"/>
+              <a:t>.</a:t>
+            </a:r>
+          </a:p>
+          <a:p>
+            <a:pPr lvl="1"/>
+            <a:r>
+              <a:rPr lang="en-US" altLang="ko-KR" dirty="0"/>
+              <a:t>Q-tot</a:t>
+            </a:r>
+            <a:r>
+              <a:rPr lang="ko-KR" altLang="en-US" dirty="0"/>
+              <a:t> 와 각 </a:t>
+            </a:r>
+            <a:r>
+              <a:rPr lang="en-US" altLang="ko-KR" dirty="0"/>
+              <a:t>agent</a:t>
+            </a:r>
+            <a:r>
+              <a:rPr lang="ko-KR" altLang="en-US" dirty="0"/>
+              <a:t>의 </a:t>
+            </a:r>
+            <a:r>
+              <a:rPr lang="en-US" altLang="ko-KR" dirty="0"/>
+              <a:t>Q</a:t>
+            </a:r>
+            <a:r>
+              <a:rPr lang="ko-KR" altLang="en-US" dirty="0"/>
+              <a:t>함수 값으로 </a:t>
+            </a:r>
+            <a:r>
+              <a:rPr lang="en-US" altLang="ko-KR" dirty="0"/>
+              <a:t>Policy</a:t>
+            </a:r>
+            <a:r>
+              <a:rPr lang="ko-KR" altLang="en-US" dirty="0"/>
+              <a:t>가 평가된다</a:t>
+            </a:r>
+            <a:r>
+              <a:rPr lang="en-US" altLang="ko-KR" dirty="0"/>
+              <a:t>.</a:t>
+            </a:r>
+          </a:p>
+          <a:p>
+            <a:pPr lvl="1"/>
+            <a:r>
+              <a:rPr lang="ko-KR" altLang="en-US" dirty="0"/>
+              <a:t>평가된 각 </a:t>
+            </a:r>
+            <a:r>
+              <a:rPr lang="en-US" altLang="ko-KR" dirty="0"/>
+              <a:t>agent</a:t>
+            </a:r>
+            <a:r>
+              <a:rPr lang="ko-KR" altLang="en-US" dirty="0"/>
+              <a:t>의 </a:t>
+            </a:r>
+            <a:r>
+              <a:rPr lang="en-US" altLang="ko-KR" dirty="0"/>
+              <a:t>Q</a:t>
+            </a:r>
+            <a:r>
+              <a:rPr lang="ko-KR" altLang="en-US" dirty="0"/>
+              <a:t>함수에 의해 </a:t>
+            </a:r>
+            <a:r>
+              <a:rPr lang="en-US" altLang="ko-KR" dirty="0"/>
+              <a:t>Policy</a:t>
+            </a:r>
+            <a:r>
+              <a:rPr lang="ko-KR" altLang="en-US" dirty="0"/>
+              <a:t>가 결정된다</a:t>
+            </a:r>
+            <a:r>
+              <a:rPr lang="en-US" altLang="ko-KR" dirty="0"/>
+              <a:t>.</a:t>
+            </a:r>
+          </a:p>
+          <a:p>
+            <a:pPr lvl="1"/>
+            <a:endParaRPr lang="en-US" altLang="ko-KR" dirty="0"/>
+          </a:p>
+          <a:p>
+            <a:pPr lvl="1"/>
+            <a:endParaRPr lang="en-US" altLang="ko-KR" b="1" dirty="0"/>
+          </a:p>
+          <a:p>
+            <a:endParaRPr lang="ko-KR" altLang="en-US" dirty="0"/>
+          </a:p>
+        </p:txBody>
+      </p:sp>
+    </p:spTree>
+    <p:extLst>
+      <p:ext uri="{BB962C8B-B14F-4D97-AF65-F5344CB8AC3E}">
+        <p14:creationId xmlns:p14="http://schemas.microsoft.com/office/powerpoint/2010/main" val="3748231541"/>
+      </p:ext>
+    </p:extLst>
+  </p:cSld>
+  <p:clrMapOvr>
+    <a:masterClrMapping/>
+  </p:clrMapOvr>
+</p:sld>
+</file>
+
 <file path=ppt/slides/slide8.xml><?xml version="1.0" encoding="utf-8"?>
 <p:sld xmlns:a="http://schemas.openxmlformats.org/drawingml/2006/main" xmlns:r="http://schemas.openxmlformats.org/officeDocument/2006/relationships" xmlns:p="http://schemas.openxmlformats.org/presentationml/2006/main">
   <p:cSld>
@@ -8641,10 +8961,14 @@
           <a:lstStyle/>
           <a:p>
             <a:r>
-              <a:rPr lang="en-US" altLang="ko-KR" dirty="0"/>
-              <a:t>LIIR</a:t>
-            </a:r>
-            <a:endParaRPr lang="ko-KR" altLang="en-US" dirty="0"/>
+              <a:rPr lang="en-US" altLang="ko-KR" dirty="0">
+                <a:latin typeface="Calibri (제목)"/>
+              </a:rPr>
+              <a:t>Policy Gradient MARL</a:t>
+            </a:r>
+            <a:endParaRPr lang="ko-KR" altLang="en-US" dirty="0">
+              <a:latin typeface="Calibri (제목)"/>
+            </a:endParaRPr>
           </a:p>
         </p:txBody>
       </p:sp>
@@ -8669,14 +8993,14 @@
           <a:bodyPr/>
           <a:lstStyle/>
           <a:p>
-            <a:endParaRPr lang="ko-KR" altLang="en-US"/>
+            <a:endParaRPr lang="ko-KR" altLang="en-US" dirty="0"/>
           </a:p>
         </p:txBody>
       </p:sp>
     </p:spTree>
     <p:extLst>
       <p:ext uri="{BB962C8B-B14F-4D97-AF65-F5344CB8AC3E}">
-        <p14:creationId xmlns:p14="http://schemas.microsoft.com/office/powerpoint/2010/main" val="1955927228"/>
+        <p14:creationId xmlns:p14="http://schemas.microsoft.com/office/powerpoint/2010/main" val="3301528566"/>
       </p:ext>
     </p:extLst>
   </p:cSld>
@@ -8725,10 +9049,14 @@
           <a:lstStyle/>
           <a:p>
             <a:r>
-              <a:rPr lang="en-US" altLang="ko-KR" sz="3600" b="1" dirty="0"/>
-              <a:t>MARL – LIIR</a:t>
-            </a:r>
-            <a:endParaRPr lang="ko-KR" altLang="en-US" sz="3600" b="1" spc="-150" dirty="0"/>
+              <a:rPr lang="en-US" altLang="ko-KR" sz="3600" b="1" dirty="0">
+                <a:latin typeface="Calibri (제목)"/>
+              </a:rPr>
+              <a:t>Policy Gradient MARL – IAC</a:t>
+            </a:r>
+            <a:endParaRPr lang="ko-KR" altLang="en-US" sz="3600" b="1" dirty="0">
+              <a:latin typeface="Calibri (제목)"/>
+            </a:endParaRPr>
           </a:p>
         </p:txBody>
       </p:sp>
@@ -8754,56 +9082,134 @@
           <a:lstStyle/>
           <a:p>
             <a:r>
-              <a:rPr lang="ko-KR" altLang="en-US" sz="2400" dirty="0"/>
-              <a:t>등장 배경</a:t>
-            </a:r>
-            <a:endParaRPr lang="en-US" altLang="ko-KR" sz="2400" dirty="0"/>
+              <a:rPr lang="ko-KR" altLang="en-US" sz="2400" b="1" dirty="0"/>
+              <a:t>적용된 학습 방법</a:t>
+            </a:r>
+            <a:endParaRPr lang="en-US" altLang="ko-KR" sz="2400" b="1" dirty="0"/>
           </a:p>
           <a:p>
             <a:pPr lvl="1"/>
             <a:r>
+              <a:rPr lang="en-US" altLang="ko-KR" sz="2000" dirty="0"/>
+              <a:t>Q</a:t>
+            </a:r>
+            <a:r>
               <a:rPr lang="ko-KR" altLang="en-US" sz="2000" dirty="0"/>
-              <a:t>각 </a:t>
-            </a:r>
-            <a:r>
-              <a:rPr lang="en-US" altLang="ko-KR" sz="2000" dirty="0"/>
-              <a:t>agent</a:t>
+              <a:t>러닝이었던 </a:t>
+            </a:r>
+            <a:r>
+              <a:rPr lang="en-US" altLang="ko-KR" sz="2000" dirty="0"/>
+              <a:t>IQL</a:t>
             </a:r>
             <a:r>
               <a:rPr lang="ko-KR" altLang="en-US" sz="2000" dirty="0"/>
-              <a:t>간의 의사소통이 어렵다</a:t>
-            </a:r>
-            <a:endParaRPr lang="en-US" altLang="ko-KR" sz="2000" dirty="0"/>
-          </a:p>
-          <a:p>
-            <a:pPr lvl="2"/>
-            <a:r>
-              <a:rPr lang="en-US" altLang="ko-KR" sz="1600" dirty="0"/>
-              <a:t>Centralize critic </a:t>
-            </a:r>
-            <a:r>
-              <a:rPr lang="ko-KR" altLang="en-US" sz="1600" dirty="0"/>
-              <a:t>필요함</a:t>
-            </a:r>
-            <a:endParaRPr lang="en-US" altLang="ko-KR" sz="1600" dirty="0"/>
+              <a:t>을 </a:t>
+            </a:r>
+            <a:r>
+              <a:rPr lang="en-US" altLang="ko-KR" sz="2000" dirty="0"/>
+              <a:t>actor-critic</a:t>
+            </a:r>
+            <a:r>
+              <a:rPr lang="ko-KR" altLang="en-US" sz="2000" dirty="0"/>
+              <a:t>방법으로 </a:t>
+            </a:r>
+            <a:r>
+              <a:rPr lang="en-US" altLang="ko-KR" sz="2000" dirty="0"/>
+              <a:t>Policy Gradient</a:t>
+            </a:r>
+            <a:r>
+              <a:rPr lang="ko-KR" altLang="en-US" sz="2000" dirty="0"/>
+              <a:t>를 이용함</a:t>
+            </a:r>
+            <a:r>
+              <a:rPr lang="en-US" altLang="ko-KR" sz="2000" dirty="0"/>
+              <a:t>.</a:t>
+            </a:r>
           </a:p>
           <a:p>
             <a:pPr lvl="1"/>
             <a:r>
-              <a:rPr lang="en-US" altLang="ko-KR" sz="2000" dirty="0"/>
-              <a:t>Reward</a:t>
-            </a:r>
-            <a:r>
               <a:rPr lang="ko-KR" altLang="en-US" sz="2000" dirty="0"/>
-              <a:t> </a:t>
-            </a:r>
-            <a:r>
-              <a:rPr lang="en-US" altLang="ko-KR" sz="2000" dirty="0"/>
-              <a:t>shape</a:t>
+              <a:t>각</a:t>
+            </a:r>
+            <a:r>
+              <a:rPr lang="en-US" altLang="ko-KR" sz="2000" dirty="0"/>
+              <a:t> agent</a:t>
             </a:r>
             <a:r>
               <a:rPr lang="ko-KR" altLang="en-US" sz="2000" dirty="0"/>
-              <a:t>을 이용하면 모든 경우를 확인이 필요해 복잡하다</a:t>
+              <a:t>마다 </a:t>
+            </a:r>
+            <a:r>
+              <a:rPr lang="en-US" altLang="ko-KR" sz="2000" dirty="0"/>
+              <a:t>actor </a:t>
+            </a:r>
+            <a:r>
+              <a:rPr lang="ko-KR" altLang="en-US" sz="2000" dirty="0"/>
+              <a:t>및 </a:t>
+            </a:r>
+            <a:r>
+              <a:rPr lang="en-US" altLang="ko-KR" sz="2000" dirty="0"/>
+              <a:t>critic</a:t>
+            </a:r>
+            <a:r>
+              <a:rPr lang="ko-KR" altLang="en-US" sz="2000" dirty="0"/>
+              <a:t>이 할당되며 </a:t>
+            </a:r>
+            <a:r>
+              <a:rPr lang="en-US" altLang="ko-KR" sz="2000" dirty="0"/>
+              <a:t>critic</a:t>
+            </a:r>
+            <a:r>
+              <a:rPr lang="ko-KR" altLang="en-US" sz="2000" dirty="0"/>
+              <a:t>의 형태에 따라 </a:t>
+            </a:r>
+            <a:r>
+              <a:rPr lang="en-US" altLang="ko-KR" sz="2000" dirty="0"/>
+              <a:t>IAC-V, IAC-Q </a:t>
+            </a:r>
+            <a:r>
+              <a:rPr lang="ko-KR" altLang="en-US" sz="2000" dirty="0"/>
+              <a:t>가 존재한다</a:t>
+            </a:r>
+            <a:r>
+              <a:rPr lang="en-US" altLang="ko-KR" sz="2000" dirty="0"/>
+              <a:t>. </a:t>
+            </a:r>
+          </a:p>
+          <a:p>
+            <a:pPr lvl="1"/>
+            <a:r>
+              <a:rPr lang="en-US" altLang="ko-KR" sz="2000" dirty="0"/>
+              <a:t>IQL</a:t>
+            </a:r>
+            <a:r>
+              <a:rPr lang="ko-KR" altLang="en-US" sz="2000" dirty="0"/>
+              <a:t>과 마찬가지로 각</a:t>
+            </a:r>
+            <a:r>
+              <a:rPr lang="en-US" altLang="ko-KR" sz="2000" dirty="0"/>
+              <a:t> agent</a:t>
+            </a:r>
+            <a:r>
+              <a:rPr lang="ko-KR" altLang="en-US" sz="2000" dirty="0"/>
+              <a:t>의 </a:t>
+            </a:r>
+            <a:r>
+              <a:rPr lang="en-US" altLang="ko-KR" sz="2000" dirty="0"/>
+              <a:t>Joint-action</a:t>
+            </a:r>
+            <a:r>
+              <a:rPr lang="ko-KR" altLang="en-US" sz="2000" dirty="0"/>
+              <a:t>에 대한 </a:t>
+            </a:r>
+            <a:r>
+              <a:rPr lang="en-US" altLang="ko-KR" sz="2000" dirty="0"/>
+              <a:t>Policy</a:t>
+            </a:r>
+            <a:r>
+              <a:rPr lang="ko-KR" altLang="en-US" sz="2000" dirty="0"/>
+              <a:t>를 평가하는 기능이 없다</a:t>
             </a:r>
             <a:r>
               <a:rPr lang="en-US" altLang="ko-KR" sz="2000" dirty="0"/>
@@ -8811,82 +9217,31 @@
             </a:r>
           </a:p>
           <a:p>
-            <a:pPr lvl="1"/>
-            <a:endParaRPr lang="en-US" altLang="ko-KR" sz="2000" dirty="0"/>
-          </a:p>
-          <a:p>
-            <a:pPr lvl="1"/>
-            <a:endParaRPr lang="en-US" altLang="ko-KR" sz="2000" dirty="0"/>
-          </a:p>
-          <a:p>
-            <a:r>
-              <a:rPr lang="ko-KR" altLang="en-US" sz="2400" dirty="0"/>
-              <a:t>해결 방법</a:t>
-            </a:r>
-            <a:endParaRPr lang="en-US" altLang="ko-KR" sz="2400" dirty="0"/>
-          </a:p>
-          <a:p>
-            <a:pPr lvl="1"/>
-            <a:r>
-              <a:rPr lang="en-US" altLang="ko-KR" sz="2000" dirty="0"/>
-              <a:t>Reward shape</a:t>
-            </a:r>
-            <a:r>
-              <a:rPr lang="ko-KR" altLang="en-US" sz="2000" dirty="0"/>
-              <a:t>과 </a:t>
-            </a:r>
-            <a:r>
-              <a:rPr lang="en-US" altLang="ko-KR" sz="2000" dirty="0" err="1"/>
-              <a:t>cemtralize</a:t>
-            </a:r>
-            <a:r>
-              <a:rPr lang="en-US" altLang="ko-KR" sz="2000" dirty="0"/>
-              <a:t> critic</a:t>
-            </a:r>
-            <a:r>
-              <a:rPr lang="ko-KR" altLang="en-US" sz="2000" dirty="0"/>
-              <a:t>을 연결함</a:t>
-            </a:r>
-            <a:endParaRPr lang="en-US" altLang="ko-KR" sz="2000" dirty="0"/>
-          </a:p>
-          <a:p>
-            <a:pPr lvl="2"/>
-            <a:r>
-              <a:rPr lang="en-US" altLang="ko-KR" sz="1600" dirty="0"/>
-              <a:t>Reward</a:t>
-            </a:r>
-            <a:r>
-              <a:rPr lang="ko-KR" altLang="en-US" sz="1600" dirty="0"/>
-              <a:t> </a:t>
-            </a:r>
-            <a:r>
-              <a:rPr lang="en-US" altLang="ko-KR" sz="1600" dirty="0"/>
-              <a:t>shape : Extrinsic, Intrinsic reward</a:t>
-            </a:r>
-            <a:r>
-              <a:rPr lang="ko-KR" altLang="en-US" sz="1600" dirty="0"/>
-              <a:t>를 이용함</a:t>
-            </a:r>
-            <a:endParaRPr lang="en-US" altLang="ko-KR" sz="1600" dirty="0"/>
-          </a:p>
-          <a:p>
-            <a:pPr lvl="2"/>
-            <a:r>
-              <a:rPr lang="en-US" altLang="ko-KR" sz="1600" dirty="0" err="1"/>
-              <a:t>cemtralize</a:t>
-            </a:r>
-            <a:r>
-              <a:rPr lang="en-US" altLang="ko-KR" sz="1600" dirty="0"/>
-              <a:t> critic : Extrinsic reward</a:t>
-            </a:r>
-            <a:r>
-              <a:rPr lang="ko-KR" altLang="en-US" sz="1600" dirty="0"/>
-              <a:t>에 대한 </a:t>
-            </a:r>
-            <a:r>
-              <a:rPr lang="en-US" altLang="ko-KR" sz="1600" dirty="0"/>
-              <a:t>critic</a:t>
-            </a:r>
+            <a:endParaRPr lang="en-US" altLang="ko-KR" sz="2400" b="1" dirty="0"/>
+          </a:p>
+          <a:p>
+            <a:endParaRPr lang="en-US" altLang="ko-KR" sz="2400" b="1" dirty="0"/>
+          </a:p>
+          <a:p>
+            <a:endParaRPr lang="en-US" altLang="ko-KR" sz="2400" b="1" dirty="0"/>
+          </a:p>
+          <a:p>
+            <a:pPr marL="0" indent="0">
+              <a:buNone/>
+            </a:pPr>
+            <a:endParaRPr lang="en-US" altLang="ko-KR" sz="2000" b="1" dirty="0"/>
+          </a:p>
+          <a:p>
+            <a:pPr marL="0" indent="0">
+              <a:buNone/>
+            </a:pPr>
+            <a:endParaRPr lang="en-US" altLang="ko-KR" sz="2000" b="1" dirty="0"/>
+          </a:p>
+          <a:p>
+            <a:pPr marL="457200" lvl="1" indent="0">
+              <a:buNone/>
+            </a:pPr>
+            <a:endParaRPr lang="en-US" altLang="ko-KR" sz="2000" b="1" dirty="0"/>
           </a:p>
           <a:p>
             <a:endParaRPr lang="en-US" altLang="ko-KR" dirty="0"/>
@@ -8902,7 +9257,7 @@
     </p:spTree>
     <p:extLst>
       <p:ext uri="{BB962C8B-B14F-4D97-AF65-F5344CB8AC3E}">
-        <p14:creationId xmlns:p14="http://schemas.microsoft.com/office/powerpoint/2010/main" val="1966750711"/>
+        <p14:creationId xmlns:p14="http://schemas.microsoft.com/office/powerpoint/2010/main" val="3621461651"/>
       </p:ext>
     </p:extLst>
   </p:cSld>
